--- a/PPT/Aplikasi Kamus Istilah Ilmu Kedokteran Berbasis Desktop.pptx
+++ b/PPT/Aplikasi Kamus Istilah Ilmu Kedokteran Berbasis Desktop.pptx
@@ -13,9 +13,30 @@
     <p:sldId id="261" r:id="rId7"/>
     <p:sldId id="262" r:id="rId8"/>
     <p:sldId id="263" r:id="rId9"/>
-    <p:sldId id="264" r:id="rId10"/>
-    <p:sldId id="265" r:id="rId11"/>
-    <p:sldId id="266" r:id="rId12"/>
+    <p:sldId id="265" r:id="rId10"/>
+    <p:sldId id="266" r:id="rId11"/>
+    <p:sldId id="267" r:id="rId12"/>
+    <p:sldId id="268" r:id="rId13"/>
+    <p:sldId id="269" r:id="rId14"/>
+    <p:sldId id="270" r:id="rId15"/>
+    <p:sldId id="271" r:id="rId16"/>
+    <p:sldId id="272" r:id="rId17"/>
+    <p:sldId id="273" r:id="rId18"/>
+    <p:sldId id="274" r:id="rId19"/>
+    <p:sldId id="275" r:id="rId20"/>
+    <p:sldId id="276" r:id="rId21"/>
+    <p:sldId id="277" r:id="rId22"/>
+    <p:sldId id="278" r:id="rId23"/>
+    <p:sldId id="279" r:id="rId24"/>
+    <p:sldId id="280" r:id="rId25"/>
+    <p:sldId id="281" r:id="rId26"/>
+    <p:sldId id="282" r:id="rId27"/>
+    <p:sldId id="283" r:id="rId28"/>
+    <p:sldId id="284" r:id="rId29"/>
+    <p:sldId id="285" r:id="rId30"/>
+    <p:sldId id="286" r:id="rId31"/>
+    <p:sldId id="287" r:id="rId32"/>
+    <p:sldId id="288" r:id="rId33"/>
   </p:sldIdLst>
   <p:sldSz cx="9144000" cy="6858000" type="screen4x3"/>
   <p:notesSz cx="6858000" cy="9144000"/>
@@ -304,7 +325,7 @@
           <a:p>
             <a:fld id="{C131C16D-4C40-4A7A-9C15-F2F6365B6CE1}" type="datetimeFigureOut">
               <a:rPr lang="en-US" smtClean="0"/>
-              <a:t>10/19/2014</a:t>
+              <a:t>12/14/2014</a:t>
             </a:fld>
             <a:endParaRPr lang="en-US"/>
           </a:p>
@@ -474,7 +495,7 @@
           <a:p>
             <a:fld id="{C131C16D-4C40-4A7A-9C15-F2F6365B6CE1}" type="datetimeFigureOut">
               <a:rPr lang="en-US" smtClean="0"/>
-              <a:t>10/19/2014</a:t>
+              <a:t>12/14/2014</a:t>
             </a:fld>
             <a:endParaRPr lang="en-US"/>
           </a:p>
@@ -649,7 +670,7 @@
           <a:p>
             <a:fld id="{C131C16D-4C40-4A7A-9C15-F2F6365B6CE1}" type="datetimeFigureOut">
               <a:rPr lang="en-US" smtClean="0"/>
-              <a:t>10/19/2014</a:t>
+              <a:t>12/14/2014</a:t>
             </a:fld>
             <a:endParaRPr lang="en-US"/>
           </a:p>
@@ -851,7 +872,7 @@
           <a:p>
             <a:fld id="{C131C16D-4C40-4A7A-9C15-F2F6365B6CE1}" type="datetimeFigureOut">
               <a:rPr lang="en-US" smtClean="0"/>
-              <a:t>10/19/2014</a:t>
+              <a:t>12/14/2014</a:t>
             </a:fld>
             <a:endParaRPr lang="en-US"/>
           </a:p>
@@ -1094,7 +1115,7 @@
           <a:p>
             <a:fld id="{C131C16D-4C40-4A7A-9C15-F2F6365B6CE1}" type="datetimeFigureOut">
               <a:rPr lang="en-US" smtClean="0"/>
-              <a:t>10/19/2014</a:t>
+              <a:t>12/14/2014</a:t>
             </a:fld>
             <a:endParaRPr lang="en-US"/>
           </a:p>
@@ -1404,7 +1425,7 @@
           <a:p>
             <a:fld id="{C131C16D-4C40-4A7A-9C15-F2F6365B6CE1}" type="datetimeFigureOut">
               <a:rPr lang="en-US" smtClean="0"/>
-              <a:t>10/19/2014</a:t>
+              <a:t>12/14/2014</a:t>
             </a:fld>
             <a:endParaRPr lang="en-US"/>
           </a:p>
@@ -1847,7 +1868,7 @@
           <a:p>
             <a:fld id="{C131C16D-4C40-4A7A-9C15-F2F6365B6CE1}" type="datetimeFigureOut">
               <a:rPr lang="en-US" smtClean="0"/>
-              <a:t>10/19/2014</a:t>
+              <a:t>12/14/2014</a:t>
             </a:fld>
             <a:endParaRPr lang="en-US"/>
           </a:p>
@@ -1960,7 +1981,7 @@
           <a:p>
             <a:fld id="{C131C16D-4C40-4A7A-9C15-F2F6365B6CE1}" type="datetimeFigureOut">
               <a:rPr lang="en-US" smtClean="0"/>
-              <a:t>10/19/2014</a:t>
+              <a:t>12/14/2014</a:t>
             </a:fld>
             <a:endParaRPr lang="en-US"/>
           </a:p>
@@ -2050,7 +2071,7 @@
           <a:p>
             <a:fld id="{C131C16D-4C40-4A7A-9C15-F2F6365B6CE1}" type="datetimeFigureOut">
               <a:rPr lang="en-US" smtClean="0"/>
-              <a:t>10/19/2014</a:t>
+              <a:t>12/14/2014</a:t>
             </a:fld>
             <a:endParaRPr lang="en-US"/>
           </a:p>
@@ -2335,7 +2356,7 @@
           <a:p>
             <a:fld id="{C131C16D-4C40-4A7A-9C15-F2F6365B6CE1}" type="datetimeFigureOut">
               <a:rPr lang="en-US" smtClean="0"/>
-              <a:t>10/19/2014</a:t>
+              <a:t>12/14/2014</a:t>
             </a:fld>
             <a:endParaRPr lang="en-US"/>
           </a:p>
@@ -2526,7 +2547,7 @@
           <a:p>
             <a:fld id="{C131C16D-4C40-4A7A-9C15-F2F6365B6CE1}" type="datetimeFigureOut">
               <a:rPr lang="en-US" smtClean="0"/>
-              <a:t>10/19/2014</a:t>
+              <a:t>12/14/2014</a:t>
             </a:fld>
             <a:endParaRPr lang="en-US"/>
           </a:p>
@@ -23026,7 +23047,7 @@
           <a:p>
             <a:fld id="{C131C16D-4C40-4A7A-9C15-F2F6365B6CE1}" type="datetimeFigureOut">
               <a:rPr lang="en-US" smtClean="0"/>
-              <a:t>10/19/2014</a:t>
+              <a:t>12/14/2014</a:t>
             </a:fld>
             <a:endParaRPr lang="en-US"/>
           </a:p>
@@ -23562,7 +23583,7 @@
             </a:r>
             <a:r>
               <a:rPr lang="en-US" dirty="0" smtClean="0"/>
-              <a:t> Desktop</a:t>
+              <a:t> Android</a:t>
             </a:r>
             <a:endParaRPr lang="en-US" dirty="0"/>
           </a:p>
@@ -23752,7 +23773,7 @@
       </p:sp>
       <p:pic>
         <p:nvPicPr>
-          <p:cNvPr id="9" name="Picture 8"/>
+          <p:cNvPr id="5" name="Picture 4"/>
           <p:cNvPicPr>
             <a:picLocks noChangeAspect="1"/>
           </p:cNvPicPr>
@@ -23772,8 +23793,8 @@
         </p:blipFill>
         <p:spPr>
           <a:xfrm>
-            <a:off x="5105400" y="3657600"/>
-            <a:ext cx="2696570" cy="2696570"/>
+            <a:off x="5257800" y="3581400"/>
+            <a:ext cx="3632200" cy="1470891"/>
           </a:xfrm>
           <a:prstGeom prst="rect">
             <a:avLst/>
@@ -23812,7 +23833,7 @@
       </p:grpSpPr>
       <p:pic>
         <p:nvPicPr>
-          <p:cNvPr id="4" name="Picture 3"/>
+          <p:cNvPr id="5" name="Picture 4"/>
           <p:cNvPicPr/>
           <p:nvPr/>
         </p:nvPicPr>
@@ -23840,7 +23861,7 @@
       </p:pic>
       <p:cxnSp>
         <p:nvCxnSpPr>
-          <p:cNvPr id="5" name="Straight Connector 4"/>
+          <p:cNvPr id="6" name="Straight Connector 5"/>
           <p:cNvCxnSpPr/>
           <p:nvPr/>
         </p:nvCxnSpPr>
@@ -23870,7 +23891,7 @@
       </p:cxnSp>
       <p:sp>
         <p:nvSpPr>
-          <p:cNvPr id="6" name="TextBox 5"/>
+          <p:cNvPr id="7" name="TextBox 6"/>
           <p:cNvSpPr txBox="1"/>
           <p:nvPr/>
         </p:nvSpPr>
@@ -23898,455 +23919,38 @@
           </a:p>
         </p:txBody>
       </p:sp>
-      <p:graphicFrame>
-        <p:nvGraphicFramePr>
-          <p:cNvPr id="9" name="Content Placeholder 8"/>
-          <p:cNvGraphicFramePr>
-            <a:graphicFrameLocks noGrp="1"/>
-          </p:cNvGraphicFramePr>
-          <p:nvPr>
-            <p:ph idx="1"/>
-            <p:extLst>
-              <p:ext uri="{D42A27DB-BD31-4B8C-83A1-F6EECF244321}">
-                <p14:modId xmlns:p14="http://schemas.microsoft.com/office/powerpoint/2010/main" val="2508125208"/>
-              </p:ext>
-            </p:extLst>
-          </p:nvPr>
-        </p:nvGraphicFramePr>
-        <p:xfrm>
-          <a:off x="272628" y="2362200"/>
-          <a:ext cx="4027063" cy="2743200"/>
-        </p:xfrm>
-        <a:graphic>
-          <a:graphicData uri="http://schemas.openxmlformats.org/drawingml/2006/table">
-            <a:tbl>
-              <a:tblPr>
-                <a:tableStyleId>{5C22544A-7EE6-4342-B048-85BDC9FD1C3A}</a:tableStyleId>
-              </a:tblPr>
-              <a:tblGrid>
-                <a:gridCol w="4027063"/>
-              </a:tblGrid>
-              <a:tr h="914400">
-                <a:tc>
-                  <a:txBody>
-                    <a:bodyPr/>
-                    <a:lstStyle/>
-                    <a:p>
-                      <a:pPr marL="0" marR="0">
-                        <a:spcBef>
-                          <a:spcPts val="0"/>
-                        </a:spcBef>
-                        <a:spcAft>
-                          <a:spcPts val="600"/>
-                        </a:spcAft>
-                      </a:pPr>
-                      <a:r>
-                        <a:rPr lang="id-ID" sz="1000" dirty="0">
-                          <a:effectLst/>
-                        </a:rPr>
-                        <a:t>Aplikasi beroperasi jika aplikasi digunakan oleh user</a:t>
-                      </a:r>
-                      <a:endParaRPr lang="en-US" sz="1000" dirty="0">
-                        <a:effectLst/>
-                        <a:latin typeface="Times New Roman"/>
-                        <a:ea typeface="Times New Roman"/>
-                      </a:endParaRPr>
-                    </a:p>
-                  </a:txBody>
-                  <a:tcPr marL="68580" marR="68580" marT="0" marB="0"/>
-                </a:tc>
-              </a:tr>
-              <a:tr h="914400">
-                <a:tc>
-                  <a:txBody>
-                    <a:bodyPr/>
-                    <a:lstStyle/>
-                    <a:p>
-                      <a:pPr marL="0" marR="0">
-                        <a:spcBef>
-                          <a:spcPts val="0"/>
-                        </a:spcBef>
-                        <a:spcAft>
-                          <a:spcPts val="600"/>
-                        </a:spcAft>
-                      </a:pPr>
-                      <a:r>
-                        <a:rPr lang="id-ID" sz="1000">
-                          <a:effectLst/>
-                        </a:rPr>
-                        <a:t>Aplikasi harus dapat menampilkan hasil pencarian paling lambat 5 detik</a:t>
-                      </a:r>
-                      <a:endParaRPr lang="en-US" sz="1000">
-                        <a:effectLst/>
-                        <a:latin typeface="Times New Roman"/>
-                        <a:ea typeface="Times New Roman"/>
-                      </a:endParaRPr>
-                    </a:p>
-                  </a:txBody>
-                  <a:tcPr marL="68580" marR="68580" marT="0" marB="0"/>
-                </a:tc>
-              </a:tr>
-              <a:tr h="457200">
-                <a:tc>
-                  <a:txBody>
-                    <a:bodyPr/>
-                    <a:lstStyle/>
-                    <a:p>
-                      <a:pPr marL="0" marR="0">
-                        <a:spcBef>
-                          <a:spcPts val="0"/>
-                        </a:spcBef>
-                        <a:spcAft>
-                          <a:spcPts val="600"/>
-                        </a:spcAft>
-                      </a:pPr>
-                      <a:r>
-                        <a:rPr lang="id-ID" sz="1000" dirty="0">
-                          <a:effectLst/>
-                        </a:rPr>
-                        <a:t>Sistem harus terintegrasi antar bagiannya</a:t>
-                      </a:r>
-                      <a:endParaRPr lang="en-US" sz="1000" dirty="0">
-                        <a:effectLst/>
-                        <a:latin typeface="Times New Roman"/>
-                        <a:ea typeface="Times New Roman"/>
-                      </a:endParaRPr>
-                    </a:p>
-                  </a:txBody>
-                  <a:tcPr marL="68580" marR="68580" marT="0" marB="0"/>
-                </a:tc>
-              </a:tr>
-              <a:tr h="457200">
-                <a:tc>
-                  <a:txBody>
-                    <a:bodyPr/>
-                    <a:lstStyle/>
-                    <a:p>
-                      <a:pPr marL="0" marR="0">
-                        <a:spcBef>
-                          <a:spcPts val="0"/>
-                        </a:spcBef>
-                        <a:spcAft>
-                          <a:spcPts val="600"/>
-                        </a:spcAft>
-                      </a:pPr>
-                      <a:r>
-                        <a:rPr lang="id-ID" sz="1000" dirty="0">
-                          <a:effectLst/>
-                        </a:rPr>
-                        <a:t>Semua tanya jawab dalam bahasa Indonesia</a:t>
-                      </a:r>
-                      <a:endParaRPr lang="en-US" sz="1000" dirty="0">
-                        <a:effectLst/>
-                        <a:latin typeface="Times New Roman"/>
-                        <a:ea typeface="Times New Roman"/>
-                      </a:endParaRPr>
-                    </a:p>
-                  </a:txBody>
-                  <a:tcPr marL="68580" marR="68580" marT="0" marB="0"/>
-                </a:tc>
-              </a:tr>
-            </a:tbl>
-          </a:graphicData>
-        </a:graphic>
-      </p:graphicFrame>
-      <p:sp>
-        <p:nvSpPr>
-          <p:cNvPr id="10" name="TextBox 9"/>
-          <p:cNvSpPr txBox="1"/>
+      <p:pic>
+        <p:nvPicPr>
+          <p:cNvPr id="8" name="Picture 7"/>
+          <p:cNvPicPr/>
           <p:nvPr/>
-        </p:nvSpPr>
+        </p:nvPicPr>
+        <p:blipFill>
+          <a:blip r:embed="rId3">
+            <a:extLst>
+              <a:ext uri="{28A0092B-C50C-407E-A947-70E740481C1C}">
+                <a14:useLocalDpi xmlns:a14="http://schemas.microsoft.com/office/drawing/2010/main" val="0"/>
+              </a:ext>
+            </a:extLst>
+          </a:blip>
+          <a:stretch>
+            <a:fillRect/>
+          </a:stretch>
+        </p:blipFill>
         <p:spPr>
           <a:xfrm>
-            <a:off x="272628" y="1143000"/>
-            <a:ext cx="4027064" cy="1077218"/>
+            <a:off x="685800" y="1219200"/>
+            <a:ext cx="7162800" cy="5029200"/>
           </a:xfrm>
           <a:prstGeom prst="rect">
             <a:avLst/>
           </a:prstGeom>
         </p:spPr>
-        <p:style>
-          <a:lnRef idx="1">
-            <a:schemeClr val="accent6"/>
-          </a:lnRef>
-          <a:fillRef idx="2">
-            <a:schemeClr val="accent6"/>
-          </a:fillRef>
-          <a:effectRef idx="1">
-            <a:schemeClr val="accent6"/>
-          </a:effectRef>
-          <a:fontRef idx="minor">
-            <a:schemeClr val="dk1"/>
-          </a:fontRef>
-        </p:style>
-        <p:txBody>
-          <a:bodyPr wrap="square" rtlCol="0">
-            <a:spAutoFit/>
-          </a:bodyPr>
-          <a:lstStyle/>
-          <a:p>
-            <a:pPr algn="ctr"/>
-            <a:r>
-              <a:rPr lang="en-US" sz="3200" dirty="0" smtClean="0">
-                <a:latin typeface="Times New Roman" pitchFamily="18" charset="0"/>
-                <a:cs typeface="Times New Roman" pitchFamily="18" charset="0"/>
-              </a:rPr>
-              <a:t>KEBUTUHAN NON FUNGSIONAL</a:t>
-            </a:r>
-            <a:endParaRPr lang="en-US" sz="3200" dirty="0">
-              <a:latin typeface="Times New Roman" pitchFamily="18" charset="0"/>
-              <a:cs typeface="Times New Roman" pitchFamily="18" charset="0"/>
-            </a:endParaRPr>
-          </a:p>
-        </p:txBody>
-      </p:sp>
-      <p:graphicFrame>
-        <p:nvGraphicFramePr>
-          <p:cNvPr id="11" name="Content Placeholder 3"/>
-          <p:cNvGraphicFramePr>
-            <a:graphicFrameLocks/>
-          </p:cNvGraphicFramePr>
-          <p:nvPr>
-            <p:extLst>
-              <p:ext uri="{D42A27DB-BD31-4B8C-83A1-F6EECF244321}">
-                <p14:modId xmlns:p14="http://schemas.microsoft.com/office/powerpoint/2010/main" val="843144430"/>
-              </p:ext>
-            </p:extLst>
-          </p:nvPr>
-        </p:nvGraphicFramePr>
-        <p:xfrm>
-          <a:off x="4495800" y="2362200"/>
-          <a:ext cx="4038599" cy="2743200"/>
-        </p:xfrm>
-        <a:graphic>
-          <a:graphicData uri="http://schemas.openxmlformats.org/drawingml/2006/table">
-            <a:tbl>
-              <a:tblPr>
-                <a:tableStyleId>{5C22544A-7EE6-4342-B048-85BDC9FD1C3A}</a:tableStyleId>
-              </a:tblPr>
-              <a:tblGrid>
-                <a:gridCol w="4038599"/>
-              </a:tblGrid>
-              <a:tr h="914400">
-                <a:tc>
-                  <a:txBody>
-                    <a:bodyPr/>
-                    <a:lstStyle/>
-                    <a:p>
-                      <a:pPr marL="0" marR="0">
-                        <a:spcBef>
-                          <a:spcPts val="0"/>
-                        </a:spcBef>
-                        <a:spcAft>
-                          <a:spcPts val="600"/>
-                        </a:spcAft>
-                      </a:pPr>
-                      <a:r>
-                        <a:rPr lang="id-ID" sz="1000" dirty="0">
-                          <a:effectLst/>
-                        </a:rPr>
-                        <a:t>Sistem mampu menampilkan d</a:t>
-                      </a:r>
-                      <a:r>
-                        <a:rPr lang="en-US" sz="1000" dirty="0">
-                          <a:effectLst/>
-                        </a:rPr>
-                        <a:t>a</a:t>
-                      </a:r>
-                      <a:r>
-                        <a:rPr lang="id-ID" sz="1000" dirty="0">
-                          <a:effectLst/>
-                        </a:rPr>
-                        <a:t>ftar pencarian kata</a:t>
-                      </a:r>
-                      <a:endParaRPr lang="en-US" sz="1000" dirty="0">
-                        <a:effectLst/>
-                        <a:latin typeface="Times New Roman"/>
-                        <a:ea typeface="Times New Roman"/>
-                      </a:endParaRPr>
-                    </a:p>
-                  </a:txBody>
-                  <a:tcPr marL="68580" marR="68580" marT="0" marB="0"/>
-                </a:tc>
-              </a:tr>
-              <a:tr h="914400">
-                <a:tc>
-                  <a:txBody>
-                    <a:bodyPr/>
-                    <a:lstStyle/>
-                    <a:p>
-                      <a:pPr marL="0" marR="0">
-                        <a:spcBef>
-                          <a:spcPts val="0"/>
-                        </a:spcBef>
-                        <a:spcAft>
-                          <a:spcPts val="600"/>
-                        </a:spcAft>
-                      </a:pPr>
-                      <a:r>
-                        <a:rPr lang="id-ID" sz="1000" dirty="0">
-                          <a:effectLst/>
-                        </a:rPr>
-                        <a:t>Sistem mampu menampilkan pendefinisian istilah yang dicari</a:t>
-                      </a:r>
-                      <a:endParaRPr lang="en-US" sz="1000" dirty="0">
-                        <a:effectLst/>
-                        <a:latin typeface="Times New Roman"/>
-                        <a:ea typeface="Times New Roman"/>
-                      </a:endParaRPr>
-                    </a:p>
-                  </a:txBody>
-                  <a:tcPr marL="68580" marR="68580" marT="0" marB="0"/>
-                </a:tc>
-              </a:tr>
-              <a:tr h="914400">
-                <a:tc>
-                  <a:txBody>
-                    <a:bodyPr/>
-                    <a:lstStyle/>
-                    <a:p>
-                      <a:pPr marL="0" marR="0">
-                        <a:spcBef>
-                          <a:spcPts val="0"/>
-                        </a:spcBef>
-                        <a:spcAft>
-                          <a:spcPts val="600"/>
-                        </a:spcAft>
-                      </a:pPr>
-                      <a:r>
-                        <a:rPr lang="en-US" sz="1000" dirty="0" err="1">
-                          <a:effectLst/>
-                        </a:rPr>
-                        <a:t>Sistem</a:t>
-                      </a:r>
-                      <a:r>
-                        <a:rPr lang="en-US" sz="1000" dirty="0">
-                          <a:effectLst/>
-                        </a:rPr>
-                        <a:t> </a:t>
-                      </a:r>
-                      <a:r>
-                        <a:rPr lang="en-US" sz="1000" dirty="0" err="1">
-                          <a:effectLst/>
-                        </a:rPr>
-                        <a:t>mampu</a:t>
-                      </a:r>
-                      <a:r>
-                        <a:rPr lang="en-US" sz="1000" dirty="0">
-                          <a:effectLst/>
-                        </a:rPr>
-                        <a:t> </a:t>
-                      </a:r>
-                      <a:r>
-                        <a:rPr lang="en-US" sz="1000" dirty="0" err="1">
-                          <a:effectLst/>
-                        </a:rPr>
-                        <a:t>menampilkan</a:t>
-                      </a:r>
-                      <a:r>
-                        <a:rPr lang="en-US" sz="1000" dirty="0">
-                          <a:effectLst/>
-                        </a:rPr>
-                        <a:t> </a:t>
-                      </a:r>
-                      <a:r>
-                        <a:rPr lang="en-US" sz="1000" dirty="0" err="1">
-                          <a:effectLst/>
-                        </a:rPr>
-                        <a:t>bantuan</a:t>
-                      </a:r>
-                      <a:r>
-                        <a:rPr lang="en-US" sz="1000" dirty="0">
-                          <a:effectLst/>
-                        </a:rPr>
-                        <a:t> </a:t>
-                      </a:r>
-                      <a:r>
-                        <a:rPr lang="en-US" sz="1000" dirty="0" err="1">
-                          <a:effectLst/>
-                        </a:rPr>
-                        <a:t>cara</a:t>
-                      </a:r>
-                      <a:r>
-                        <a:rPr lang="en-US" sz="1000" dirty="0">
-                          <a:effectLst/>
-                        </a:rPr>
-                        <a:t> </a:t>
-                      </a:r>
-                      <a:r>
-                        <a:rPr lang="en-US" sz="1000" dirty="0" err="1">
-                          <a:effectLst/>
-                        </a:rPr>
-                        <a:t>penggunaan</a:t>
-                      </a:r>
-                      <a:endParaRPr lang="en-US" sz="1000" dirty="0">
-                        <a:effectLst/>
-                        <a:latin typeface="Times New Roman"/>
-                        <a:ea typeface="Times New Roman"/>
-                      </a:endParaRPr>
-                    </a:p>
-                  </a:txBody>
-                  <a:tcPr marL="68580" marR="68580" marT="0" marB="0"/>
-                </a:tc>
-              </a:tr>
-            </a:tbl>
-          </a:graphicData>
-        </a:graphic>
-      </p:graphicFrame>
-      <p:sp>
-        <p:nvSpPr>
-          <p:cNvPr id="12" name="TextBox 11"/>
-          <p:cNvSpPr txBox="1"/>
-          <p:nvPr/>
-        </p:nvSpPr>
-        <p:spPr>
-          <a:xfrm>
-            <a:off x="4572000" y="1143000"/>
-            <a:ext cx="3962400" cy="1077218"/>
-          </a:xfrm>
-          <a:prstGeom prst="rect">
-            <a:avLst/>
-          </a:prstGeom>
-        </p:spPr>
-        <p:style>
-          <a:lnRef idx="1">
-            <a:schemeClr val="accent6"/>
-          </a:lnRef>
-          <a:fillRef idx="2">
-            <a:schemeClr val="accent6"/>
-          </a:fillRef>
-          <a:effectRef idx="1">
-            <a:schemeClr val="accent6"/>
-          </a:effectRef>
-          <a:fontRef idx="minor">
-            <a:schemeClr val="dk1"/>
-          </a:fontRef>
-        </p:style>
-        <p:txBody>
-          <a:bodyPr wrap="square" rtlCol="0">
-            <a:spAutoFit/>
-          </a:bodyPr>
-          <a:lstStyle/>
-          <a:p>
-            <a:pPr algn="ctr"/>
-            <a:r>
-              <a:rPr lang="en-US" sz="3200" dirty="0" smtClean="0">
-                <a:latin typeface="Times New Roman" pitchFamily="18" charset="0"/>
-                <a:cs typeface="Times New Roman" pitchFamily="18" charset="0"/>
-              </a:rPr>
-              <a:t>KEBUTUHAN FUNGSIONAL</a:t>
-            </a:r>
-            <a:endParaRPr lang="en-US" sz="3200" dirty="0">
-              <a:latin typeface="Times New Roman" pitchFamily="18" charset="0"/>
-              <a:cs typeface="Times New Roman" pitchFamily="18" charset="0"/>
-            </a:endParaRPr>
-          </a:p>
-        </p:txBody>
-      </p:sp>
+      </p:pic>
     </p:spTree>
     <p:extLst>
       <p:ext uri="{BB962C8B-B14F-4D97-AF65-F5344CB8AC3E}">
-        <p14:creationId xmlns:p14="http://schemas.microsoft.com/office/powerpoint/2010/main" val="1726828028"/>
+        <p14:creationId xmlns:p14="http://schemas.microsoft.com/office/powerpoint/2010/main" val="1291902169"/>
       </p:ext>
     </p:extLst>
   </p:cSld>
@@ -24463,42 +24067,26 @@
       </p:sp>
       <p:pic>
         <p:nvPicPr>
-          <p:cNvPr id="10" name="Picture 9"/>
+          <p:cNvPr id="8" name="Picture 7"/>
           <p:cNvPicPr/>
           <p:nvPr/>
         </p:nvPicPr>
         <p:blipFill>
-          <a:blip r:embed="rId3"/>
+          <a:blip r:embed="rId3">
+            <a:extLst>
+              <a:ext uri="{28A0092B-C50C-407E-A947-70E740481C1C}">
+                <a14:useLocalDpi xmlns:a14="http://schemas.microsoft.com/office/drawing/2010/main" val="0"/>
+              </a:ext>
+            </a:extLst>
+          </a:blip>
           <a:stretch>
             <a:fillRect/>
           </a:stretch>
         </p:blipFill>
         <p:spPr>
           <a:xfrm>
-            <a:off x="1602474" y="962024"/>
-            <a:ext cx="5634250" cy="2009775"/>
-          </a:xfrm>
-          <a:prstGeom prst="rect">
-            <a:avLst/>
-          </a:prstGeom>
-        </p:spPr>
-      </p:pic>
-      <p:pic>
-        <p:nvPicPr>
-          <p:cNvPr id="11" name="Picture 10"/>
-          <p:cNvPicPr/>
-          <p:nvPr/>
-        </p:nvPicPr>
-        <p:blipFill>
-          <a:blip r:embed="rId4"/>
-          <a:stretch>
-            <a:fillRect/>
-          </a:stretch>
-        </p:blipFill>
-        <p:spPr>
-          <a:xfrm>
-            <a:off x="1594511" y="3200400"/>
-            <a:ext cx="5634252" cy="3048000"/>
+            <a:off x="272628" y="1219200"/>
+            <a:ext cx="7179732" cy="5257800"/>
           </a:xfrm>
           <a:prstGeom prst="rect">
             <a:avLst/>
@@ -24508,7 +24096,1191 @@
     </p:spTree>
     <p:extLst>
       <p:ext uri="{BB962C8B-B14F-4D97-AF65-F5344CB8AC3E}">
-        <p14:creationId xmlns:p14="http://schemas.microsoft.com/office/powerpoint/2010/main" val="1291902169"/>
+        <p14:creationId xmlns:p14="http://schemas.microsoft.com/office/powerpoint/2010/main" val="1123661586"/>
+      </p:ext>
+    </p:extLst>
+  </p:cSld>
+  <p:clrMapOvr>
+    <a:masterClrMapping/>
+  </p:clrMapOvr>
+</p:sld>
+</file>
+
+<file path=ppt/slides/slide12.xml><?xml version="1.0" encoding="utf-8"?>
+<p:sld xmlns:a="http://schemas.openxmlformats.org/drawingml/2006/main" xmlns:r="http://schemas.openxmlformats.org/officeDocument/2006/relationships" xmlns:p="http://schemas.openxmlformats.org/presentationml/2006/main">
+  <p:cSld>
+    <p:spTree>
+      <p:nvGrpSpPr>
+        <p:cNvPr id="1" name=""/>
+        <p:cNvGrpSpPr/>
+        <p:nvPr/>
+      </p:nvGrpSpPr>
+      <p:grpSpPr>
+        <a:xfrm>
+          <a:off x="0" y="0"/>
+          <a:ext cx="0" cy="0"/>
+          <a:chOff x="0" y="0"/>
+          <a:chExt cx="0" cy="0"/>
+        </a:xfrm>
+      </p:grpSpPr>
+      <p:pic>
+        <p:nvPicPr>
+          <p:cNvPr id="4" name="Picture 3"/>
+          <p:cNvPicPr>
+            <a:picLocks noChangeAspect="1"/>
+          </p:cNvPicPr>
+          <p:nvPr/>
+        </p:nvPicPr>
+        <p:blipFill>
+          <a:blip r:embed="rId2">
+            <a:extLst>
+              <a:ext uri="{28A0092B-C50C-407E-A947-70E740481C1C}">
+                <a14:useLocalDpi xmlns:a14="http://schemas.microsoft.com/office/drawing/2010/main" val="0"/>
+              </a:ext>
+            </a:extLst>
+          </a:blip>
+          <a:stretch>
+            <a:fillRect/>
+          </a:stretch>
+        </p:blipFill>
+        <p:spPr>
+          <a:xfrm>
+            <a:off x="283150" y="1219200"/>
+            <a:ext cx="7976091" cy="4986337"/>
+          </a:xfrm>
+          <a:prstGeom prst="rect">
+            <a:avLst/>
+          </a:prstGeom>
+        </p:spPr>
+      </p:pic>
+      <p:pic>
+        <p:nvPicPr>
+          <p:cNvPr id="5" name="Picture 4"/>
+          <p:cNvPicPr/>
+          <p:nvPr/>
+        </p:nvPicPr>
+        <p:blipFill>
+          <a:blip r:embed="rId3" cstate="print">
+            <a:extLst>
+              <a:ext uri="{28A0092B-C50C-407E-A947-70E740481C1C}">
+                <a14:useLocalDpi xmlns:a14="http://schemas.microsoft.com/office/drawing/2010/main" val="0"/>
+              </a:ext>
+            </a:extLst>
+          </a:blip>
+          <a:stretch>
+            <a:fillRect/>
+          </a:stretch>
+        </p:blipFill>
+        <p:spPr>
+          <a:xfrm>
+            <a:off x="272628" y="304800"/>
+            <a:ext cx="554355" cy="657225"/>
+          </a:xfrm>
+          <a:prstGeom prst="rect">
+            <a:avLst/>
+          </a:prstGeom>
+        </p:spPr>
+      </p:pic>
+      <p:cxnSp>
+        <p:nvCxnSpPr>
+          <p:cNvPr id="6" name="Straight Connector 5"/>
+          <p:cNvCxnSpPr/>
+          <p:nvPr/>
+        </p:nvCxnSpPr>
+        <p:spPr>
+          <a:xfrm>
+            <a:off x="826983" y="762000"/>
+            <a:ext cx="2297217" cy="0"/>
+          </a:xfrm>
+          <a:prstGeom prst="line">
+            <a:avLst/>
+          </a:prstGeom>
+        </p:spPr>
+        <p:style>
+          <a:lnRef idx="1">
+            <a:schemeClr val="accent1"/>
+          </a:lnRef>
+          <a:fillRef idx="0">
+            <a:schemeClr val="accent1"/>
+          </a:fillRef>
+          <a:effectRef idx="0">
+            <a:schemeClr val="accent1"/>
+          </a:effectRef>
+          <a:fontRef idx="minor">
+            <a:schemeClr val="tx1"/>
+          </a:fontRef>
+        </p:style>
+      </p:cxnSp>
+      <p:sp>
+        <p:nvSpPr>
+          <p:cNvPr id="7" name="TextBox 6"/>
+          <p:cNvSpPr txBox="1"/>
+          <p:nvPr/>
+        </p:nvSpPr>
+        <p:spPr>
+          <a:xfrm>
+            <a:off x="826983" y="304800"/>
+            <a:ext cx="2830617" cy="369332"/>
+          </a:xfrm>
+          <a:prstGeom prst="rect">
+            <a:avLst/>
+          </a:prstGeom>
+          <a:noFill/>
+        </p:spPr>
+        <p:txBody>
+          <a:bodyPr wrap="square" rtlCol="0">
+            <a:spAutoFit/>
+          </a:bodyPr>
+          <a:lstStyle/>
+          <a:p>
+            <a:r>
+              <a:rPr lang="en-US" dirty="0" smtClean="0"/>
+              <a:t>UIN SGD Bandung</a:t>
+            </a:r>
+            <a:endParaRPr lang="en-US" dirty="0"/>
+          </a:p>
+        </p:txBody>
+      </p:sp>
+    </p:spTree>
+    <p:extLst>
+      <p:ext uri="{BB962C8B-B14F-4D97-AF65-F5344CB8AC3E}">
+        <p14:creationId xmlns:p14="http://schemas.microsoft.com/office/powerpoint/2010/main" val="2544798913"/>
+      </p:ext>
+    </p:extLst>
+  </p:cSld>
+  <p:clrMapOvr>
+    <a:masterClrMapping/>
+  </p:clrMapOvr>
+</p:sld>
+</file>
+
+<file path=ppt/slides/slide13.xml><?xml version="1.0" encoding="utf-8"?>
+<p:sld xmlns:a="http://schemas.openxmlformats.org/drawingml/2006/main" xmlns:r="http://schemas.openxmlformats.org/officeDocument/2006/relationships" xmlns:p="http://schemas.openxmlformats.org/presentationml/2006/main">
+  <p:cSld>
+    <p:spTree>
+      <p:nvGrpSpPr>
+        <p:cNvPr id="1" name=""/>
+        <p:cNvGrpSpPr/>
+        <p:nvPr/>
+      </p:nvGrpSpPr>
+      <p:grpSpPr>
+        <a:xfrm>
+          <a:off x="0" y="0"/>
+          <a:ext cx="0" cy="0"/>
+          <a:chOff x="0" y="0"/>
+          <a:chExt cx="0" cy="0"/>
+        </a:xfrm>
+      </p:grpSpPr>
+      <p:pic>
+        <p:nvPicPr>
+          <p:cNvPr id="4" name="Picture 3"/>
+          <p:cNvPicPr/>
+          <p:nvPr/>
+        </p:nvPicPr>
+        <p:blipFill>
+          <a:blip r:embed="rId2" cstate="print">
+            <a:extLst>
+              <a:ext uri="{28A0092B-C50C-407E-A947-70E740481C1C}">
+                <a14:useLocalDpi xmlns:a14="http://schemas.microsoft.com/office/drawing/2010/main" val="0"/>
+              </a:ext>
+            </a:extLst>
+          </a:blip>
+          <a:stretch>
+            <a:fillRect/>
+          </a:stretch>
+        </p:blipFill>
+        <p:spPr>
+          <a:xfrm>
+            <a:off x="272628" y="304800"/>
+            <a:ext cx="554355" cy="657225"/>
+          </a:xfrm>
+          <a:prstGeom prst="rect">
+            <a:avLst/>
+          </a:prstGeom>
+        </p:spPr>
+      </p:pic>
+      <p:cxnSp>
+        <p:nvCxnSpPr>
+          <p:cNvPr id="5" name="Straight Connector 4"/>
+          <p:cNvCxnSpPr/>
+          <p:nvPr/>
+        </p:nvCxnSpPr>
+        <p:spPr>
+          <a:xfrm>
+            <a:off x="826983" y="762000"/>
+            <a:ext cx="2297217" cy="0"/>
+          </a:xfrm>
+          <a:prstGeom prst="line">
+            <a:avLst/>
+          </a:prstGeom>
+        </p:spPr>
+        <p:style>
+          <a:lnRef idx="1">
+            <a:schemeClr val="accent1"/>
+          </a:lnRef>
+          <a:fillRef idx="0">
+            <a:schemeClr val="accent1"/>
+          </a:fillRef>
+          <a:effectRef idx="0">
+            <a:schemeClr val="accent1"/>
+          </a:effectRef>
+          <a:fontRef idx="minor">
+            <a:schemeClr val="tx1"/>
+          </a:fontRef>
+        </p:style>
+      </p:cxnSp>
+      <p:sp>
+        <p:nvSpPr>
+          <p:cNvPr id="6" name="TextBox 5"/>
+          <p:cNvSpPr txBox="1"/>
+          <p:nvPr/>
+        </p:nvSpPr>
+        <p:spPr>
+          <a:xfrm>
+            <a:off x="826983" y="304800"/>
+            <a:ext cx="2830617" cy="369332"/>
+          </a:xfrm>
+          <a:prstGeom prst="rect">
+            <a:avLst/>
+          </a:prstGeom>
+          <a:noFill/>
+        </p:spPr>
+        <p:txBody>
+          <a:bodyPr wrap="square" rtlCol="0">
+            <a:spAutoFit/>
+          </a:bodyPr>
+          <a:lstStyle/>
+          <a:p>
+            <a:r>
+              <a:rPr lang="en-US" dirty="0" smtClean="0"/>
+              <a:t>UIN SGD Bandung</a:t>
+            </a:r>
+            <a:endParaRPr lang="en-US" dirty="0"/>
+          </a:p>
+        </p:txBody>
+      </p:sp>
+      <p:pic>
+        <p:nvPicPr>
+          <p:cNvPr id="7" name="Picture 6"/>
+          <p:cNvPicPr>
+            <a:picLocks noChangeAspect="1"/>
+          </p:cNvPicPr>
+          <p:nvPr/>
+        </p:nvPicPr>
+        <p:blipFill>
+          <a:blip r:embed="rId3">
+            <a:extLst>
+              <a:ext uri="{28A0092B-C50C-407E-A947-70E740481C1C}">
+                <a14:useLocalDpi xmlns:a14="http://schemas.microsoft.com/office/drawing/2010/main" val="0"/>
+              </a:ext>
+            </a:extLst>
+          </a:blip>
+          <a:stretch>
+            <a:fillRect/>
+          </a:stretch>
+        </p:blipFill>
+        <p:spPr>
+          <a:xfrm>
+            <a:off x="512274" y="1600200"/>
+            <a:ext cx="5376862" cy="4791625"/>
+          </a:xfrm>
+          <a:prstGeom prst="rect">
+            <a:avLst/>
+          </a:prstGeom>
+        </p:spPr>
+      </p:pic>
+    </p:spTree>
+    <p:extLst>
+      <p:ext uri="{BB962C8B-B14F-4D97-AF65-F5344CB8AC3E}">
+        <p14:creationId xmlns:p14="http://schemas.microsoft.com/office/powerpoint/2010/main" val="844341331"/>
+      </p:ext>
+    </p:extLst>
+  </p:cSld>
+  <p:clrMapOvr>
+    <a:masterClrMapping/>
+  </p:clrMapOvr>
+</p:sld>
+</file>
+
+<file path=ppt/slides/slide14.xml><?xml version="1.0" encoding="utf-8"?>
+<p:sld xmlns:a="http://schemas.openxmlformats.org/drawingml/2006/main" xmlns:r="http://schemas.openxmlformats.org/officeDocument/2006/relationships" xmlns:p="http://schemas.openxmlformats.org/presentationml/2006/main">
+  <p:cSld>
+    <p:spTree>
+      <p:nvGrpSpPr>
+        <p:cNvPr id="1" name=""/>
+        <p:cNvGrpSpPr/>
+        <p:nvPr/>
+      </p:nvGrpSpPr>
+      <p:grpSpPr>
+        <a:xfrm>
+          <a:off x="0" y="0"/>
+          <a:ext cx="0" cy="0"/>
+          <a:chOff x="0" y="0"/>
+          <a:chExt cx="0" cy="0"/>
+        </a:xfrm>
+      </p:grpSpPr>
+      <p:pic>
+        <p:nvPicPr>
+          <p:cNvPr id="4" name="Picture 3"/>
+          <p:cNvPicPr/>
+          <p:nvPr/>
+        </p:nvPicPr>
+        <p:blipFill>
+          <a:blip r:embed="rId2" cstate="print">
+            <a:extLst>
+              <a:ext uri="{28A0092B-C50C-407E-A947-70E740481C1C}">
+                <a14:useLocalDpi xmlns:a14="http://schemas.microsoft.com/office/drawing/2010/main" val="0"/>
+              </a:ext>
+            </a:extLst>
+          </a:blip>
+          <a:stretch>
+            <a:fillRect/>
+          </a:stretch>
+        </p:blipFill>
+        <p:spPr>
+          <a:xfrm>
+            <a:off x="272628" y="304800"/>
+            <a:ext cx="554355" cy="657225"/>
+          </a:xfrm>
+          <a:prstGeom prst="rect">
+            <a:avLst/>
+          </a:prstGeom>
+        </p:spPr>
+      </p:pic>
+      <p:cxnSp>
+        <p:nvCxnSpPr>
+          <p:cNvPr id="5" name="Straight Connector 4"/>
+          <p:cNvCxnSpPr/>
+          <p:nvPr/>
+        </p:nvCxnSpPr>
+        <p:spPr>
+          <a:xfrm>
+            <a:off x="826983" y="762000"/>
+            <a:ext cx="2297217" cy="0"/>
+          </a:xfrm>
+          <a:prstGeom prst="line">
+            <a:avLst/>
+          </a:prstGeom>
+        </p:spPr>
+        <p:style>
+          <a:lnRef idx="1">
+            <a:schemeClr val="accent1"/>
+          </a:lnRef>
+          <a:fillRef idx="0">
+            <a:schemeClr val="accent1"/>
+          </a:fillRef>
+          <a:effectRef idx="0">
+            <a:schemeClr val="accent1"/>
+          </a:effectRef>
+          <a:fontRef idx="minor">
+            <a:schemeClr val="tx1"/>
+          </a:fontRef>
+        </p:style>
+      </p:cxnSp>
+      <p:sp>
+        <p:nvSpPr>
+          <p:cNvPr id="6" name="TextBox 5"/>
+          <p:cNvSpPr txBox="1"/>
+          <p:nvPr/>
+        </p:nvSpPr>
+        <p:spPr>
+          <a:xfrm>
+            <a:off x="826983" y="304800"/>
+            <a:ext cx="2830617" cy="369332"/>
+          </a:xfrm>
+          <a:prstGeom prst="rect">
+            <a:avLst/>
+          </a:prstGeom>
+          <a:noFill/>
+        </p:spPr>
+        <p:txBody>
+          <a:bodyPr wrap="square" rtlCol="0">
+            <a:spAutoFit/>
+          </a:bodyPr>
+          <a:lstStyle/>
+          <a:p>
+            <a:r>
+              <a:rPr lang="en-US" dirty="0" smtClean="0"/>
+              <a:t>UIN SGD Bandung</a:t>
+            </a:r>
+            <a:endParaRPr lang="en-US" dirty="0"/>
+          </a:p>
+        </p:txBody>
+      </p:sp>
+      <p:pic>
+        <p:nvPicPr>
+          <p:cNvPr id="7" name="Picture 6"/>
+          <p:cNvPicPr>
+            <a:picLocks noChangeAspect="1"/>
+          </p:cNvPicPr>
+          <p:nvPr/>
+        </p:nvPicPr>
+        <p:blipFill>
+          <a:blip r:embed="rId3">
+            <a:extLst>
+              <a:ext uri="{28A0092B-C50C-407E-A947-70E740481C1C}">
+                <a14:useLocalDpi xmlns:a14="http://schemas.microsoft.com/office/drawing/2010/main" val="0"/>
+              </a:ext>
+            </a:extLst>
+          </a:blip>
+          <a:stretch>
+            <a:fillRect/>
+          </a:stretch>
+        </p:blipFill>
+        <p:spPr>
+          <a:xfrm>
+            <a:off x="572551" y="1576387"/>
+            <a:ext cx="5834062" cy="4797992"/>
+          </a:xfrm>
+          <a:prstGeom prst="rect">
+            <a:avLst/>
+          </a:prstGeom>
+        </p:spPr>
+      </p:pic>
+    </p:spTree>
+    <p:extLst>
+      <p:ext uri="{BB962C8B-B14F-4D97-AF65-F5344CB8AC3E}">
+        <p14:creationId xmlns:p14="http://schemas.microsoft.com/office/powerpoint/2010/main" val="1392991665"/>
+      </p:ext>
+    </p:extLst>
+  </p:cSld>
+  <p:clrMapOvr>
+    <a:masterClrMapping/>
+  </p:clrMapOvr>
+</p:sld>
+</file>
+
+<file path=ppt/slides/slide15.xml><?xml version="1.0" encoding="utf-8"?>
+<p:sld xmlns:a="http://schemas.openxmlformats.org/drawingml/2006/main" xmlns:r="http://schemas.openxmlformats.org/officeDocument/2006/relationships" xmlns:p="http://schemas.openxmlformats.org/presentationml/2006/main">
+  <p:cSld>
+    <p:spTree>
+      <p:nvGrpSpPr>
+        <p:cNvPr id="1" name=""/>
+        <p:cNvGrpSpPr/>
+        <p:nvPr/>
+      </p:nvGrpSpPr>
+      <p:grpSpPr>
+        <a:xfrm>
+          <a:off x="0" y="0"/>
+          <a:ext cx="0" cy="0"/>
+          <a:chOff x="0" y="0"/>
+          <a:chExt cx="0" cy="0"/>
+        </a:xfrm>
+      </p:grpSpPr>
+      <p:pic>
+        <p:nvPicPr>
+          <p:cNvPr id="4" name="Picture 3"/>
+          <p:cNvPicPr/>
+          <p:nvPr/>
+        </p:nvPicPr>
+        <p:blipFill>
+          <a:blip r:embed="rId2" cstate="print">
+            <a:extLst>
+              <a:ext uri="{28A0092B-C50C-407E-A947-70E740481C1C}">
+                <a14:useLocalDpi xmlns:a14="http://schemas.microsoft.com/office/drawing/2010/main" val="0"/>
+              </a:ext>
+            </a:extLst>
+          </a:blip>
+          <a:stretch>
+            <a:fillRect/>
+          </a:stretch>
+        </p:blipFill>
+        <p:spPr>
+          <a:xfrm>
+            <a:off x="272628" y="304800"/>
+            <a:ext cx="554355" cy="657225"/>
+          </a:xfrm>
+          <a:prstGeom prst="rect">
+            <a:avLst/>
+          </a:prstGeom>
+        </p:spPr>
+      </p:pic>
+      <p:cxnSp>
+        <p:nvCxnSpPr>
+          <p:cNvPr id="5" name="Straight Connector 4"/>
+          <p:cNvCxnSpPr/>
+          <p:nvPr/>
+        </p:nvCxnSpPr>
+        <p:spPr>
+          <a:xfrm>
+            <a:off x="826983" y="762000"/>
+            <a:ext cx="2297217" cy="0"/>
+          </a:xfrm>
+          <a:prstGeom prst="line">
+            <a:avLst/>
+          </a:prstGeom>
+        </p:spPr>
+        <p:style>
+          <a:lnRef idx="1">
+            <a:schemeClr val="accent1"/>
+          </a:lnRef>
+          <a:fillRef idx="0">
+            <a:schemeClr val="accent1"/>
+          </a:fillRef>
+          <a:effectRef idx="0">
+            <a:schemeClr val="accent1"/>
+          </a:effectRef>
+          <a:fontRef idx="minor">
+            <a:schemeClr val="tx1"/>
+          </a:fontRef>
+        </p:style>
+      </p:cxnSp>
+      <p:sp>
+        <p:nvSpPr>
+          <p:cNvPr id="6" name="TextBox 5"/>
+          <p:cNvSpPr txBox="1"/>
+          <p:nvPr/>
+        </p:nvSpPr>
+        <p:spPr>
+          <a:xfrm>
+            <a:off x="826983" y="304800"/>
+            <a:ext cx="2830617" cy="369332"/>
+          </a:xfrm>
+          <a:prstGeom prst="rect">
+            <a:avLst/>
+          </a:prstGeom>
+          <a:noFill/>
+        </p:spPr>
+        <p:txBody>
+          <a:bodyPr wrap="square" rtlCol="0">
+            <a:spAutoFit/>
+          </a:bodyPr>
+          <a:lstStyle/>
+          <a:p>
+            <a:r>
+              <a:rPr lang="en-US" dirty="0" smtClean="0"/>
+              <a:t>UIN SGD Bandung</a:t>
+            </a:r>
+            <a:endParaRPr lang="en-US" dirty="0"/>
+          </a:p>
+        </p:txBody>
+      </p:sp>
+      <p:pic>
+        <p:nvPicPr>
+          <p:cNvPr id="7" name="Picture 6"/>
+          <p:cNvPicPr>
+            <a:picLocks noChangeAspect="1"/>
+          </p:cNvPicPr>
+          <p:nvPr/>
+        </p:nvPicPr>
+        <p:blipFill>
+          <a:blip r:embed="rId3">
+            <a:extLst>
+              <a:ext uri="{28A0092B-C50C-407E-A947-70E740481C1C}">
+                <a14:useLocalDpi xmlns:a14="http://schemas.microsoft.com/office/drawing/2010/main" val="0"/>
+              </a:ext>
+            </a:extLst>
+          </a:blip>
+          <a:stretch>
+            <a:fillRect/>
+          </a:stretch>
+        </p:blipFill>
+        <p:spPr>
+          <a:xfrm>
+            <a:off x="64904" y="1502746"/>
+            <a:ext cx="8888677" cy="4538663"/>
+          </a:xfrm>
+          <a:prstGeom prst="rect">
+            <a:avLst/>
+          </a:prstGeom>
+        </p:spPr>
+      </p:pic>
+    </p:spTree>
+    <p:extLst>
+      <p:ext uri="{BB962C8B-B14F-4D97-AF65-F5344CB8AC3E}">
+        <p14:creationId xmlns:p14="http://schemas.microsoft.com/office/powerpoint/2010/main" val="773316434"/>
+      </p:ext>
+    </p:extLst>
+  </p:cSld>
+  <p:clrMapOvr>
+    <a:masterClrMapping/>
+  </p:clrMapOvr>
+</p:sld>
+</file>
+
+<file path=ppt/slides/slide16.xml><?xml version="1.0" encoding="utf-8"?>
+<p:sld xmlns:a="http://schemas.openxmlformats.org/drawingml/2006/main" xmlns:r="http://schemas.openxmlformats.org/officeDocument/2006/relationships" xmlns:p="http://schemas.openxmlformats.org/presentationml/2006/main">
+  <p:cSld>
+    <p:spTree>
+      <p:nvGrpSpPr>
+        <p:cNvPr id="1" name=""/>
+        <p:cNvGrpSpPr/>
+        <p:nvPr/>
+      </p:nvGrpSpPr>
+      <p:grpSpPr>
+        <a:xfrm>
+          <a:off x="0" y="0"/>
+          <a:ext cx="0" cy="0"/>
+          <a:chOff x="0" y="0"/>
+          <a:chExt cx="0" cy="0"/>
+        </a:xfrm>
+      </p:grpSpPr>
+      <p:pic>
+        <p:nvPicPr>
+          <p:cNvPr id="4" name="Picture 3"/>
+          <p:cNvPicPr/>
+          <p:nvPr/>
+        </p:nvPicPr>
+        <p:blipFill>
+          <a:blip r:embed="rId2" cstate="print">
+            <a:extLst>
+              <a:ext uri="{28A0092B-C50C-407E-A947-70E740481C1C}">
+                <a14:useLocalDpi xmlns:a14="http://schemas.microsoft.com/office/drawing/2010/main" val="0"/>
+              </a:ext>
+            </a:extLst>
+          </a:blip>
+          <a:stretch>
+            <a:fillRect/>
+          </a:stretch>
+        </p:blipFill>
+        <p:spPr>
+          <a:xfrm>
+            <a:off x="272628" y="304800"/>
+            <a:ext cx="554355" cy="657225"/>
+          </a:xfrm>
+          <a:prstGeom prst="rect">
+            <a:avLst/>
+          </a:prstGeom>
+        </p:spPr>
+      </p:pic>
+      <p:cxnSp>
+        <p:nvCxnSpPr>
+          <p:cNvPr id="5" name="Straight Connector 4"/>
+          <p:cNvCxnSpPr/>
+          <p:nvPr/>
+        </p:nvCxnSpPr>
+        <p:spPr>
+          <a:xfrm>
+            <a:off x="826983" y="762000"/>
+            <a:ext cx="2297217" cy="0"/>
+          </a:xfrm>
+          <a:prstGeom prst="line">
+            <a:avLst/>
+          </a:prstGeom>
+        </p:spPr>
+        <p:style>
+          <a:lnRef idx="1">
+            <a:schemeClr val="accent1"/>
+          </a:lnRef>
+          <a:fillRef idx="0">
+            <a:schemeClr val="accent1"/>
+          </a:fillRef>
+          <a:effectRef idx="0">
+            <a:schemeClr val="accent1"/>
+          </a:effectRef>
+          <a:fontRef idx="minor">
+            <a:schemeClr val="tx1"/>
+          </a:fontRef>
+        </p:style>
+      </p:cxnSp>
+      <p:sp>
+        <p:nvSpPr>
+          <p:cNvPr id="6" name="TextBox 5"/>
+          <p:cNvSpPr txBox="1"/>
+          <p:nvPr/>
+        </p:nvSpPr>
+        <p:spPr>
+          <a:xfrm>
+            <a:off x="826983" y="304800"/>
+            <a:ext cx="2830617" cy="369332"/>
+          </a:xfrm>
+          <a:prstGeom prst="rect">
+            <a:avLst/>
+          </a:prstGeom>
+          <a:noFill/>
+        </p:spPr>
+        <p:txBody>
+          <a:bodyPr wrap="square" rtlCol="0">
+            <a:spAutoFit/>
+          </a:bodyPr>
+          <a:lstStyle/>
+          <a:p>
+            <a:r>
+              <a:rPr lang="en-US" dirty="0" smtClean="0"/>
+              <a:t>UIN SGD Bandung</a:t>
+            </a:r>
+            <a:endParaRPr lang="en-US" dirty="0"/>
+          </a:p>
+        </p:txBody>
+      </p:sp>
+      <p:pic>
+        <p:nvPicPr>
+          <p:cNvPr id="7" name="Picture 6"/>
+          <p:cNvPicPr>
+            <a:picLocks noChangeAspect="1"/>
+          </p:cNvPicPr>
+          <p:nvPr/>
+        </p:nvPicPr>
+        <p:blipFill>
+          <a:blip r:embed="rId3">
+            <a:extLst>
+              <a:ext uri="{28A0092B-C50C-407E-A947-70E740481C1C}">
+                <a14:useLocalDpi xmlns:a14="http://schemas.microsoft.com/office/drawing/2010/main" val="0"/>
+              </a:ext>
+            </a:extLst>
+          </a:blip>
+          <a:stretch>
+            <a:fillRect/>
+          </a:stretch>
+        </p:blipFill>
+        <p:spPr>
+          <a:xfrm>
+            <a:off x="549805" y="1905000"/>
+            <a:ext cx="7210425" cy="3819525"/>
+          </a:xfrm>
+          <a:prstGeom prst="rect">
+            <a:avLst/>
+          </a:prstGeom>
+        </p:spPr>
+      </p:pic>
+    </p:spTree>
+    <p:extLst>
+      <p:ext uri="{BB962C8B-B14F-4D97-AF65-F5344CB8AC3E}">
+        <p14:creationId xmlns:p14="http://schemas.microsoft.com/office/powerpoint/2010/main" val="2837761714"/>
+      </p:ext>
+    </p:extLst>
+  </p:cSld>
+  <p:clrMapOvr>
+    <a:masterClrMapping/>
+  </p:clrMapOvr>
+</p:sld>
+</file>
+
+<file path=ppt/slides/slide17.xml><?xml version="1.0" encoding="utf-8"?>
+<p:sld xmlns:a="http://schemas.openxmlformats.org/drawingml/2006/main" xmlns:r="http://schemas.openxmlformats.org/officeDocument/2006/relationships" xmlns:p="http://schemas.openxmlformats.org/presentationml/2006/main">
+  <p:cSld>
+    <p:spTree>
+      <p:nvGrpSpPr>
+        <p:cNvPr id="1" name=""/>
+        <p:cNvGrpSpPr/>
+        <p:nvPr/>
+      </p:nvGrpSpPr>
+      <p:grpSpPr>
+        <a:xfrm>
+          <a:off x="0" y="0"/>
+          <a:ext cx="0" cy="0"/>
+          <a:chOff x="0" y="0"/>
+          <a:chExt cx="0" cy="0"/>
+        </a:xfrm>
+      </p:grpSpPr>
+      <p:pic>
+        <p:nvPicPr>
+          <p:cNvPr id="4" name="Picture 3"/>
+          <p:cNvPicPr/>
+          <p:nvPr/>
+        </p:nvPicPr>
+        <p:blipFill>
+          <a:blip r:embed="rId2" cstate="print">
+            <a:extLst>
+              <a:ext uri="{28A0092B-C50C-407E-A947-70E740481C1C}">
+                <a14:useLocalDpi xmlns:a14="http://schemas.microsoft.com/office/drawing/2010/main" val="0"/>
+              </a:ext>
+            </a:extLst>
+          </a:blip>
+          <a:stretch>
+            <a:fillRect/>
+          </a:stretch>
+        </p:blipFill>
+        <p:spPr>
+          <a:xfrm>
+            <a:off x="272628" y="304800"/>
+            <a:ext cx="554355" cy="657225"/>
+          </a:xfrm>
+          <a:prstGeom prst="rect">
+            <a:avLst/>
+          </a:prstGeom>
+        </p:spPr>
+      </p:pic>
+      <p:cxnSp>
+        <p:nvCxnSpPr>
+          <p:cNvPr id="5" name="Straight Connector 4"/>
+          <p:cNvCxnSpPr/>
+          <p:nvPr/>
+        </p:nvCxnSpPr>
+        <p:spPr>
+          <a:xfrm>
+            <a:off x="826983" y="762000"/>
+            <a:ext cx="2297217" cy="0"/>
+          </a:xfrm>
+          <a:prstGeom prst="line">
+            <a:avLst/>
+          </a:prstGeom>
+        </p:spPr>
+        <p:style>
+          <a:lnRef idx="1">
+            <a:schemeClr val="accent1"/>
+          </a:lnRef>
+          <a:fillRef idx="0">
+            <a:schemeClr val="accent1"/>
+          </a:fillRef>
+          <a:effectRef idx="0">
+            <a:schemeClr val="accent1"/>
+          </a:effectRef>
+          <a:fontRef idx="minor">
+            <a:schemeClr val="tx1"/>
+          </a:fontRef>
+        </p:style>
+      </p:cxnSp>
+      <p:sp>
+        <p:nvSpPr>
+          <p:cNvPr id="6" name="TextBox 5"/>
+          <p:cNvSpPr txBox="1"/>
+          <p:nvPr/>
+        </p:nvSpPr>
+        <p:spPr>
+          <a:xfrm>
+            <a:off x="826983" y="304800"/>
+            <a:ext cx="2830617" cy="369332"/>
+          </a:xfrm>
+          <a:prstGeom prst="rect">
+            <a:avLst/>
+          </a:prstGeom>
+          <a:noFill/>
+        </p:spPr>
+        <p:txBody>
+          <a:bodyPr wrap="square" rtlCol="0">
+            <a:spAutoFit/>
+          </a:bodyPr>
+          <a:lstStyle/>
+          <a:p>
+            <a:r>
+              <a:rPr lang="en-US" dirty="0" smtClean="0"/>
+              <a:t>UIN SGD Bandung</a:t>
+            </a:r>
+            <a:endParaRPr lang="en-US" dirty="0"/>
+          </a:p>
+        </p:txBody>
+      </p:sp>
+      <p:pic>
+        <p:nvPicPr>
+          <p:cNvPr id="7" name="Picture 6"/>
+          <p:cNvPicPr>
+            <a:picLocks noChangeAspect="1"/>
+          </p:cNvPicPr>
+          <p:nvPr/>
+        </p:nvPicPr>
+        <p:blipFill>
+          <a:blip r:embed="rId3">
+            <a:extLst>
+              <a:ext uri="{28A0092B-C50C-407E-A947-70E740481C1C}">
+                <a14:useLocalDpi xmlns:a14="http://schemas.microsoft.com/office/drawing/2010/main" val="0"/>
+              </a:ext>
+            </a:extLst>
+          </a:blip>
+          <a:stretch>
+            <a:fillRect/>
+          </a:stretch>
+        </p:blipFill>
+        <p:spPr>
+          <a:xfrm>
+            <a:off x="249882" y="1752600"/>
+            <a:ext cx="8679011" cy="4324350"/>
+          </a:xfrm>
+          <a:prstGeom prst="rect">
+            <a:avLst/>
+          </a:prstGeom>
+        </p:spPr>
+      </p:pic>
+    </p:spTree>
+    <p:extLst>
+      <p:ext uri="{BB962C8B-B14F-4D97-AF65-F5344CB8AC3E}">
+        <p14:creationId xmlns:p14="http://schemas.microsoft.com/office/powerpoint/2010/main" val="2097620675"/>
+      </p:ext>
+    </p:extLst>
+  </p:cSld>
+  <p:clrMapOvr>
+    <a:masterClrMapping/>
+  </p:clrMapOvr>
+</p:sld>
+</file>
+
+<file path=ppt/slides/slide18.xml><?xml version="1.0" encoding="utf-8"?>
+<p:sld xmlns:a="http://schemas.openxmlformats.org/drawingml/2006/main" xmlns:r="http://schemas.openxmlformats.org/officeDocument/2006/relationships" xmlns:p="http://schemas.openxmlformats.org/presentationml/2006/main">
+  <p:cSld>
+    <p:spTree>
+      <p:nvGrpSpPr>
+        <p:cNvPr id="1" name=""/>
+        <p:cNvGrpSpPr/>
+        <p:nvPr/>
+      </p:nvGrpSpPr>
+      <p:grpSpPr>
+        <a:xfrm>
+          <a:off x="0" y="0"/>
+          <a:ext cx="0" cy="0"/>
+          <a:chOff x="0" y="0"/>
+          <a:chExt cx="0" cy="0"/>
+        </a:xfrm>
+      </p:grpSpPr>
+      <p:pic>
+        <p:nvPicPr>
+          <p:cNvPr id="4" name="Picture 3"/>
+          <p:cNvPicPr/>
+          <p:nvPr/>
+        </p:nvPicPr>
+        <p:blipFill>
+          <a:blip r:embed="rId2" cstate="print">
+            <a:extLst>
+              <a:ext uri="{28A0092B-C50C-407E-A947-70E740481C1C}">
+                <a14:useLocalDpi xmlns:a14="http://schemas.microsoft.com/office/drawing/2010/main" val="0"/>
+              </a:ext>
+            </a:extLst>
+          </a:blip>
+          <a:stretch>
+            <a:fillRect/>
+          </a:stretch>
+        </p:blipFill>
+        <p:spPr>
+          <a:xfrm>
+            <a:off x="272628" y="304800"/>
+            <a:ext cx="554355" cy="657225"/>
+          </a:xfrm>
+          <a:prstGeom prst="rect">
+            <a:avLst/>
+          </a:prstGeom>
+        </p:spPr>
+      </p:pic>
+      <p:cxnSp>
+        <p:nvCxnSpPr>
+          <p:cNvPr id="5" name="Straight Connector 4"/>
+          <p:cNvCxnSpPr/>
+          <p:nvPr/>
+        </p:nvCxnSpPr>
+        <p:spPr>
+          <a:xfrm>
+            <a:off x="826983" y="762000"/>
+            <a:ext cx="2297217" cy="0"/>
+          </a:xfrm>
+          <a:prstGeom prst="line">
+            <a:avLst/>
+          </a:prstGeom>
+        </p:spPr>
+        <p:style>
+          <a:lnRef idx="1">
+            <a:schemeClr val="accent1"/>
+          </a:lnRef>
+          <a:fillRef idx="0">
+            <a:schemeClr val="accent1"/>
+          </a:fillRef>
+          <a:effectRef idx="0">
+            <a:schemeClr val="accent1"/>
+          </a:effectRef>
+          <a:fontRef idx="minor">
+            <a:schemeClr val="tx1"/>
+          </a:fontRef>
+        </p:style>
+      </p:cxnSp>
+      <p:sp>
+        <p:nvSpPr>
+          <p:cNvPr id="6" name="TextBox 5"/>
+          <p:cNvSpPr txBox="1"/>
+          <p:nvPr/>
+        </p:nvSpPr>
+        <p:spPr>
+          <a:xfrm>
+            <a:off x="826983" y="304800"/>
+            <a:ext cx="2830617" cy="369332"/>
+          </a:xfrm>
+          <a:prstGeom prst="rect">
+            <a:avLst/>
+          </a:prstGeom>
+          <a:noFill/>
+        </p:spPr>
+        <p:txBody>
+          <a:bodyPr wrap="square" rtlCol="0">
+            <a:spAutoFit/>
+          </a:bodyPr>
+          <a:lstStyle/>
+          <a:p>
+            <a:r>
+              <a:rPr lang="en-US" dirty="0" smtClean="0"/>
+              <a:t>UIN SGD Bandung</a:t>
+            </a:r>
+            <a:endParaRPr lang="en-US" dirty="0"/>
+          </a:p>
+        </p:txBody>
+      </p:sp>
+      <p:pic>
+        <p:nvPicPr>
+          <p:cNvPr id="7" name="Picture 6"/>
+          <p:cNvPicPr>
+            <a:picLocks noChangeAspect="1"/>
+          </p:cNvPicPr>
+          <p:nvPr/>
+        </p:nvPicPr>
+        <p:blipFill>
+          <a:blip r:embed="rId3">
+            <a:extLst>
+              <a:ext uri="{28A0092B-C50C-407E-A947-70E740481C1C}">
+                <a14:useLocalDpi xmlns:a14="http://schemas.microsoft.com/office/drawing/2010/main" val="0"/>
+              </a:ext>
+            </a:extLst>
+          </a:blip>
+          <a:stretch>
+            <a:fillRect/>
+          </a:stretch>
+        </p:blipFill>
+        <p:spPr>
+          <a:xfrm>
+            <a:off x="549805" y="1538287"/>
+            <a:ext cx="5748338" cy="4686017"/>
+          </a:xfrm>
+          <a:prstGeom prst="rect">
+            <a:avLst/>
+          </a:prstGeom>
+        </p:spPr>
+      </p:pic>
+    </p:spTree>
+    <p:extLst>
+      <p:ext uri="{BB962C8B-B14F-4D97-AF65-F5344CB8AC3E}">
+        <p14:creationId xmlns:p14="http://schemas.microsoft.com/office/powerpoint/2010/main" val="666709912"/>
+      </p:ext>
+    </p:extLst>
+  </p:cSld>
+  <p:clrMapOvr>
+    <a:masterClrMapping/>
+  </p:clrMapOvr>
+</p:sld>
+</file>
+
+<file path=ppt/slides/slide19.xml><?xml version="1.0" encoding="utf-8"?>
+<p:sld xmlns:a="http://schemas.openxmlformats.org/drawingml/2006/main" xmlns:r="http://schemas.openxmlformats.org/officeDocument/2006/relationships" xmlns:p="http://schemas.openxmlformats.org/presentationml/2006/main">
+  <p:cSld>
+    <p:spTree>
+      <p:nvGrpSpPr>
+        <p:cNvPr id="1" name=""/>
+        <p:cNvGrpSpPr/>
+        <p:nvPr/>
+      </p:nvGrpSpPr>
+      <p:grpSpPr>
+        <a:xfrm>
+          <a:off x="0" y="0"/>
+          <a:ext cx="0" cy="0"/>
+          <a:chOff x="0" y="0"/>
+          <a:chExt cx="0" cy="0"/>
+        </a:xfrm>
+      </p:grpSpPr>
+      <p:pic>
+        <p:nvPicPr>
+          <p:cNvPr id="4" name="Picture 3"/>
+          <p:cNvPicPr/>
+          <p:nvPr/>
+        </p:nvPicPr>
+        <p:blipFill>
+          <a:blip r:embed="rId2" cstate="print">
+            <a:extLst>
+              <a:ext uri="{28A0092B-C50C-407E-A947-70E740481C1C}">
+                <a14:useLocalDpi xmlns:a14="http://schemas.microsoft.com/office/drawing/2010/main" val="0"/>
+              </a:ext>
+            </a:extLst>
+          </a:blip>
+          <a:stretch>
+            <a:fillRect/>
+          </a:stretch>
+        </p:blipFill>
+        <p:spPr>
+          <a:xfrm>
+            <a:off x="272628" y="304800"/>
+            <a:ext cx="554355" cy="657225"/>
+          </a:xfrm>
+          <a:prstGeom prst="rect">
+            <a:avLst/>
+          </a:prstGeom>
+        </p:spPr>
+      </p:pic>
+      <p:cxnSp>
+        <p:nvCxnSpPr>
+          <p:cNvPr id="5" name="Straight Connector 4"/>
+          <p:cNvCxnSpPr/>
+          <p:nvPr/>
+        </p:nvCxnSpPr>
+        <p:spPr>
+          <a:xfrm>
+            <a:off x="826983" y="762000"/>
+            <a:ext cx="2297217" cy="0"/>
+          </a:xfrm>
+          <a:prstGeom prst="line">
+            <a:avLst/>
+          </a:prstGeom>
+        </p:spPr>
+        <p:style>
+          <a:lnRef idx="1">
+            <a:schemeClr val="accent1"/>
+          </a:lnRef>
+          <a:fillRef idx="0">
+            <a:schemeClr val="accent1"/>
+          </a:fillRef>
+          <a:effectRef idx="0">
+            <a:schemeClr val="accent1"/>
+          </a:effectRef>
+          <a:fontRef idx="minor">
+            <a:schemeClr val="tx1"/>
+          </a:fontRef>
+        </p:style>
+      </p:cxnSp>
+      <p:sp>
+        <p:nvSpPr>
+          <p:cNvPr id="6" name="TextBox 5"/>
+          <p:cNvSpPr txBox="1"/>
+          <p:nvPr/>
+        </p:nvSpPr>
+        <p:spPr>
+          <a:xfrm>
+            <a:off x="826983" y="304800"/>
+            <a:ext cx="2830617" cy="369332"/>
+          </a:xfrm>
+          <a:prstGeom prst="rect">
+            <a:avLst/>
+          </a:prstGeom>
+          <a:noFill/>
+        </p:spPr>
+        <p:txBody>
+          <a:bodyPr wrap="square" rtlCol="0">
+            <a:spAutoFit/>
+          </a:bodyPr>
+          <a:lstStyle/>
+          <a:p>
+            <a:r>
+              <a:rPr lang="en-US" dirty="0" smtClean="0"/>
+              <a:t>UIN SGD Bandung</a:t>
+            </a:r>
+            <a:endParaRPr lang="en-US" dirty="0"/>
+          </a:p>
+        </p:txBody>
+      </p:sp>
+      <p:pic>
+        <p:nvPicPr>
+          <p:cNvPr id="7" name="Picture 6"/>
+          <p:cNvPicPr>
+            <a:picLocks noChangeAspect="1"/>
+          </p:cNvPicPr>
+          <p:nvPr/>
+        </p:nvPicPr>
+        <p:blipFill>
+          <a:blip r:embed="rId3">
+            <a:extLst>
+              <a:ext uri="{28A0092B-C50C-407E-A947-70E740481C1C}">
+                <a14:useLocalDpi xmlns:a14="http://schemas.microsoft.com/office/drawing/2010/main" val="0"/>
+              </a:ext>
+            </a:extLst>
+          </a:blip>
+          <a:stretch>
+            <a:fillRect/>
+          </a:stretch>
+        </p:blipFill>
+        <p:spPr>
+          <a:xfrm>
+            <a:off x="335756" y="1676400"/>
+            <a:ext cx="5576888" cy="4836488"/>
+          </a:xfrm>
+          <a:prstGeom prst="rect">
+            <a:avLst/>
+          </a:prstGeom>
+        </p:spPr>
+      </p:pic>
+    </p:spTree>
+    <p:extLst>
+      <p:ext uri="{BB962C8B-B14F-4D97-AF65-F5344CB8AC3E}">
+        <p14:creationId xmlns:p14="http://schemas.microsoft.com/office/powerpoint/2010/main" val="14848936"/>
       </p:ext>
     </p:extLst>
   </p:cSld>
@@ -24547,7 +25319,7 @@
         </p:nvSpPr>
         <p:spPr>
           <a:xfrm>
-            <a:off x="990601" y="1143000"/>
+            <a:off x="990600" y="962025"/>
             <a:ext cx="7010400" cy="924475"/>
           </a:xfrm>
         </p:spPr>
@@ -24619,8 +25391,8 @@
         </p:nvSpPr>
         <p:spPr>
           <a:xfrm>
-            <a:off x="990600" y="2286000"/>
-            <a:ext cx="7010400" cy="3970318"/>
+            <a:off x="990600" y="2149522"/>
+            <a:ext cx="7010400" cy="4278094"/>
           </a:xfrm>
           <a:prstGeom prst="rect">
             <a:avLst/>
@@ -24651,18 +25423,18 @@
               <a:buAutoNum type="arabicPeriod"/>
             </a:pPr>
             <a:r>
-              <a:rPr lang="en-US" dirty="0" err="1" smtClean="0"/>
+              <a:rPr lang="en-US" sz="1600" dirty="0" err="1" smtClean="0"/>
               <a:t>Latar</a:t>
             </a:r>
             <a:r>
-              <a:rPr lang="en-US" dirty="0" smtClean="0"/>
+              <a:rPr lang="en-US" sz="1600" dirty="0" smtClean="0"/>
               <a:t> </a:t>
             </a:r>
             <a:r>
-              <a:rPr lang="en-US" dirty="0" err="1" smtClean="0"/>
+              <a:rPr lang="en-US" sz="1600" dirty="0" err="1" smtClean="0"/>
               <a:t>Belakang</a:t>
             </a:r>
-            <a:endParaRPr lang="en-US" dirty="0" smtClean="0"/>
+            <a:endParaRPr lang="en-US" sz="1600" dirty="0" smtClean="0"/>
           </a:p>
           <a:p>
             <a:pPr marL="342900" indent="-342900">
@@ -24670,18 +25442,18 @@
               <a:buAutoNum type="arabicPeriod"/>
             </a:pPr>
             <a:r>
-              <a:rPr lang="en-US" dirty="0" err="1" smtClean="0"/>
+              <a:rPr lang="en-US" sz="1600" dirty="0" err="1" smtClean="0"/>
               <a:t>Batasan</a:t>
             </a:r>
             <a:r>
-              <a:rPr lang="en-US" dirty="0" smtClean="0"/>
+              <a:rPr lang="en-US" sz="1600" dirty="0" smtClean="0"/>
               <a:t> </a:t>
             </a:r>
             <a:r>
-              <a:rPr lang="en-US" dirty="0" err="1" smtClean="0"/>
+              <a:rPr lang="en-US" sz="1600" dirty="0" err="1" smtClean="0"/>
               <a:t>Masalah</a:t>
             </a:r>
-            <a:endParaRPr lang="en-US" dirty="0" smtClean="0"/>
+            <a:endParaRPr lang="en-US" sz="1600" dirty="0" smtClean="0"/>
           </a:p>
           <a:p>
             <a:pPr marL="342900" indent="-342900">
@@ -24689,18 +25461,10 @@
               <a:buAutoNum type="arabicPeriod"/>
             </a:pPr>
             <a:r>
-              <a:rPr lang="en-US" dirty="0" err="1" smtClean="0"/>
+              <a:rPr lang="en-US" sz="1600" dirty="0" err="1" smtClean="0"/>
               <a:t>Tujuan</a:t>
             </a:r>
-            <a:r>
-              <a:rPr lang="en-US" dirty="0" smtClean="0"/>
-              <a:t> </a:t>
-            </a:r>
-            <a:r>
-              <a:rPr lang="en-US" dirty="0" err="1" smtClean="0"/>
-              <a:t>Penulisan</a:t>
-            </a:r>
-            <a:endParaRPr lang="en-US" dirty="0" smtClean="0"/>
+            <a:endParaRPr lang="en-US" sz="1600" dirty="0" smtClean="0"/>
           </a:p>
           <a:p>
             <a:pPr marL="342900" indent="-342900">
@@ -24708,18 +25472,18 @@
               <a:buAutoNum type="arabicPeriod"/>
             </a:pPr>
             <a:r>
-              <a:rPr lang="en-US" dirty="0" err="1" smtClean="0"/>
+              <a:rPr lang="en-US" sz="1600" dirty="0" err="1" smtClean="0"/>
               <a:t>Deskripsi</a:t>
             </a:r>
             <a:r>
-              <a:rPr lang="en-US" dirty="0" smtClean="0"/>
+              <a:rPr lang="en-US" sz="1600" dirty="0" smtClean="0"/>
               <a:t> </a:t>
             </a:r>
             <a:r>
-              <a:rPr lang="en-US" dirty="0" err="1" smtClean="0"/>
+              <a:rPr lang="en-US" sz="1600" dirty="0" err="1" smtClean="0"/>
               <a:t>Aplikasi</a:t>
             </a:r>
-            <a:endParaRPr lang="en-US" dirty="0" smtClean="0"/>
+            <a:endParaRPr lang="en-US" sz="1600" dirty="0" smtClean="0"/>
           </a:p>
           <a:p>
             <a:pPr marL="342900" indent="-342900">
@@ -24727,18 +25491,18 @@
               <a:buAutoNum type="arabicPeriod"/>
             </a:pPr>
             <a:r>
-              <a:rPr lang="en-US" dirty="0" err="1" smtClean="0"/>
+              <a:rPr lang="en-US" sz="1600" dirty="0" err="1" smtClean="0"/>
               <a:t>Struktur</a:t>
             </a:r>
             <a:r>
-              <a:rPr lang="en-US" dirty="0" smtClean="0"/>
+              <a:rPr lang="en-US" sz="1600" dirty="0" smtClean="0"/>
               <a:t> </a:t>
             </a:r>
             <a:r>
-              <a:rPr lang="en-US" dirty="0" err="1" smtClean="0"/>
+              <a:rPr lang="en-US" sz="1600" dirty="0" err="1" smtClean="0"/>
               <a:t>Navigasi</a:t>
             </a:r>
-            <a:endParaRPr lang="en-US" dirty="0" smtClean="0"/>
+            <a:endParaRPr lang="en-US" sz="1600" dirty="0" smtClean="0"/>
           </a:p>
           <a:p>
             <a:pPr marL="342900" indent="-342900">
@@ -24746,18 +25510,18 @@
               <a:buAutoNum type="arabicPeriod"/>
             </a:pPr>
             <a:r>
-              <a:rPr lang="en-US" dirty="0" err="1" smtClean="0"/>
+              <a:rPr lang="en-US" sz="1600" dirty="0" err="1" smtClean="0"/>
               <a:t>Rancangan</a:t>
             </a:r>
             <a:r>
-              <a:rPr lang="en-US" dirty="0" smtClean="0"/>
+              <a:rPr lang="en-US" sz="1600" dirty="0" smtClean="0"/>
               <a:t> </a:t>
             </a:r>
             <a:r>
-              <a:rPr lang="en-US" dirty="0" err="1" smtClean="0"/>
+              <a:rPr lang="en-US" sz="1600" dirty="0" err="1" smtClean="0"/>
               <a:t>Tampilan</a:t>
             </a:r>
-            <a:endParaRPr lang="en-US" dirty="0"/>
+            <a:endParaRPr lang="en-US" sz="1600" dirty="0"/>
           </a:p>
           <a:p>
             <a:pPr marL="342900" indent="-342900">
@@ -24765,18 +25529,18 @@
               <a:buAutoNum type="arabicPeriod"/>
             </a:pPr>
             <a:r>
-              <a:rPr lang="en-US" dirty="0" err="1" smtClean="0"/>
+              <a:rPr lang="en-US" sz="1600" dirty="0" err="1" smtClean="0"/>
               <a:t>Kebutuhan</a:t>
             </a:r>
             <a:r>
-              <a:rPr lang="en-US" dirty="0" smtClean="0"/>
+              <a:rPr lang="en-US" sz="1600" dirty="0" smtClean="0"/>
               <a:t> Non </a:t>
             </a:r>
             <a:r>
-              <a:rPr lang="en-US" dirty="0" err="1" smtClean="0"/>
+              <a:rPr lang="en-US" sz="1600" dirty="0" err="1" smtClean="0"/>
               <a:t>Fungsional</a:t>
             </a:r>
-            <a:endParaRPr lang="en-US" dirty="0" smtClean="0"/>
+            <a:endParaRPr lang="en-US" sz="1600" dirty="0" smtClean="0"/>
           </a:p>
           <a:p>
             <a:pPr marL="342900" indent="-342900">
@@ -24784,18 +25548,18 @@
               <a:buAutoNum type="arabicPeriod"/>
             </a:pPr>
             <a:r>
-              <a:rPr lang="en-US" dirty="0" err="1" smtClean="0"/>
+              <a:rPr lang="en-US" sz="1600" dirty="0" err="1" smtClean="0"/>
               <a:t>Kebutuhan</a:t>
             </a:r>
             <a:r>
-              <a:rPr lang="en-US" dirty="0" smtClean="0"/>
+              <a:rPr lang="en-US" sz="1600" dirty="0" smtClean="0"/>
               <a:t> </a:t>
             </a:r>
             <a:r>
-              <a:rPr lang="en-US" dirty="0" err="1" smtClean="0"/>
+              <a:rPr lang="en-US" sz="1600" dirty="0" err="1" smtClean="0"/>
               <a:t>Fungsional</a:t>
             </a:r>
-            <a:endParaRPr lang="en-US" dirty="0" smtClean="0"/>
+            <a:endParaRPr lang="en-US" sz="1600" dirty="0" smtClean="0"/>
           </a:p>
           <a:p>
             <a:pPr marL="342900" indent="-342900">
@@ -24803,11 +25567,11 @@
               <a:buAutoNum type="arabicPeriod"/>
             </a:pPr>
             <a:r>
-              <a:rPr lang="en-US" dirty="0" err="1" smtClean="0"/>
+              <a:rPr lang="en-US" sz="1600" dirty="0" err="1" smtClean="0"/>
               <a:t>Usecase</a:t>
             </a:r>
             <a:r>
-              <a:rPr lang="en-US" dirty="0" smtClean="0"/>
+              <a:rPr lang="en-US" sz="1600" dirty="0" smtClean="0"/>
               <a:t> Diagram</a:t>
             </a:r>
           </a:p>
@@ -24817,8 +25581,12 @@
               <a:buAutoNum type="arabicPeriod"/>
             </a:pPr>
             <a:r>
-              <a:rPr lang="en-US" dirty="0" smtClean="0"/>
-              <a:t>Class Diagram</a:t>
+              <a:rPr lang="en-US" sz="1600" dirty="0" smtClean="0"/>
+              <a:t>Class </a:t>
+            </a:r>
+            <a:r>
+              <a:rPr lang="en-US" sz="1600" dirty="0" smtClean="0"/>
+              <a:t>Diagram</a:t>
             </a:r>
           </a:p>
           <a:p>
@@ -24826,20 +25594,75 @@
               <a:buFont typeface="+mj-lt"/>
               <a:buAutoNum type="arabicPeriod"/>
             </a:pPr>
-            <a:endParaRPr lang="en-US" dirty="0"/>
-          </a:p>
-          <a:p>
-            <a:endParaRPr lang="en-US" dirty="0"/>
+            <a:r>
+              <a:rPr lang="en-US" sz="1600" dirty="0" smtClean="0"/>
+              <a:t>Activity Diagram</a:t>
+            </a:r>
           </a:p>
           <a:p>
             <a:pPr marL="342900" indent="-342900">
               <a:buFont typeface="+mj-lt"/>
               <a:buAutoNum type="arabicPeriod"/>
             </a:pPr>
-            <a:endParaRPr lang="en-US" dirty="0" smtClean="0"/>
+            <a:r>
+              <a:rPr lang="en-US" sz="1600" dirty="0" smtClean="0"/>
+              <a:t>Sequence Diagram</a:t>
+            </a:r>
           </a:p>
           <a:p>
-            <a:endParaRPr lang="en-US" dirty="0"/>
+            <a:pPr marL="342900" indent="-342900">
+              <a:buFont typeface="+mj-lt"/>
+              <a:buAutoNum type="arabicPeriod"/>
+            </a:pPr>
+            <a:r>
+              <a:rPr lang="en-US" sz="1600" dirty="0" smtClean="0"/>
+              <a:t>Collaboration Diagram</a:t>
+            </a:r>
+          </a:p>
+          <a:p>
+            <a:pPr marL="342900" indent="-342900">
+              <a:buFont typeface="+mj-lt"/>
+              <a:buAutoNum type="arabicPeriod"/>
+            </a:pPr>
+            <a:r>
+              <a:rPr lang="en-US" sz="1600" dirty="0" err="1" smtClean="0"/>
+              <a:t>Statechart</a:t>
+            </a:r>
+            <a:r>
+              <a:rPr lang="en-US" sz="1600" dirty="0" smtClean="0"/>
+              <a:t> Diagram</a:t>
+            </a:r>
+          </a:p>
+          <a:p>
+            <a:pPr marL="342900" indent="-342900">
+              <a:buFont typeface="+mj-lt"/>
+              <a:buAutoNum type="arabicPeriod"/>
+            </a:pPr>
+            <a:r>
+              <a:rPr lang="en-US" sz="1600" dirty="0" smtClean="0"/>
+              <a:t>Component Diagram</a:t>
+            </a:r>
+          </a:p>
+          <a:p>
+            <a:pPr marL="342900" indent="-342900">
+              <a:buFont typeface="+mj-lt"/>
+              <a:buAutoNum type="arabicPeriod"/>
+            </a:pPr>
+            <a:r>
+              <a:rPr lang="en-US" sz="1600" dirty="0" smtClean="0"/>
+              <a:t>Deployment Diagram</a:t>
+            </a:r>
+          </a:p>
+          <a:p>
+            <a:pPr marL="342900" indent="-342900">
+              <a:buFont typeface="+mj-lt"/>
+              <a:buAutoNum type="arabicPeriod"/>
+            </a:pPr>
+            <a:r>
+              <a:rPr lang="en-US" sz="1600" dirty="0" err="1" smtClean="0"/>
+              <a:t>Kesimpulan</a:t>
+            </a:r>
+            <a:endParaRPr lang="en-US" sz="1600" dirty="0" smtClean="0"/>
           </a:p>
         </p:txBody>
       </p:sp>
@@ -24944,6 +25767,1486 @@
 </p:sld>
 </file>
 
+<file path=ppt/slides/slide20.xml><?xml version="1.0" encoding="utf-8"?>
+<p:sld xmlns:a="http://schemas.openxmlformats.org/drawingml/2006/main" xmlns:r="http://schemas.openxmlformats.org/officeDocument/2006/relationships" xmlns:p="http://schemas.openxmlformats.org/presentationml/2006/main">
+  <p:cSld>
+    <p:spTree>
+      <p:nvGrpSpPr>
+        <p:cNvPr id="1" name=""/>
+        <p:cNvGrpSpPr/>
+        <p:nvPr/>
+      </p:nvGrpSpPr>
+      <p:grpSpPr>
+        <a:xfrm>
+          <a:off x="0" y="0"/>
+          <a:ext cx="0" cy="0"/>
+          <a:chOff x="0" y="0"/>
+          <a:chExt cx="0" cy="0"/>
+        </a:xfrm>
+      </p:grpSpPr>
+      <p:pic>
+        <p:nvPicPr>
+          <p:cNvPr id="4" name="Picture 3"/>
+          <p:cNvPicPr/>
+          <p:nvPr/>
+        </p:nvPicPr>
+        <p:blipFill>
+          <a:blip r:embed="rId2" cstate="print">
+            <a:extLst>
+              <a:ext uri="{28A0092B-C50C-407E-A947-70E740481C1C}">
+                <a14:useLocalDpi xmlns:a14="http://schemas.microsoft.com/office/drawing/2010/main" val="0"/>
+              </a:ext>
+            </a:extLst>
+          </a:blip>
+          <a:stretch>
+            <a:fillRect/>
+          </a:stretch>
+        </p:blipFill>
+        <p:spPr>
+          <a:xfrm>
+            <a:off x="272628" y="304800"/>
+            <a:ext cx="554355" cy="657225"/>
+          </a:xfrm>
+          <a:prstGeom prst="rect">
+            <a:avLst/>
+          </a:prstGeom>
+        </p:spPr>
+      </p:pic>
+      <p:cxnSp>
+        <p:nvCxnSpPr>
+          <p:cNvPr id="5" name="Straight Connector 4"/>
+          <p:cNvCxnSpPr/>
+          <p:nvPr/>
+        </p:nvCxnSpPr>
+        <p:spPr>
+          <a:xfrm>
+            <a:off x="826983" y="762000"/>
+            <a:ext cx="2297217" cy="0"/>
+          </a:xfrm>
+          <a:prstGeom prst="line">
+            <a:avLst/>
+          </a:prstGeom>
+        </p:spPr>
+        <p:style>
+          <a:lnRef idx="1">
+            <a:schemeClr val="accent1"/>
+          </a:lnRef>
+          <a:fillRef idx="0">
+            <a:schemeClr val="accent1"/>
+          </a:fillRef>
+          <a:effectRef idx="0">
+            <a:schemeClr val="accent1"/>
+          </a:effectRef>
+          <a:fontRef idx="minor">
+            <a:schemeClr val="tx1"/>
+          </a:fontRef>
+        </p:style>
+      </p:cxnSp>
+      <p:sp>
+        <p:nvSpPr>
+          <p:cNvPr id="6" name="TextBox 5"/>
+          <p:cNvSpPr txBox="1"/>
+          <p:nvPr/>
+        </p:nvSpPr>
+        <p:spPr>
+          <a:xfrm>
+            <a:off x="826983" y="304800"/>
+            <a:ext cx="2830617" cy="369332"/>
+          </a:xfrm>
+          <a:prstGeom prst="rect">
+            <a:avLst/>
+          </a:prstGeom>
+          <a:noFill/>
+        </p:spPr>
+        <p:txBody>
+          <a:bodyPr wrap="square" rtlCol="0">
+            <a:spAutoFit/>
+          </a:bodyPr>
+          <a:lstStyle/>
+          <a:p>
+            <a:r>
+              <a:rPr lang="en-US" dirty="0" smtClean="0"/>
+              <a:t>UIN SGD Bandung</a:t>
+            </a:r>
+            <a:endParaRPr lang="en-US" dirty="0"/>
+          </a:p>
+        </p:txBody>
+      </p:sp>
+      <p:pic>
+        <p:nvPicPr>
+          <p:cNvPr id="7" name="Picture 6"/>
+          <p:cNvPicPr>
+            <a:picLocks noChangeAspect="1"/>
+          </p:cNvPicPr>
+          <p:nvPr/>
+        </p:nvPicPr>
+        <p:blipFill>
+          <a:blip r:embed="rId3">
+            <a:extLst>
+              <a:ext uri="{28A0092B-C50C-407E-A947-70E740481C1C}">
+                <a14:useLocalDpi xmlns:a14="http://schemas.microsoft.com/office/drawing/2010/main" val="0"/>
+              </a:ext>
+            </a:extLst>
+          </a:blip>
+          <a:stretch>
+            <a:fillRect/>
+          </a:stretch>
+        </p:blipFill>
+        <p:spPr>
+          <a:xfrm>
+            <a:off x="278315" y="2881312"/>
+            <a:ext cx="8494936" cy="1919288"/>
+          </a:xfrm>
+          <a:prstGeom prst="rect">
+            <a:avLst/>
+          </a:prstGeom>
+        </p:spPr>
+      </p:pic>
+    </p:spTree>
+    <p:extLst>
+      <p:ext uri="{BB962C8B-B14F-4D97-AF65-F5344CB8AC3E}">
+        <p14:creationId xmlns:p14="http://schemas.microsoft.com/office/powerpoint/2010/main" val="1083799728"/>
+      </p:ext>
+    </p:extLst>
+  </p:cSld>
+  <p:clrMapOvr>
+    <a:masterClrMapping/>
+  </p:clrMapOvr>
+</p:sld>
+</file>
+
+<file path=ppt/slides/slide21.xml><?xml version="1.0" encoding="utf-8"?>
+<p:sld xmlns:a="http://schemas.openxmlformats.org/drawingml/2006/main" xmlns:r="http://schemas.openxmlformats.org/officeDocument/2006/relationships" xmlns:p="http://schemas.openxmlformats.org/presentationml/2006/main">
+  <p:cSld>
+    <p:spTree>
+      <p:nvGrpSpPr>
+        <p:cNvPr id="1" name=""/>
+        <p:cNvGrpSpPr/>
+        <p:nvPr/>
+      </p:nvGrpSpPr>
+      <p:grpSpPr>
+        <a:xfrm>
+          <a:off x="0" y="0"/>
+          <a:ext cx="0" cy="0"/>
+          <a:chOff x="0" y="0"/>
+          <a:chExt cx="0" cy="0"/>
+        </a:xfrm>
+      </p:grpSpPr>
+      <p:pic>
+        <p:nvPicPr>
+          <p:cNvPr id="4" name="Picture 3"/>
+          <p:cNvPicPr/>
+          <p:nvPr/>
+        </p:nvPicPr>
+        <p:blipFill>
+          <a:blip r:embed="rId2" cstate="print">
+            <a:extLst>
+              <a:ext uri="{28A0092B-C50C-407E-A947-70E740481C1C}">
+                <a14:useLocalDpi xmlns:a14="http://schemas.microsoft.com/office/drawing/2010/main" val="0"/>
+              </a:ext>
+            </a:extLst>
+          </a:blip>
+          <a:stretch>
+            <a:fillRect/>
+          </a:stretch>
+        </p:blipFill>
+        <p:spPr>
+          <a:xfrm>
+            <a:off x="272628" y="304800"/>
+            <a:ext cx="554355" cy="657225"/>
+          </a:xfrm>
+          <a:prstGeom prst="rect">
+            <a:avLst/>
+          </a:prstGeom>
+        </p:spPr>
+      </p:pic>
+      <p:cxnSp>
+        <p:nvCxnSpPr>
+          <p:cNvPr id="5" name="Straight Connector 4"/>
+          <p:cNvCxnSpPr/>
+          <p:nvPr/>
+        </p:nvCxnSpPr>
+        <p:spPr>
+          <a:xfrm>
+            <a:off x="826983" y="762000"/>
+            <a:ext cx="2297217" cy="0"/>
+          </a:xfrm>
+          <a:prstGeom prst="line">
+            <a:avLst/>
+          </a:prstGeom>
+        </p:spPr>
+        <p:style>
+          <a:lnRef idx="1">
+            <a:schemeClr val="accent1"/>
+          </a:lnRef>
+          <a:fillRef idx="0">
+            <a:schemeClr val="accent1"/>
+          </a:fillRef>
+          <a:effectRef idx="0">
+            <a:schemeClr val="accent1"/>
+          </a:effectRef>
+          <a:fontRef idx="minor">
+            <a:schemeClr val="tx1"/>
+          </a:fontRef>
+        </p:style>
+      </p:cxnSp>
+      <p:sp>
+        <p:nvSpPr>
+          <p:cNvPr id="6" name="TextBox 5"/>
+          <p:cNvSpPr txBox="1"/>
+          <p:nvPr/>
+        </p:nvSpPr>
+        <p:spPr>
+          <a:xfrm>
+            <a:off x="826983" y="304800"/>
+            <a:ext cx="2830617" cy="369332"/>
+          </a:xfrm>
+          <a:prstGeom prst="rect">
+            <a:avLst/>
+          </a:prstGeom>
+          <a:noFill/>
+        </p:spPr>
+        <p:txBody>
+          <a:bodyPr wrap="square" rtlCol="0">
+            <a:spAutoFit/>
+          </a:bodyPr>
+          <a:lstStyle/>
+          <a:p>
+            <a:r>
+              <a:rPr lang="en-US" dirty="0" smtClean="0"/>
+              <a:t>UIN SGD Bandung</a:t>
+            </a:r>
+            <a:endParaRPr lang="en-US" dirty="0"/>
+          </a:p>
+        </p:txBody>
+      </p:sp>
+      <p:pic>
+        <p:nvPicPr>
+          <p:cNvPr id="7" name="Picture 6"/>
+          <p:cNvPicPr>
+            <a:picLocks noChangeAspect="1"/>
+          </p:cNvPicPr>
+          <p:nvPr/>
+        </p:nvPicPr>
+        <p:blipFill>
+          <a:blip r:embed="rId3">
+            <a:extLst>
+              <a:ext uri="{28A0092B-C50C-407E-A947-70E740481C1C}">
+                <a14:useLocalDpi xmlns:a14="http://schemas.microsoft.com/office/drawing/2010/main" val="0"/>
+              </a:ext>
+            </a:extLst>
+          </a:blip>
+          <a:stretch>
+            <a:fillRect/>
+          </a:stretch>
+        </p:blipFill>
+        <p:spPr>
+          <a:xfrm>
+            <a:off x="549805" y="2362200"/>
+            <a:ext cx="7526793" cy="1862138"/>
+          </a:xfrm>
+          <a:prstGeom prst="rect">
+            <a:avLst/>
+          </a:prstGeom>
+        </p:spPr>
+      </p:pic>
+    </p:spTree>
+    <p:extLst>
+      <p:ext uri="{BB962C8B-B14F-4D97-AF65-F5344CB8AC3E}">
+        <p14:creationId xmlns:p14="http://schemas.microsoft.com/office/powerpoint/2010/main" val="2952305369"/>
+      </p:ext>
+    </p:extLst>
+  </p:cSld>
+  <p:clrMapOvr>
+    <a:masterClrMapping/>
+  </p:clrMapOvr>
+</p:sld>
+</file>
+
+<file path=ppt/slides/slide22.xml><?xml version="1.0" encoding="utf-8"?>
+<p:sld xmlns:a="http://schemas.openxmlformats.org/drawingml/2006/main" xmlns:r="http://schemas.openxmlformats.org/officeDocument/2006/relationships" xmlns:p="http://schemas.openxmlformats.org/presentationml/2006/main">
+  <p:cSld>
+    <p:spTree>
+      <p:nvGrpSpPr>
+        <p:cNvPr id="1" name=""/>
+        <p:cNvGrpSpPr/>
+        <p:nvPr/>
+      </p:nvGrpSpPr>
+      <p:grpSpPr>
+        <a:xfrm>
+          <a:off x="0" y="0"/>
+          <a:ext cx="0" cy="0"/>
+          <a:chOff x="0" y="0"/>
+          <a:chExt cx="0" cy="0"/>
+        </a:xfrm>
+      </p:grpSpPr>
+      <p:pic>
+        <p:nvPicPr>
+          <p:cNvPr id="4" name="Picture 3"/>
+          <p:cNvPicPr/>
+          <p:nvPr/>
+        </p:nvPicPr>
+        <p:blipFill>
+          <a:blip r:embed="rId2" cstate="print">
+            <a:extLst>
+              <a:ext uri="{28A0092B-C50C-407E-A947-70E740481C1C}">
+                <a14:useLocalDpi xmlns:a14="http://schemas.microsoft.com/office/drawing/2010/main" val="0"/>
+              </a:ext>
+            </a:extLst>
+          </a:blip>
+          <a:stretch>
+            <a:fillRect/>
+          </a:stretch>
+        </p:blipFill>
+        <p:spPr>
+          <a:xfrm>
+            <a:off x="272628" y="304800"/>
+            <a:ext cx="554355" cy="657225"/>
+          </a:xfrm>
+          <a:prstGeom prst="rect">
+            <a:avLst/>
+          </a:prstGeom>
+        </p:spPr>
+      </p:pic>
+      <p:cxnSp>
+        <p:nvCxnSpPr>
+          <p:cNvPr id="5" name="Straight Connector 4"/>
+          <p:cNvCxnSpPr/>
+          <p:nvPr/>
+        </p:nvCxnSpPr>
+        <p:spPr>
+          <a:xfrm>
+            <a:off x="826983" y="762000"/>
+            <a:ext cx="2297217" cy="0"/>
+          </a:xfrm>
+          <a:prstGeom prst="line">
+            <a:avLst/>
+          </a:prstGeom>
+        </p:spPr>
+        <p:style>
+          <a:lnRef idx="1">
+            <a:schemeClr val="accent1"/>
+          </a:lnRef>
+          <a:fillRef idx="0">
+            <a:schemeClr val="accent1"/>
+          </a:fillRef>
+          <a:effectRef idx="0">
+            <a:schemeClr val="accent1"/>
+          </a:effectRef>
+          <a:fontRef idx="minor">
+            <a:schemeClr val="tx1"/>
+          </a:fontRef>
+        </p:style>
+      </p:cxnSp>
+      <p:sp>
+        <p:nvSpPr>
+          <p:cNvPr id="6" name="TextBox 5"/>
+          <p:cNvSpPr txBox="1"/>
+          <p:nvPr/>
+        </p:nvSpPr>
+        <p:spPr>
+          <a:xfrm>
+            <a:off x="826983" y="304800"/>
+            <a:ext cx="2830617" cy="369332"/>
+          </a:xfrm>
+          <a:prstGeom prst="rect">
+            <a:avLst/>
+          </a:prstGeom>
+          <a:noFill/>
+        </p:spPr>
+        <p:txBody>
+          <a:bodyPr wrap="square" rtlCol="0">
+            <a:spAutoFit/>
+          </a:bodyPr>
+          <a:lstStyle/>
+          <a:p>
+            <a:r>
+              <a:rPr lang="en-US" dirty="0" smtClean="0"/>
+              <a:t>UIN SGD Bandung</a:t>
+            </a:r>
+            <a:endParaRPr lang="en-US" dirty="0"/>
+          </a:p>
+        </p:txBody>
+      </p:sp>
+      <p:pic>
+        <p:nvPicPr>
+          <p:cNvPr id="7" name="Picture 6"/>
+          <p:cNvPicPr>
+            <a:picLocks noChangeAspect="1"/>
+          </p:cNvPicPr>
+          <p:nvPr/>
+        </p:nvPicPr>
+        <p:blipFill>
+          <a:blip r:embed="rId3">
+            <a:extLst>
+              <a:ext uri="{28A0092B-C50C-407E-A947-70E740481C1C}">
+                <a14:useLocalDpi xmlns:a14="http://schemas.microsoft.com/office/drawing/2010/main" val="0"/>
+              </a:ext>
+            </a:extLst>
+          </a:blip>
+          <a:stretch>
+            <a:fillRect/>
+          </a:stretch>
+        </p:blipFill>
+        <p:spPr>
+          <a:xfrm>
+            <a:off x="272628" y="2676524"/>
+            <a:ext cx="8625763" cy="1490873"/>
+          </a:xfrm>
+          <a:prstGeom prst="rect">
+            <a:avLst/>
+          </a:prstGeom>
+        </p:spPr>
+      </p:pic>
+    </p:spTree>
+    <p:extLst>
+      <p:ext uri="{BB962C8B-B14F-4D97-AF65-F5344CB8AC3E}">
+        <p14:creationId xmlns:p14="http://schemas.microsoft.com/office/powerpoint/2010/main" val="3634973671"/>
+      </p:ext>
+    </p:extLst>
+  </p:cSld>
+  <p:clrMapOvr>
+    <a:masterClrMapping/>
+  </p:clrMapOvr>
+</p:sld>
+</file>
+
+<file path=ppt/slides/slide23.xml><?xml version="1.0" encoding="utf-8"?>
+<p:sld xmlns:a="http://schemas.openxmlformats.org/drawingml/2006/main" xmlns:r="http://schemas.openxmlformats.org/officeDocument/2006/relationships" xmlns:p="http://schemas.openxmlformats.org/presentationml/2006/main">
+  <p:cSld>
+    <p:spTree>
+      <p:nvGrpSpPr>
+        <p:cNvPr id="1" name=""/>
+        <p:cNvGrpSpPr/>
+        <p:nvPr/>
+      </p:nvGrpSpPr>
+      <p:grpSpPr>
+        <a:xfrm>
+          <a:off x="0" y="0"/>
+          <a:ext cx="0" cy="0"/>
+          <a:chOff x="0" y="0"/>
+          <a:chExt cx="0" cy="0"/>
+        </a:xfrm>
+      </p:grpSpPr>
+      <p:pic>
+        <p:nvPicPr>
+          <p:cNvPr id="4" name="Picture 3"/>
+          <p:cNvPicPr/>
+          <p:nvPr/>
+        </p:nvPicPr>
+        <p:blipFill>
+          <a:blip r:embed="rId2" cstate="print">
+            <a:extLst>
+              <a:ext uri="{28A0092B-C50C-407E-A947-70E740481C1C}">
+                <a14:useLocalDpi xmlns:a14="http://schemas.microsoft.com/office/drawing/2010/main" val="0"/>
+              </a:ext>
+            </a:extLst>
+          </a:blip>
+          <a:stretch>
+            <a:fillRect/>
+          </a:stretch>
+        </p:blipFill>
+        <p:spPr>
+          <a:xfrm>
+            <a:off x="272628" y="304800"/>
+            <a:ext cx="554355" cy="657225"/>
+          </a:xfrm>
+          <a:prstGeom prst="rect">
+            <a:avLst/>
+          </a:prstGeom>
+        </p:spPr>
+      </p:pic>
+      <p:cxnSp>
+        <p:nvCxnSpPr>
+          <p:cNvPr id="5" name="Straight Connector 4"/>
+          <p:cNvCxnSpPr/>
+          <p:nvPr/>
+        </p:nvCxnSpPr>
+        <p:spPr>
+          <a:xfrm>
+            <a:off x="826983" y="762000"/>
+            <a:ext cx="2297217" cy="0"/>
+          </a:xfrm>
+          <a:prstGeom prst="line">
+            <a:avLst/>
+          </a:prstGeom>
+        </p:spPr>
+        <p:style>
+          <a:lnRef idx="1">
+            <a:schemeClr val="accent1"/>
+          </a:lnRef>
+          <a:fillRef idx="0">
+            <a:schemeClr val="accent1"/>
+          </a:fillRef>
+          <a:effectRef idx="0">
+            <a:schemeClr val="accent1"/>
+          </a:effectRef>
+          <a:fontRef idx="minor">
+            <a:schemeClr val="tx1"/>
+          </a:fontRef>
+        </p:style>
+      </p:cxnSp>
+      <p:sp>
+        <p:nvSpPr>
+          <p:cNvPr id="6" name="TextBox 5"/>
+          <p:cNvSpPr txBox="1"/>
+          <p:nvPr/>
+        </p:nvSpPr>
+        <p:spPr>
+          <a:xfrm>
+            <a:off x="826983" y="304800"/>
+            <a:ext cx="2830617" cy="369332"/>
+          </a:xfrm>
+          <a:prstGeom prst="rect">
+            <a:avLst/>
+          </a:prstGeom>
+          <a:noFill/>
+        </p:spPr>
+        <p:txBody>
+          <a:bodyPr wrap="square" rtlCol="0">
+            <a:spAutoFit/>
+          </a:bodyPr>
+          <a:lstStyle/>
+          <a:p>
+            <a:r>
+              <a:rPr lang="en-US" dirty="0" smtClean="0"/>
+              <a:t>UIN SGD Bandung</a:t>
+            </a:r>
+            <a:endParaRPr lang="en-US" dirty="0"/>
+          </a:p>
+        </p:txBody>
+      </p:sp>
+      <p:pic>
+        <p:nvPicPr>
+          <p:cNvPr id="7" name="Picture 6"/>
+          <p:cNvPicPr>
+            <a:picLocks noChangeAspect="1"/>
+          </p:cNvPicPr>
+          <p:nvPr/>
+        </p:nvPicPr>
+        <p:blipFill>
+          <a:blip r:embed="rId3">
+            <a:extLst>
+              <a:ext uri="{28A0092B-C50C-407E-A947-70E740481C1C}">
+                <a14:useLocalDpi xmlns:a14="http://schemas.microsoft.com/office/drawing/2010/main" val="0"/>
+              </a:ext>
+            </a:extLst>
+          </a:blip>
+          <a:stretch>
+            <a:fillRect/>
+          </a:stretch>
+        </p:blipFill>
+        <p:spPr>
+          <a:xfrm>
+            <a:off x="112542" y="2809874"/>
+            <a:ext cx="8965374" cy="1838326"/>
+          </a:xfrm>
+          <a:prstGeom prst="rect">
+            <a:avLst/>
+          </a:prstGeom>
+        </p:spPr>
+      </p:pic>
+    </p:spTree>
+    <p:extLst>
+      <p:ext uri="{BB962C8B-B14F-4D97-AF65-F5344CB8AC3E}">
+        <p14:creationId xmlns:p14="http://schemas.microsoft.com/office/powerpoint/2010/main" val="476637789"/>
+      </p:ext>
+    </p:extLst>
+  </p:cSld>
+  <p:clrMapOvr>
+    <a:masterClrMapping/>
+  </p:clrMapOvr>
+</p:sld>
+</file>
+
+<file path=ppt/slides/slide24.xml><?xml version="1.0" encoding="utf-8"?>
+<p:sld xmlns:a="http://schemas.openxmlformats.org/drawingml/2006/main" xmlns:r="http://schemas.openxmlformats.org/officeDocument/2006/relationships" xmlns:p="http://schemas.openxmlformats.org/presentationml/2006/main">
+  <p:cSld>
+    <p:spTree>
+      <p:nvGrpSpPr>
+        <p:cNvPr id="1" name=""/>
+        <p:cNvGrpSpPr/>
+        <p:nvPr/>
+      </p:nvGrpSpPr>
+      <p:grpSpPr>
+        <a:xfrm>
+          <a:off x="0" y="0"/>
+          <a:ext cx="0" cy="0"/>
+          <a:chOff x="0" y="0"/>
+          <a:chExt cx="0" cy="0"/>
+        </a:xfrm>
+      </p:grpSpPr>
+      <p:pic>
+        <p:nvPicPr>
+          <p:cNvPr id="4" name="Picture 3"/>
+          <p:cNvPicPr/>
+          <p:nvPr/>
+        </p:nvPicPr>
+        <p:blipFill>
+          <a:blip r:embed="rId2" cstate="print">
+            <a:extLst>
+              <a:ext uri="{28A0092B-C50C-407E-A947-70E740481C1C}">
+                <a14:useLocalDpi xmlns:a14="http://schemas.microsoft.com/office/drawing/2010/main" val="0"/>
+              </a:ext>
+            </a:extLst>
+          </a:blip>
+          <a:stretch>
+            <a:fillRect/>
+          </a:stretch>
+        </p:blipFill>
+        <p:spPr>
+          <a:xfrm>
+            <a:off x="272628" y="304800"/>
+            <a:ext cx="554355" cy="657225"/>
+          </a:xfrm>
+          <a:prstGeom prst="rect">
+            <a:avLst/>
+          </a:prstGeom>
+        </p:spPr>
+      </p:pic>
+      <p:cxnSp>
+        <p:nvCxnSpPr>
+          <p:cNvPr id="5" name="Straight Connector 4"/>
+          <p:cNvCxnSpPr/>
+          <p:nvPr/>
+        </p:nvCxnSpPr>
+        <p:spPr>
+          <a:xfrm>
+            <a:off x="826983" y="762000"/>
+            <a:ext cx="2297217" cy="0"/>
+          </a:xfrm>
+          <a:prstGeom prst="line">
+            <a:avLst/>
+          </a:prstGeom>
+        </p:spPr>
+        <p:style>
+          <a:lnRef idx="1">
+            <a:schemeClr val="accent1"/>
+          </a:lnRef>
+          <a:fillRef idx="0">
+            <a:schemeClr val="accent1"/>
+          </a:fillRef>
+          <a:effectRef idx="0">
+            <a:schemeClr val="accent1"/>
+          </a:effectRef>
+          <a:fontRef idx="minor">
+            <a:schemeClr val="tx1"/>
+          </a:fontRef>
+        </p:style>
+      </p:cxnSp>
+      <p:sp>
+        <p:nvSpPr>
+          <p:cNvPr id="6" name="TextBox 5"/>
+          <p:cNvSpPr txBox="1"/>
+          <p:nvPr/>
+        </p:nvSpPr>
+        <p:spPr>
+          <a:xfrm>
+            <a:off x="826983" y="304800"/>
+            <a:ext cx="2830617" cy="369332"/>
+          </a:xfrm>
+          <a:prstGeom prst="rect">
+            <a:avLst/>
+          </a:prstGeom>
+          <a:noFill/>
+        </p:spPr>
+        <p:txBody>
+          <a:bodyPr wrap="square" rtlCol="0">
+            <a:spAutoFit/>
+          </a:bodyPr>
+          <a:lstStyle/>
+          <a:p>
+            <a:r>
+              <a:rPr lang="en-US" dirty="0" smtClean="0"/>
+              <a:t>UIN SGD Bandung</a:t>
+            </a:r>
+            <a:endParaRPr lang="en-US" dirty="0"/>
+          </a:p>
+        </p:txBody>
+      </p:sp>
+      <p:pic>
+        <p:nvPicPr>
+          <p:cNvPr id="7" name="Picture 6"/>
+          <p:cNvPicPr>
+            <a:picLocks noChangeAspect="1"/>
+          </p:cNvPicPr>
+          <p:nvPr/>
+        </p:nvPicPr>
+        <p:blipFill>
+          <a:blip r:embed="rId3">
+            <a:extLst>
+              <a:ext uri="{28A0092B-C50C-407E-A947-70E740481C1C}">
+                <a14:useLocalDpi xmlns:a14="http://schemas.microsoft.com/office/drawing/2010/main" val="0"/>
+              </a:ext>
+            </a:extLst>
+          </a:blip>
+          <a:stretch>
+            <a:fillRect/>
+          </a:stretch>
+        </p:blipFill>
+        <p:spPr>
+          <a:xfrm>
+            <a:off x="152400" y="2817338"/>
+            <a:ext cx="8470091" cy="1366838"/>
+          </a:xfrm>
+          <a:prstGeom prst="rect">
+            <a:avLst/>
+          </a:prstGeom>
+        </p:spPr>
+      </p:pic>
+    </p:spTree>
+    <p:extLst>
+      <p:ext uri="{BB962C8B-B14F-4D97-AF65-F5344CB8AC3E}">
+        <p14:creationId xmlns:p14="http://schemas.microsoft.com/office/powerpoint/2010/main" val="619526516"/>
+      </p:ext>
+    </p:extLst>
+  </p:cSld>
+  <p:clrMapOvr>
+    <a:masterClrMapping/>
+  </p:clrMapOvr>
+</p:sld>
+</file>
+
+<file path=ppt/slides/slide25.xml><?xml version="1.0" encoding="utf-8"?>
+<p:sld xmlns:a="http://schemas.openxmlformats.org/drawingml/2006/main" xmlns:r="http://schemas.openxmlformats.org/officeDocument/2006/relationships" xmlns:p="http://schemas.openxmlformats.org/presentationml/2006/main">
+  <p:cSld>
+    <p:spTree>
+      <p:nvGrpSpPr>
+        <p:cNvPr id="1" name=""/>
+        <p:cNvGrpSpPr/>
+        <p:nvPr/>
+      </p:nvGrpSpPr>
+      <p:grpSpPr>
+        <a:xfrm>
+          <a:off x="0" y="0"/>
+          <a:ext cx="0" cy="0"/>
+          <a:chOff x="0" y="0"/>
+          <a:chExt cx="0" cy="0"/>
+        </a:xfrm>
+      </p:grpSpPr>
+      <p:pic>
+        <p:nvPicPr>
+          <p:cNvPr id="4" name="Picture 3"/>
+          <p:cNvPicPr/>
+          <p:nvPr/>
+        </p:nvPicPr>
+        <p:blipFill>
+          <a:blip r:embed="rId2" cstate="print">
+            <a:extLst>
+              <a:ext uri="{28A0092B-C50C-407E-A947-70E740481C1C}">
+                <a14:useLocalDpi xmlns:a14="http://schemas.microsoft.com/office/drawing/2010/main" val="0"/>
+              </a:ext>
+            </a:extLst>
+          </a:blip>
+          <a:stretch>
+            <a:fillRect/>
+          </a:stretch>
+        </p:blipFill>
+        <p:spPr>
+          <a:xfrm>
+            <a:off x="272628" y="304800"/>
+            <a:ext cx="554355" cy="657225"/>
+          </a:xfrm>
+          <a:prstGeom prst="rect">
+            <a:avLst/>
+          </a:prstGeom>
+        </p:spPr>
+      </p:pic>
+      <p:cxnSp>
+        <p:nvCxnSpPr>
+          <p:cNvPr id="5" name="Straight Connector 4"/>
+          <p:cNvCxnSpPr/>
+          <p:nvPr/>
+        </p:nvCxnSpPr>
+        <p:spPr>
+          <a:xfrm>
+            <a:off x="826983" y="762000"/>
+            <a:ext cx="2297217" cy="0"/>
+          </a:xfrm>
+          <a:prstGeom prst="line">
+            <a:avLst/>
+          </a:prstGeom>
+        </p:spPr>
+        <p:style>
+          <a:lnRef idx="1">
+            <a:schemeClr val="accent1"/>
+          </a:lnRef>
+          <a:fillRef idx="0">
+            <a:schemeClr val="accent1"/>
+          </a:fillRef>
+          <a:effectRef idx="0">
+            <a:schemeClr val="accent1"/>
+          </a:effectRef>
+          <a:fontRef idx="minor">
+            <a:schemeClr val="tx1"/>
+          </a:fontRef>
+        </p:style>
+      </p:cxnSp>
+      <p:sp>
+        <p:nvSpPr>
+          <p:cNvPr id="6" name="TextBox 5"/>
+          <p:cNvSpPr txBox="1"/>
+          <p:nvPr/>
+        </p:nvSpPr>
+        <p:spPr>
+          <a:xfrm>
+            <a:off x="826983" y="304800"/>
+            <a:ext cx="2830617" cy="369332"/>
+          </a:xfrm>
+          <a:prstGeom prst="rect">
+            <a:avLst/>
+          </a:prstGeom>
+          <a:noFill/>
+        </p:spPr>
+        <p:txBody>
+          <a:bodyPr wrap="square" rtlCol="0">
+            <a:spAutoFit/>
+          </a:bodyPr>
+          <a:lstStyle/>
+          <a:p>
+            <a:r>
+              <a:rPr lang="en-US" dirty="0" smtClean="0"/>
+              <a:t>UIN SGD Bandung</a:t>
+            </a:r>
+            <a:endParaRPr lang="en-US" dirty="0"/>
+          </a:p>
+        </p:txBody>
+      </p:sp>
+      <p:pic>
+        <p:nvPicPr>
+          <p:cNvPr id="7" name="Picture 6"/>
+          <p:cNvPicPr>
+            <a:picLocks noChangeAspect="1"/>
+          </p:cNvPicPr>
+          <p:nvPr/>
+        </p:nvPicPr>
+        <p:blipFill>
+          <a:blip r:embed="rId3">
+            <a:extLst>
+              <a:ext uri="{28A0092B-C50C-407E-A947-70E740481C1C}">
+                <a14:useLocalDpi xmlns:a14="http://schemas.microsoft.com/office/drawing/2010/main" val="0"/>
+              </a:ext>
+            </a:extLst>
+          </a:blip>
+          <a:stretch>
+            <a:fillRect/>
+          </a:stretch>
+        </p:blipFill>
+        <p:spPr>
+          <a:xfrm>
+            <a:off x="273656" y="2881312"/>
+            <a:ext cx="6674832" cy="1538288"/>
+          </a:xfrm>
+          <a:prstGeom prst="rect">
+            <a:avLst/>
+          </a:prstGeom>
+        </p:spPr>
+      </p:pic>
+    </p:spTree>
+    <p:extLst>
+      <p:ext uri="{BB962C8B-B14F-4D97-AF65-F5344CB8AC3E}">
+        <p14:creationId xmlns:p14="http://schemas.microsoft.com/office/powerpoint/2010/main" val="467118197"/>
+      </p:ext>
+    </p:extLst>
+  </p:cSld>
+  <p:clrMapOvr>
+    <a:masterClrMapping/>
+  </p:clrMapOvr>
+</p:sld>
+</file>
+
+<file path=ppt/slides/slide26.xml><?xml version="1.0" encoding="utf-8"?>
+<p:sld xmlns:a="http://schemas.openxmlformats.org/drawingml/2006/main" xmlns:r="http://schemas.openxmlformats.org/officeDocument/2006/relationships" xmlns:p="http://schemas.openxmlformats.org/presentationml/2006/main">
+  <p:cSld>
+    <p:spTree>
+      <p:nvGrpSpPr>
+        <p:cNvPr id="1" name=""/>
+        <p:cNvGrpSpPr/>
+        <p:nvPr/>
+      </p:nvGrpSpPr>
+      <p:grpSpPr>
+        <a:xfrm>
+          <a:off x="0" y="0"/>
+          <a:ext cx="0" cy="0"/>
+          <a:chOff x="0" y="0"/>
+          <a:chExt cx="0" cy="0"/>
+        </a:xfrm>
+      </p:grpSpPr>
+      <p:pic>
+        <p:nvPicPr>
+          <p:cNvPr id="4" name="Picture 3"/>
+          <p:cNvPicPr/>
+          <p:nvPr/>
+        </p:nvPicPr>
+        <p:blipFill>
+          <a:blip r:embed="rId2" cstate="print">
+            <a:extLst>
+              <a:ext uri="{28A0092B-C50C-407E-A947-70E740481C1C}">
+                <a14:useLocalDpi xmlns:a14="http://schemas.microsoft.com/office/drawing/2010/main" val="0"/>
+              </a:ext>
+            </a:extLst>
+          </a:blip>
+          <a:stretch>
+            <a:fillRect/>
+          </a:stretch>
+        </p:blipFill>
+        <p:spPr>
+          <a:xfrm>
+            <a:off x="272628" y="304800"/>
+            <a:ext cx="554355" cy="657225"/>
+          </a:xfrm>
+          <a:prstGeom prst="rect">
+            <a:avLst/>
+          </a:prstGeom>
+        </p:spPr>
+      </p:pic>
+      <p:cxnSp>
+        <p:nvCxnSpPr>
+          <p:cNvPr id="5" name="Straight Connector 4"/>
+          <p:cNvCxnSpPr/>
+          <p:nvPr/>
+        </p:nvCxnSpPr>
+        <p:spPr>
+          <a:xfrm>
+            <a:off x="826983" y="762000"/>
+            <a:ext cx="2297217" cy="0"/>
+          </a:xfrm>
+          <a:prstGeom prst="line">
+            <a:avLst/>
+          </a:prstGeom>
+        </p:spPr>
+        <p:style>
+          <a:lnRef idx="1">
+            <a:schemeClr val="accent1"/>
+          </a:lnRef>
+          <a:fillRef idx="0">
+            <a:schemeClr val="accent1"/>
+          </a:fillRef>
+          <a:effectRef idx="0">
+            <a:schemeClr val="accent1"/>
+          </a:effectRef>
+          <a:fontRef idx="minor">
+            <a:schemeClr val="tx1"/>
+          </a:fontRef>
+        </p:style>
+      </p:cxnSp>
+      <p:sp>
+        <p:nvSpPr>
+          <p:cNvPr id="6" name="TextBox 5"/>
+          <p:cNvSpPr txBox="1"/>
+          <p:nvPr/>
+        </p:nvSpPr>
+        <p:spPr>
+          <a:xfrm>
+            <a:off x="826983" y="304800"/>
+            <a:ext cx="2830617" cy="369332"/>
+          </a:xfrm>
+          <a:prstGeom prst="rect">
+            <a:avLst/>
+          </a:prstGeom>
+          <a:noFill/>
+        </p:spPr>
+        <p:txBody>
+          <a:bodyPr wrap="square" rtlCol="0">
+            <a:spAutoFit/>
+          </a:bodyPr>
+          <a:lstStyle/>
+          <a:p>
+            <a:r>
+              <a:rPr lang="en-US" dirty="0" smtClean="0"/>
+              <a:t>UIN SGD Bandung</a:t>
+            </a:r>
+            <a:endParaRPr lang="en-US" dirty="0"/>
+          </a:p>
+        </p:txBody>
+      </p:sp>
+      <p:pic>
+        <p:nvPicPr>
+          <p:cNvPr id="7" name="Picture 6"/>
+          <p:cNvPicPr>
+            <a:picLocks noChangeAspect="1"/>
+          </p:cNvPicPr>
+          <p:nvPr/>
+        </p:nvPicPr>
+        <p:blipFill>
+          <a:blip r:embed="rId3">
+            <a:extLst>
+              <a:ext uri="{28A0092B-C50C-407E-A947-70E740481C1C}">
+                <a14:useLocalDpi xmlns:a14="http://schemas.microsoft.com/office/drawing/2010/main" val="0"/>
+              </a:ext>
+            </a:extLst>
+          </a:blip>
+          <a:stretch>
+            <a:fillRect/>
+          </a:stretch>
+        </p:blipFill>
+        <p:spPr>
+          <a:xfrm>
+            <a:off x="277177" y="2847974"/>
+            <a:ext cx="7178727" cy="1724025"/>
+          </a:xfrm>
+          <a:prstGeom prst="rect">
+            <a:avLst/>
+          </a:prstGeom>
+        </p:spPr>
+      </p:pic>
+    </p:spTree>
+    <p:extLst>
+      <p:ext uri="{BB962C8B-B14F-4D97-AF65-F5344CB8AC3E}">
+        <p14:creationId xmlns:p14="http://schemas.microsoft.com/office/powerpoint/2010/main" val="678782902"/>
+      </p:ext>
+    </p:extLst>
+  </p:cSld>
+  <p:clrMapOvr>
+    <a:masterClrMapping/>
+  </p:clrMapOvr>
+</p:sld>
+</file>
+
+<file path=ppt/slides/slide27.xml><?xml version="1.0" encoding="utf-8"?>
+<p:sld xmlns:a="http://schemas.openxmlformats.org/drawingml/2006/main" xmlns:r="http://schemas.openxmlformats.org/officeDocument/2006/relationships" xmlns:p="http://schemas.openxmlformats.org/presentationml/2006/main">
+  <p:cSld>
+    <p:spTree>
+      <p:nvGrpSpPr>
+        <p:cNvPr id="1" name=""/>
+        <p:cNvGrpSpPr/>
+        <p:nvPr/>
+      </p:nvGrpSpPr>
+      <p:grpSpPr>
+        <a:xfrm>
+          <a:off x="0" y="0"/>
+          <a:ext cx="0" cy="0"/>
+          <a:chOff x="0" y="0"/>
+          <a:chExt cx="0" cy="0"/>
+        </a:xfrm>
+      </p:grpSpPr>
+      <p:pic>
+        <p:nvPicPr>
+          <p:cNvPr id="4" name="Picture 3"/>
+          <p:cNvPicPr/>
+          <p:nvPr/>
+        </p:nvPicPr>
+        <p:blipFill>
+          <a:blip r:embed="rId2" cstate="print">
+            <a:extLst>
+              <a:ext uri="{28A0092B-C50C-407E-A947-70E740481C1C}">
+                <a14:useLocalDpi xmlns:a14="http://schemas.microsoft.com/office/drawing/2010/main" val="0"/>
+              </a:ext>
+            </a:extLst>
+          </a:blip>
+          <a:stretch>
+            <a:fillRect/>
+          </a:stretch>
+        </p:blipFill>
+        <p:spPr>
+          <a:xfrm>
+            <a:off x="272628" y="304800"/>
+            <a:ext cx="554355" cy="657225"/>
+          </a:xfrm>
+          <a:prstGeom prst="rect">
+            <a:avLst/>
+          </a:prstGeom>
+        </p:spPr>
+      </p:pic>
+      <p:cxnSp>
+        <p:nvCxnSpPr>
+          <p:cNvPr id="5" name="Straight Connector 4"/>
+          <p:cNvCxnSpPr/>
+          <p:nvPr/>
+        </p:nvCxnSpPr>
+        <p:spPr>
+          <a:xfrm>
+            <a:off x="826983" y="762000"/>
+            <a:ext cx="2297217" cy="0"/>
+          </a:xfrm>
+          <a:prstGeom prst="line">
+            <a:avLst/>
+          </a:prstGeom>
+        </p:spPr>
+        <p:style>
+          <a:lnRef idx="1">
+            <a:schemeClr val="accent1"/>
+          </a:lnRef>
+          <a:fillRef idx="0">
+            <a:schemeClr val="accent1"/>
+          </a:fillRef>
+          <a:effectRef idx="0">
+            <a:schemeClr val="accent1"/>
+          </a:effectRef>
+          <a:fontRef idx="minor">
+            <a:schemeClr val="tx1"/>
+          </a:fontRef>
+        </p:style>
+      </p:cxnSp>
+      <p:sp>
+        <p:nvSpPr>
+          <p:cNvPr id="6" name="TextBox 5"/>
+          <p:cNvSpPr txBox="1"/>
+          <p:nvPr/>
+        </p:nvSpPr>
+        <p:spPr>
+          <a:xfrm>
+            <a:off x="826983" y="304800"/>
+            <a:ext cx="2830617" cy="369332"/>
+          </a:xfrm>
+          <a:prstGeom prst="rect">
+            <a:avLst/>
+          </a:prstGeom>
+          <a:noFill/>
+        </p:spPr>
+        <p:txBody>
+          <a:bodyPr wrap="square" rtlCol="0">
+            <a:spAutoFit/>
+          </a:bodyPr>
+          <a:lstStyle/>
+          <a:p>
+            <a:r>
+              <a:rPr lang="en-US" dirty="0" smtClean="0"/>
+              <a:t>UIN SGD Bandung</a:t>
+            </a:r>
+            <a:endParaRPr lang="en-US" dirty="0"/>
+          </a:p>
+        </p:txBody>
+      </p:sp>
+      <p:pic>
+        <p:nvPicPr>
+          <p:cNvPr id="7" name="Picture 6"/>
+          <p:cNvPicPr>
+            <a:picLocks noChangeAspect="1"/>
+          </p:cNvPicPr>
+          <p:nvPr/>
+        </p:nvPicPr>
+        <p:blipFill>
+          <a:blip r:embed="rId3">
+            <a:extLst>
+              <a:ext uri="{28A0092B-C50C-407E-A947-70E740481C1C}">
+                <a14:useLocalDpi xmlns:a14="http://schemas.microsoft.com/office/drawing/2010/main" val="0"/>
+              </a:ext>
+            </a:extLst>
+          </a:blip>
+          <a:stretch>
+            <a:fillRect/>
+          </a:stretch>
+        </p:blipFill>
+        <p:spPr>
+          <a:xfrm>
+            <a:off x="826983" y="1676399"/>
+            <a:ext cx="5178529" cy="4743967"/>
+          </a:xfrm>
+          <a:prstGeom prst="rect">
+            <a:avLst/>
+          </a:prstGeom>
+        </p:spPr>
+      </p:pic>
+    </p:spTree>
+    <p:extLst>
+      <p:ext uri="{BB962C8B-B14F-4D97-AF65-F5344CB8AC3E}">
+        <p14:creationId xmlns:p14="http://schemas.microsoft.com/office/powerpoint/2010/main" val="1790736926"/>
+      </p:ext>
+    </p:extLst>
+  </p:cSld>
+  <p:clrMapOvr>
+    <a:masterClrMapping/>
+  </p:clrMapOvr>
+</p:sld>
+</file>
+
+<file path=ppt/slides/slide28.xml><?xml version="1.0" encoding="utf-8"?>
+<p:sld xmlns:a="http://schemas.openxmlformats.org/drawingml/2006/main" xmlns:r="http://schemas.openxmlformats.org/officeDocument/2006/relationships" xmlns:p="http://schemas.openxmlformats.org/presentationml/2006/main">
+  <p:cSld>
+    <p:spTree>
+      <p:nvGrpSpPr>
+        <p:cNvPr id="1" name=""/>
+        <p:cNvGrpSpPr/>
+        <p:nvPr/>
+      </p:nvGrpSpPr>
+      <p:grpSpPr>
+        <a:xfrm>
+          <a:off x="0" y="0"/>
+          <a:ext cx="0" cy="0"/>
+          <a:chOff x="0" y="0"/>
+          <a:chExt cx="0" cy="0"/>
+        </a:xfrm>
+      </p:grpSpPr>
+      <p:pic>
+        <p:nvPicPr>
+          <p:cNvPr id="4" name="Picture 3"/>
+          <p:cNvPicPr/>
+          <p:nvPr/>
+        </p:nvPicPr>
+        <p:blipFill>
+          <a:blip r:embed="rId2" cstate="print">
+            <a:extLst>
+              <a:ext uri="{28A0092B-C50C-407E-A947-70E740481C1C}">
+                <a14:useLocalDpi xmlns:a14="http://schemas.microsoft.com/office/drawing/2010/main" val="0"/>
+              </a:ext>
+            </a:extLst>
+          </a:blip>
+          <a:stretch>
+            <a:fillRect/>
+          </a:stretch>
+        </p:blipFill>
+        <p:spPr>
+          <a:xfrm>
+            <a:off x="272628" y="304800"/>
+            <a:ext cx="554355" cy="657225"/>
+          </a:xfrm>
+          <a:prstGeom prst="rect">
+            <a:avLst/>
+          </a:prstGeom>
+        </p:spPr>
+      </p:pic>
+      <p:cxnSp>
+        <p:nvCxnSpPr>
+          <p:cNvPr id="5" name="Straight Connector 4"/>
+          <p:cNvCxnSpPr/>
+          <p:nvPr/>
+        </p:nvCxnSpPr>
+        <p:spPr>
+          <a:xfrm>
+            <a:off x="826983" y="762000"/>
+            <a:ext cx="2297217" cy="0"/>
+          </a:xfrm>
+          <a:prstGeom prst="line">
+            <a:avLst/>
+          </a:prstGeom>
+        </p:spPr>
+        <p:style>
+          <a:lnRef idx="1">
+            <a:schemeClr val="accent1"/>
+          </a:lnRef>
+          <a:fillRef idx="0">
+            <a:schemeClr val="accent1"/>
+          </a:fillRef>
+          <a:effectRef idx="0">
+            <a:schemeClr val="accent1"/>
+          </a:effectRef>
+          <a:fontRef idx="minor">
+            <a:schemeClr val="tx1"/>
+          </a:fontRef>
+        </p:style>
+      </p:cxnSp>
+      <p:sp>
+        <p:nvSpPr>
+          <p:cNvPr id="6" name="TextBox 5"/>
+          <p:cNvSpPr txBox="1"/>
+          <p:nvPr/>
+        </p:nvSpPr>
+        <p:spPr>
+          <a:xfrm>
+            <a:off x="826983" y="304800"/>
+            <a:ext cx="2830617" cy="369332"/>
+          </a:xfrm>
+          <a:prstGeom prst="rect">
+            <a:avLst/>
+          </a:prstGeom>
+          <a:noFill/>
+        </p:spPr>
+        <p:txBody>
+          <a:bodyPr wrap="square" rtlCol="0">
+            <a:spAutoFit/>
+          </a:bodyPr>
+          <a:lstStyle/>
+          <a:p>
+            <a:r>
+              <a:rPr lang="en-US" dirty="0" smtClean="0"/>
+              <a:t>UIN SGD Bandung</a:t>
+            </a:r>
+            <a:endParaRPr lang="en-US" dirty="0"/>
+          </a:p>
+        </p:txBody>
+      </p:sp>
+      <p:pic>
+        <p:nvPicPr>
+          <p:cNvPr id="7" name="Picture 6"/>
+          <p:cNvPicPr>
+            <a:picLocks noChangeAspect="1"/>
+          </p:cNvPicPr>
+          <p:nvPr/>
+        </p:nvPicPr>
+        <p:blipFill>
+          <a:blip r:embed="rId3">
+            <a:extLst>
+              <a:ext uri="{28A0092B-C50C-407E-A947-70E740481C1C}">
+                <a14:useLocalDpi xmlns:a14="http://schemas.microsoft.com/office/drawing/2010/main" val="0"/>
+              </a:ext>
+            </a:extLst>
+          </a:blip>
+          <a:stretch>
+            <a:fillRect/>
+          </a:stretch>
+        </p:blipFill>
+        <p:spPr>
+          <a:xfrm>
+            <a:off x="2753222" y="1328737"/>
+            <a:ext cx="3137991" cy="4995863"/>
+          </a:xfrm>
+          <a:prstGeom prst="rect">
+            <a:avLst/>
+          </a:prstGeom>
+        </p:spPr>
+      </p:pic>
+    </p:spTree>
+    <p:extLst>
+      <p:ext uri="{BB962C8B-B14F-4D97-AF65-F5344CB8AC3E}">
+        <p14:creationId xmlns:p14="http://schemas.microsoft.com/office/powerpoint/2010/main" val="97976126"/>
+      </p:ext>
+    </p:extLst>
+  </p:cSld>
+  <p:clrMapOvr>
+    <a:masterClrMapping/>
+  </p:clrMapOvr>
+</p:sld>
+</file>
+
+<file path=ppt/slides/slide29.xml><?xml version="1.0" encoding="utf-8"?>
+<p:sld xmlns:a="http://schemas.openxmlformats.org/drawingml/2006/main" xmlns:r="http://schemas.openxmlformats.org/officeDocument/2006/relationships" xmlns:p="http://schemas.openxmlformats.org/presentationml/2006/main">
+  <p:cSld>
+    <p:spTree>
+      <p:nvGrpSpPr>
+        <p:cNvPr id="1" name=""/>
+        <p:cNvGrpSpPr/>
+        <p:nvPr/>
+      </p:nvGrpSpPr>
+      <p:grpSpPr>
+        <a:xfrm>
+          <a:off x="0" y="0"/>
+          <a:ext cx="0" cy="0"/>
+          <a:chOff x="0" y="0"/>
+          <a:chExt cx="0" cy="0"/>
+        </a:xfrm>
+      </p:grpSpPr>
+      <p:pic>
+        <p:nvPicPr>
+          <p:cNvPr id="4" name="Picture 3"/>
+          <p:cNvPicPr/>
+          <p:nvPr/>
+        </p:nvPicPr>
+        <p:blipFill>
+          <a:blip r:embed="rId2" cstate="print">
+            <a:extLst>
+              <a:ext uri="{28A0092B-C50C-407E-A947-70E740481C1C}">
+                <a14:useLocalDpi xmlns:a14="http://schemas.microsoft.com/office/drawing/2010/main" val="0"/>
+              </a:ext>
+            </a:extLst>
+          </a:blip>
+          <a:stretch>
+            <a:fillRect/>
+          </a:stretch>
+        </p:blipFill>
+        <p:spPr>
+          <a:xfrm>
+            <a:off x="272628" y="304800"/>
+            <a:ext cx="554355" cy="657225"/>
+          </a:xfrm>
+          <a:prstGeom prst="rect">
+            <a:avLst/>
+          </a:prstGeom>
+        </p:spPr>
+      </p:pic>
+      <p:cxnSp>
+        <p:nvCxnSpPr>
+          <p:cNvPr id="5" name="Straight Connector 4"/>
+          <p:cNvCxnSpPr/>
+          <p:nvPr/>
+        </p:nvCxnSpPr>
+        <p:spPr>
+          <a:xfrm>
+            <a:off x="826983" y="762000"/>
+            <a:ext cx="2297217" cy="0"/>
+          </a:xfrm>
+          <a:prstGeom prst="line">
+            <a:avLst/>
+          </a:prstGeom>
+        </p:spPr>
+        <p:style>
+          <a:lnRef idx="1">
+            <a:schemeClr val="accent1"/>
+          </a:lnRef>
+          <a:fillRef idx="0">
+            <a:schemeClr val="accent1"/>
+          </a:fillRef>
+          <a:effectRef idx="0">
+            <a:schemeClr val="accent1"/>
+          </a:effectRef>
+          <a:fontRef idx="minor">
+            <a:schemeClr val="tx1"/>
+          </a:fontRef>
+        </p:style>
+      </p:cxnSp>
+      <p:sp>
+        <p:nvSpPr>
+          <p:cNvPr id="6" name="TextBox 5"/>
+          <p:cNvSpPr txBox="1"/>
+          <p:nvPr/>
+        </p:nvSpPr>
+        <p:spPr>
+          <a:xfrm>
+            <a:off x="826983" y="304800"/>
+            <a:ext cx="2830617" cy="369332"/>
+          </a:xfrm>
+          <a:prstGeom prst="rect">
+            <a:avLst/>
+          </a:prstGeom>
+          <a:noFill/>
+        </p:spPr>
+        <p:txBody>
+          <a:bodyPr wrap="square" rtlCol="0">
+            <a:spAutoFit/>
+          </a:bodyPr>
+          <a:lstStyle/>
+          <a:p>
+            <a:r>
+              <a:rPr lang="en-US" dirty="0" smtClean="0"/>
+              <a:t>UIN SGD Bandung</a:t>
+            </a:r>
+            <a:endParaRPr lang="en-US" dirty="0"/>
+          </a:p>
+        </p:txBody>
+      </p:sp>
+      <p:pic>
+        <p:nvPicPr>
+          <p:cNvPr id="7" name="Picture 6"/>
+          <p:cNvPicPr>
+            <a:picLocks noChangeAspect="1"/>
+          </p:cNvPicPr>
+          <p:nvPr/>
+        </p:nvPicPr>
+        <p:blipFill>
+          <a:blip r:embed="rId3">
+            <a:extLst>
+              <a:ext uri="{28A0092B-C50C-407E-A947-70E740481C1C}">
+                <a14:useLocalDpi xmlns:a14="http://schemas.microsoft.com/office/drawing/2010/main" val="0"/>
+              </a:ext>
+            </a:extLst>
+          </a:blip>
+          <a:stretch>
+            <a:fillRect/>
+          </a:stretch>
+        </p:blipFill>
+        <p:spPr>
+          <a:xfrm>
+            <a:off x="3093493" y="1295400"/>
+            <a:ext cx="2205037" cy="5006405"/>
+          </a:xfrm>
+          <a:prstGeom prst="rect">
+            <a:avLst/>
+          </a:prstGeom>
+        </p:spPr>
+      </p:pic>
+    </p:spTree>
+    <p:extLst>
+      <p:ext uri="{BB962C8B-B14F-4D97-AF65-F5344CB8AC3E}">
+        <p14:creationId xmlns:p14="http://schemas.microsoft.com/office/powerpoint/2010/main" val="3362692283"/>
+      </p:ext>
+    </p:extLst>
+  </p:cSld>
+  <p:clrMapOvr>
+    <a:masterClrMapping/>
+  </p:clrMapOvr>
+</p:sld>
+</file>
+
 <file path=ppt/slides/slide3.xml><?xml version="1.0" encoding="utf-8"?>
 <p:sld xmlns:a="http://schemas.openxmlformats.org/drawingml/2006/main" xmlns:r="http://schemas.openxmlformats.org/officeDocument/2006/relationships" xmlns:p="http://schemas.openxmlformats.org/presentationml/2006/main">
   <p:cSld>
@@ -25163,28 +27466,56 @@
               <a:t>pula </a:t>
             </a:r>
             <a:r>
-              <a:rPr lang="en-US" sz="2400" dirty="0" err="1">
+              <a:rPr lang="en-US" sz="2400" dirty="0" err="1" smtClean="0">
                 <a:latin typeface="Times New Roman" pitchFamily="18" charset="0"/>
                 <a:cs typeface="Times New Roman" pitchFamily="18" charset="0"/>
               </a:rPr>
               <a:t>istilah-istilah</a:t>
             </a:r>
             <a:r>
-              <a:rPr lang="en-US" sz="2400" dirty="0">
+              <a:rPr lang="en-US" sz="2400" dirty="0" smtClean="0">
                 <a:latin typeface="Times New Roman" pitchFamily="18" charset="0"/>
                 <a:cs typeface="Times New Roman" pitchFamily="18" charset="0"/>
               </a:rPr>
               <a:t> </a:t>
             </a:r>
             <a:r>
-              <a:rPr lang="en-US" sz="2400" dirty="0" err="1">
+              <a:rPr lang="en-US" sz="2400" dirty="0" err="1" smtClean="0">
                 <a:latin typeface="Times New Roman" pitchFamily="18" charset="0"/>
                 <a:cs typeface="Times New Roman" pitchFamily="18" charset="0"/>
               </a:rPr>
-              <a:t>baru</a:t>
-            </a:r>
-            <a:r>
-              <a:rPr lang="en-US" sz="2400" dirty="0">
+              <a:t>dalam</a:t>
+            </a:r>
+            <a:r>
+              <a:rPr lang="en-US" sz="2400" dirty="0" smtClean="0">
+                <a:latin typeface="Times New Roman" pitchFamily="18" charset="0"/>
+                <a:cs typeface="Times New Roman" pitchFamily="18" charset="0"/>
+              </a:rPr>
+              <a:t> </a:t>
+            </a:r>
+            <a:r>
+              <a:rPr lang="en-US" sz="2400" dirty="0" err="1" smtClean="0">
+                <a:latin typeface="Times New Roman" pitchFamily="18" charset="0"/>
+                <a:cs typeface="Times New Roman" pitchFamily="18" charset="0"/>
+              </a:rPr>
+              <a:t>dunia</a:t>
+            </a:r>
+            <a:r>
+              <a:rPr lang="en-US" sz="2400" dirty="0" smtClean="0">
+                <a:latin typeface="Times New Roman" pitchFamily="18" charset="0"/>
+                <a:cs typeface="Times New Roman" pitchFamily="18" charset="0"/>
+              </a:rPr>
+              <a:t> </a:t>
+            </a:r>
+            <a:r>
+              <a:rPr lang="en-US" sz="2400" dirty="0" err="1" smtClean="0">
+                <a:latin typeface="Times New Roman" pitchFamily="18" charset="0"/>
+                <a:cs typeface="Times New Roman" pitchFamily="18" charset="0"/>
+              </a:rPr>
+              <a:t>kedokteran</a:t>
+            </a:r>
+            <a:r>
+              <a:rPr lang="en-US" sz="2400" dirty="0" smtClean="0">
                 <a:latin typeface="Times New Roman" pitchFamily="18" charset="0"/>
                 <a:cs typeface="Times New Roman" pitchFamily="18" charset="0"/>
               </a:rPr>
@@ -26053,6 +28384,876 @@
     <p:extLst>
       <p:ext uri="{BB962C8B-B14F-4D97-AF65-F5344CB8AC3E}">
         <p14:creationId xmlns:p14="http://schemas.microsoft.com/office/powerpoint/2010/main" val="2400555397"/>
+      </p:ext>
+    </p:extLst>
+  </p:cSld>
+  <p:clrMapOvr>
+    <a:masterClrMapping/>
+  </p:clrMapOvr>
+</p:sld>
+</file>
+
+<file path=ppt/slides/slide30.xml><?xml version="1.0" encoding="utf-8"?>
+<p:sld xmlns:a="http://schemas.openxmlformats.org/drawingml/2006/main" xmlns:r="http://schemas.openxmlformats.org/officeDocument/2006/relationships" xmlns:p="http://schemas.openxmlformats.org/presentationml/2006/main">
+  <p:cSld>
+    <p:spTree>
+      <p:nvGrpSpPr>
+        <p:cNvPr id="1" name=""/>
+        <p:cNvGrpSpPr/>
+        <p:nvPr/>
+      </p:nvGrpSpPr>
+      <p:grpSpPr>
+        <a:xfrm>
+          <a:off x="0" y="0"/>
+          <a:ext cx="0" cy="0"/>
+          <a:chOff x="0" y="0"/>
+          <a:chExt cx="0" cy="0"/>
+        </a:xfrm>
+      </p:grpSpPr>
+      <p:pic>
+        <p:nvPicPr>
+          <p:cNvPr id="4" name="Picture 3"/>
+          <p:cNvPicPr/>
+          <p:nvPr/>
+        </p:nvPicPr>
+        <p:blipFill>
+          <a:blip r:embed="rId2" cstate="print">
+            <a:extLst>
+              <a:ext uri="{28A0092B-C50C-407E-A947-70E740481C1C}">
+                <a14:useLocalDpi xmlns:a14="http://schemas.microsoft.com/office/drawing/2010/main" val="0"/>
+              </a:ext>
+            </a:extLst>
+          </a:blip>
+          <a:stretch>
+            <a:fillRect/>
+          </a:stretch>
+        </p:blipFill>
+        <p:spPr>
+          <a:xfrm>
+            <a:off x="272628" y="304800"/>
+            <a:ext cx="554355" cy="657225"/>
+          </a:xfrm>
+          <a:prstGeom prst="rect">
+            <a:avLst/>
+          </a:prstGeom>
+        </p:spPr>
+      </p:pic>
+      <p:cxnSp>
+        <p:nvCxnSpPr>
+          <p:cNvPr id="5" name="Straight Connector 4"/>
+          <p:cNvCxnSpPr/>
+          <p:nvPr/>
+        </p:nvCxnSpPr>
+        <p:spPr>
+          <a:xfrm>
+            <a:off x="826983" y="762000"/>
+            <a:ext cx="2297217" cy="0"/>
+          </a:xfrm>
+          <a:prstGeom prst="line">
+            <a:avLst/>
+          </a:prstGeom>
+        </p:spPr>
+        <p:style>
+          <a:lnRef idx="1">
+            <a:schemeClr val="accent1"/>
+          </a:lnRef>
+          <a:fillRef idx="0">
+            <a:schemeClr val="accent1"/>
+          </a:fillRef>
+          <a:effectRef idx="0">
+            <a:schemeClr val="accent1"/>
+          </a:effectRef>
+          <a:fontRef idx="minor">
+            <a:schemeClr val="tx1"/>
+          </a:fontRef>
+        </p:style>
+      </p:cxnSp>
+      <p:sp>
+        <p:nvSpPr>
+          <p:cNvPr id="6" name="TextBox 5"/>
+          <p:cNvSpPr txBox="1"/>
+          <p:nvPr/>
+        </p:nvSpPr>
+        <p:spPr>
+          <a:xfrm>
+            <a:off x="826983" y="304800"/>
+            <a:ext cx="2830617" cy="369332"/>
+          </a:xfrm>
+          <a:prstGeom prst="rect">
+            <a:avLst/>
+          </a:prstGeom>
+          <a:noFill/>
+        </p:spPr>
+        <p:txBody>
+          <a:bodyPr wrap="square" rtlCol="0">
+            <a:spAutoFit/>
+          </a:bodyPr>
+          <a:lstStyle/>
+          <a:p>
+            <a:r>
+              <a:rPr lang="en-US" dirty="0" smtClean="0"/>
+              <a:t>UIN SGD Bandung</a:t>
+            </a:r>
+            <a:endParaRPr lang="en-US" dirty="0"/>
+          </a:p>
+        </p:txBody>
+      </p:sp>
+      <p:pic>
+        <p:nvPicPr>
+          <p:cNvPr id="7" name="Picture 6"/>
+          <p:cNvPicPr>
+            <a:picLocks noChangeAspect="1"/>
+          </p:cNvPicPr>
+          <p:nvPr/>
+        </p:nvPicPr>
+        <p:blipFill>
+          <a:blip r:embed="rId3">
+            <a:extLst>
+              <a:ext uri="{28A0092B-C50C-407E-A947-70E740481C1C}">
+                <a14:useLocalDpi xmlns:a14="http://schemas.microsoft.com/office/drawing/2010/main" val="0"/>
+              </a:ext>
+            </a:extLst>
+          </a:blip>
+          <a:stretch>
+            <a:fillRect/>
+          </a:stretch>
+        </p:blipFill>
+        <p:spPr>
+          <a:xfrm>
+            <a:off x="248844" y="2138362"/>
+            <a:ext cx="7252094" cy="3195638"/>
+          </a:xfrm>
+          <a:prstGeom prst="rect">
+            <a:avLst/>
+          </a:prstGeom>
+        </p:spPr>
+      </p:pic>
+    </p:spTree>
+    <p:extLst>
+      <p:ext uri="{BB962C8B-B14F-4D97-AF65-F5344CB8AC3E}">
+        <p14:creationId xmlns:p14="http://schemas.microsoft.com/office/powerpoint/2010/main" val="4197887036"/>
+      </p:ext>
+    </p:extLst>
+  </p:cSld>
+  <p:clrMapOvr>
+    <a:masterClrMapping/>
+  </p:clrMapOvr>
+</p:sld>
+</file>
+
+<file path=ppt/slides/slide31.xml><?xml version="1.0" encoding="utf-8"?>
+<p:sld xmlns:a="http://schemas.openxmlformats.org/drawingml/2006/main" xmlns:r="http://schemas.openxmlformats.org/officeDocument/2006/relationships" xmlns:p="http://schemas.openxmlformats.org/presentationml/2006/main">
+  <p:cSld>
+    <p:spTree>
+      <p:nvGrpSpPr>
+        <p:cNvPr id="1" name=""/>
+        <p:cNvGrpSpPr/>
+        <p:nvPr/>
+      </p:nvGrpSpPr>
+      <p:grpSpPr>
+        <a:xfrm>
+          <a:off x="0" y="0"/>
+          <a:ext cx="0" cy="0"/>
+          <a:chOff x="0" y="0"/>
+          <a:chExt cx="0" cy="0"/>
+        </a:xfrm>
+      </p:grpSpPr>
+      <p:pic>
+        <p:nvPicPr>
+          <p:cNvPr id="4" name="Picture 3"/>
+          <p:cNvPicPr/>
+          <p:nvPr/>
+        </p:nvPicPr>
+        <p:blipFill>
+          <a:blip r:embed="rId2" cstate="print">
+            <a:extLst>
+              <a:ext uri="{28A0092B-C50C-407E-A947-70E740481C1C}">
+                <a14:useLocalDpi xmlns:a14="http://schemas.microsoft.com/office/drawing/2010/main" val="0"/>
+              </a:ext>
+            </a:extLst>
+          </a:blip>
+          <a:stretch>
+            <a:fillRect/>
+          </a:stretch>
+        </p:blipFill>
+        <p:spPr>
+          <a:xfrm>
+            <a:off x="272628" y="304800"/>
+            <a:ext cx="554355" cy="657225"/>
+          </a:xfrm>
+          <a:prstGeom prst="rect">
+            <a:avLst/>
+          </a:prstGeom>
+        </p:spPr>
+      </p:pic>
+      <p:cxnSp>
+        <p:nvCxnSpPr>
+          <p:cNvPr id="5" name="Straight Connector 4"/>
+          <p:cNvCxnSpPr/>
+          <p:nvPr/>
+        </p:nvCxnSpPr>
+        <p:spPr>
+          <a:xfrm>
+            <a:off x="826983" y="762000"/>
+            <a:ext cx="2297217" cy="0"/>
+          </a:xfrm>
+          <a:prstGeom prst="line">
+            <a:avLst/>
+          </a:prstGeom>
+        </p:spPr>
+        <p:style>
+          <a:lnRef idx="1">
+            <a:schemeClr val="accent1"/>
+          </a:lnRef>
+          <a:fillRef idx="0">
+            <a:schemeClr val="accent1"/>
+          </a:fillRef>
+          <a:effectRef idx="0">
+            <a:schemeClr val="accent1"/>
+          </a:effectRef>
+          <a:fontRef idx="minor">
+            <a:schemeClr val="tx1"/>
+          </a:fontRef>
+        </p:style>
+      </p:cxnSp>
+      <p:sp>
+        <p:nvSpPr>
+          <p:cNvPr id="6" name="TextBox 5"/>
+          <p:cNvSpPr txBox="1"/>
+          <p:nvPr/>
+        </p:nvSpPr>
+        <p:spPr>
+          <a:xfrm>
+            <a:off x="826983" y="304800"/>
+            <a:ext cx="2830617" cy="369332"/>
+          </a:xfrm>
+          <a:prstGeom prst="rect">
+            <a:avLst/>
+          </a:prstGeom>
+          <a:noFill/>
+        </p:spPr>
+        <p:txBody>
+          <a:bodyPr wrap="square" rtlCol="0">
+            <a:spAutoFit/>
+          </a:bodyPr>
+          <a:lstStyle/>
+          <a:p>
+            <a:r>
+              <a:rPr lang="en-US" dirty="0" smtClean="0"/>
+              <a:t>UIN SGD Bandung</a:t>
+            </a:r>
+            <a:endParaRPr lang="en-US" dirty="0"/>
+          </a:p>
+        </p:txBody>
+      </p:sp>
+      <p:pic>
+        <p:nvPicPr>
+          <p:cNvPr id="7" name="Picture 6"/>
+          <p:cNvPicPr>
+            <a:picLocks noChangeAspect="1"/>
+          </p:cNvPicPr>
+          <p:nvPr/>
+        </p:nvPicPr>
+        <p:blipFill>
+          <a:blip r:embed="rId3">
+            <a:extLst>
+              <a:ext uri="{28A0092B-C50C-407E-A947-70E740481C1C}">
+                <a14:useLocalDpi xmlns:a14="http://schemas.microsoft.com/office/drawing/2010/main" val="0"/>
+              </a:ext>
+            </a:extLst>
+          </a:blip>
+          <a:stretch>
+            <a:fillRect/>
+          </a:stretch>
+        </p:blipFill>
+        <p:spPr>
+          <a:xfrm>
+            <a:off x="158494" y="2305050"/>
+            <a:ext cx="6998211" cy="3257550"/>
+          </a:xfrm>
+          <a:prstGeom prst="rect">
+            <a:avLst/>
+          </a:prstGeom>
+        </p:spPr>
+      </p:pic>
+    </p:spTree>
+    <p:extLst>
+      <p:ext uri="{BB962C8B-B14F-4D97-AF65-F5344CB8AC3E}">
+        <p14:creationId xmlns:p14="http://schemas.microsoft.com/office/powerpoint/2010/main" val="93425725"/>
+      </p:ext>
+    </p:extLst>
+  </p:cSld>
+  <p:clrMapOvr>
+    <a:masterClrMapping/>
+  </p:clrMapOvr>
+</p:sld>
+</file>
+
+<file path=ppt/slides/slide32.xml><?xml version="1.0" encoding="utf-8"?>
+<p:sld xmlns:a="http://schemas.openxmlformats.org/drawingml/2006/main" xmlns:r="http://schemas.openxmlformats.org/officeDocument/2006/relationships" xmlns:p="http://schemas.openxmlformats.org/presentationml/2006/main">
+  <p:cSld>
+    <p:spTree>
+      <p:nvGrpSpPr>
+        <p:cNvPr id="1" name=""/>
+        <p:cNvGrpSpPr/>
+        <p:nvPr/>
+      </p:nvGrpSpPr>
+      <p:grpSpPr>
+        <a:xfrm>
+          <a:off x="0" y="0"/>
+          <a:ext cx="0" cy="0"/>
+          <a:chOff x="0" y="0"/>
+          <a:chExt cx="0" cy="0"/>
+        </a:xfrm>
+      </p:grpSpPr>
+      <p:sp>
+        <p:nvSpPr>
+          <p:cNvPr id="2" name="Title 1"/>
+          <p:cNvSpPr>
+            <a:spLocks noGrp="1"/>
+          </p:cNvSpPr>
+          <p:nvPr>
+            <p:ph type="title"/>
+          </p:nvPr>
+        </p:nvSpPr>
+        <p:spPr/>
+        <p:txBody>
+          <a:bodyPr/>
+          <a:lstStyle/>
+          <a:p>
+            <a:pPr algn="ctr"/>
+            <a:r>
+              <a:rPr lang="en-US" dirty="0" err="1" smtClean="0"/>
+              <a:t>Kesimpulan</a:t>
+            </a:r>
+            <a:endParaRPr lang="en-US" dirty="0"/>
+          </a:p>
+        </p:txBody>
+      </p:sp>
+      <p:sp>
+        <p:nvSpPr>
+          <p:cNvPr id="3" name="Content Placeholder 2"/>
+          <p:cNvSpPr>
+            <a:spLocks noGrp="1"/>
+          </p:cNvSpPr>
+          <p:nvPr>
+            <p:ph idx="1"/>
+          </p:nvPr>
+        </p:nvSpPr>
+        <p:spPr/>
+        <p:txBody>
+          <a:bodyPr/>
+          <a:lstStyle/>
+          <a:p>
+            <a:r>
+              <a:rPr lang="en-US" dirty="0" err="1"/>
+              <a:t>Perancangan</a:t>
+            </a:r>
+            <a:r>
+              <a:rPr lang="en-US" dirty="0"/>
+              <a:t> </a:t>
+            </a:r>
+            <a:r>
+              <a:rPr lang="en-US" dirty="0" err="1"/>
+              <a:t>aplikasi</a:t>
+            </a:r>
+            <a:r>
+              <a:rPr lang="en-US" dirty="0"/>
+              <a:t> </a:t>
+            </a:r>
+            <a:r>
+              <a:rPr lang="en-US" dirty="0" err="1"/>
+              <a:t>kamus</a:t>
+            </a:r>
+            <a:r>
+              <a:rPr lang="en-US" dirty="0"/>
+              <a:t> </a:t>
+            </a:r>
+            <a:r>
+              <a:rPr lang="en-US" dirty="0" err="1"/>
+              <a:t>istilah</a:t>
+            </a:r>
+            <a:r>
+              <a:rPr lang="en-US" dirty="0"/>
+              <a:t> </a:t>
+            </a:r>
+            <a:r>
+              <a:rPr lang="en-US" dirty="0" err="1"/>
+              <a:t>ilmu</a:t>
+            </a:r>
+            <a:r>
+              <a:rPr lang="en-US" dirty="0"/>
+              <a:t> </a:t>
+            </a:r>
+            <a:r>
+              <a:rPr lang="en-US" dirty="0" err="1"/>
+              <a:t>kedokteran</a:t>
+            </a:r>
+            <a:r>
+              <a:rPr lang="en-US" dirty="0"/>
+              <a:t> </a:t>
+            </a:r>
+            <a:r>
+              <a:rPr lang="en-US" dirty="0" err="1"/>
+              <a:t>berbasis</a:t>
+            </a:r>
+            <a:r>
+              <a:rPr lang="en-US" dirty="0"/>
+              <a:t> Android </a:t>
+            </a:r>
+            <a:r>
+              <a:rPr lang="en-US" dirty="0" err="1"/>
+              <a:t>dengan</a:t>
+            </a:r>
+            <a:r>
+              <a:rPr lang="en-US" dirty="0"/>
+              <a:t> </a:t>
+            </a:r>
+            <a:r>
+              <a:rPr lang="en-US" dirty="0" err="1"/>
+              <a:t>menggunakan</a:t>
+            </a:r>
+            <a:r>
+              <a:rPr lang="en-US" dirty="0"/>
+              <a:t> </a:t>
+            </a:r>
+            <a:r>
+              <a:rPr lang="en-US" dirty="0" err="1"/>
+              <a:t>bahasa</a:t>
+            </a:r>
+            <a:r>
+              <a:rPr lang="en-US" dirty="0"/>
+              <a:t> </a:t>
+            </a:r>
+            <a:r>
+              <a:rPr lang="en-US" dirty="0" err="1"/>
+              <a:t>pemrograman</a:t>
+            </a:r>
+            <a:r>
+              <a:rPr lang="en-US" dirty="0"/>
+              <a:t> Java </a:t>
+            </a:r>
+            <a:r>
+              <a:rPr lang="en-US" dirty="0" err="1"/>
+              <a:t>ini</a:t>
+            </a:r>
+            <a:r>
+              <a:rPr lang="en-US" dirty="0"/>
+              <a:t> </a:t>
+            </a:r>
+            <a:r>
+              <a:rPr lang="en-US" dirty="0" err="1"/>
+              <a:t>merupakan</a:t>
+            </a:r>
+            <a:r>
+              <a:rPr lang="en-US" dirty="0"/>
+              <a:t> </a:t>
+            </a:r>
+            <a:r>
+              <a:rPr lang="en-US" dirty="0" err="1"/>
+              <a:t>sistem</a:t>
+            </a:r>
+            <a:r>
+              <a:rPr lang="en-US" dirty="0"/>
+              <a:t> yang </a:t>
+            </a:r>
+            <a:r>
+              <a:rPr lang="en-US" dirty="0" err="1"/>
+              <a:t>mempermudah</a:t>
+            </a:r>
+            <a:r>
+              <a:rPr lang="en-US" dirty="0"/>
+              <a:t> </a:t>
+            </a:r>
+            <a:r>
+              <a:rPr lang="en-US" dirty="0" err="1"/>
+              <a:t>pengguna</a:t>
+            </a:r>
+            <a:r>
+              <a:rPr lang="en-US" dirty="0"/>
+              <a:t> </a:t>
+            </a:r>
+            <a:r>
+              <a:rPr lang="en-US" dirty="0" err="1"/>
+              <a:t>dalam</a:t>
+            </a:r>
+            <a:r>
+              <a:rPr lang="en-US" dirty="0"/>
+              <a:t> </a:t>
+            </a:r>
+            <a:r>
+              <a:rPr lang="en-US" dirty="0" err="1"/>
+              <a:t>pencarian</a:t>
+            </a:r>
+            <a:r>
+              <a:rPr lang="en-US" dirty="0"/>
+              <a:t> </a:t>
+            </a:r>
+            <a:r>
+              <a:rPr lang="en-US" dirty="0" err="1"/>
+              <a:t>terjemahan</a:t>
+            </a:r>
+            <a:r>
+              <a:rPr lang="en-US" dirty="0"/>
+              <a:t> </a:t>
+            </a:r>
+            <a:r>
+              <a:rPr lang="en-US" dirty="0" err="1"/>
+              <a:t>dari</a:t>
+            </a:r>
+            <a:r>
+              <a:rPr lang="en-US" dirty="0"/>
+              <a:t> </a:t>
+            </a:r>
+            <a:r>
+              <a:rPr lang="en-US" dirty="0" err="1"/>
+              <a:t>sebuah</a:t>
+            </a:r>
+            <a:r>
+              <a:rPr lang="en-US" dirty="0"/>
+              <a:t> </a:t>
+            </a:r>
+            <a:r>
+              <a:rPr lang="en-US" dirty="0" err="1"/>
+              <a:t>kosa</a:t>
+            </a:r>
+            <a:r>
+              <a:rPr lang="en-US" dirty="0"/>
+              <a:t> kata </a:t>
+            </a:r>
+            <a:r>
+              <a:rPr lang="en-US" dirty="0" err="1"/>
+              <a:t>istilah</a:t>
+            </a:r>
+            <a:r>
+              <a:rPr lang="en-US" dirty="0"/>
+              <a:t> </a:t>
+            </a:r>
+            <a:r>
+              <a:rPr lang="en-US" dirty="0" err="1"/>
+              <a:t>ilmu</a:t>
+            </a:r>
+            <a:r>
+              <a:rPr lang="en-US" dirty="0"/>
+              <a:t> </a:t>
+            </a:r>
+            <a:r>
+              <a:rPr lang="en-US" dirty="0" err="1"/>
+              <a:t>kedokteran</a:t>
+            </a:r>
+            <a:r>
+              <a:rPr lang="en-US" dirty="0"/>
+              <a:t>. </a:t>
+            </a:r>
+            <a:r>
+              <a:rPr lang="en-US" dirty="0" err="1"/>
+              <a:t>Sistem</a:t>
+            </a:r>
+            <a:r>
+              <a:rPr lang="en-US" dirty="0"/>
+              <a:t> </a:t>
+            </a:r>
+            <a:r>
+              <a:rPr lang="en-US" dirty="0" err="1"/>
+              <a:t>ini</a:t>
+            </a:r>
+            <a:r>
+              <a:rPr lang="en-US" dirty="0"/>
+              <a:t> </a:t>
+            </a:r>
+            <a:r>
+              <a:rPr lang="en-US" dirty="0" err="1"/>
+              <a:t>juga</a:t>
+            </a:r>
+            <a:r>
+              <a:rPr lang="en-US" dirty="0"/>
+              <a:t> </a:t>
+            </a:r>
+            <a:r>
+              <a:rPr lang="en-US" dirty="0" err="1"/>
+              <a:t>akan</a:t>
+            </a:r>
+            <a:r>
+              <a:rPr lang="en-US" dirty="0"/>
+              <a:t> </a:t>
+            </a:r>
+            <a:r>
+              <a:rPr lang="en-US" dirty="0" err="1"/>
+              <a:t>menampilkan</a:t>
+            </a:r>
+            <a:r>
+              <a:rPr lang="en-US" dirty="0"/>
+              <a:t> </a:t>
+            </a:r>
+            <a:r>
+              <a:rPr lang="en-US" dirty="0" err="1"/>
+              <a:t>peringatan</a:t>
+            </a:r>
+            <a:r>
+              <a:rPr lang="en-US" dirty="0"/>
+              <a:t> </a:t>
+            </a:r>
+            <a:r>
+              <a:rPr lang="en-US" dirty="0" err="1"/>
+              <a:t>jika</a:t>
+            </a:r>
+            <a:r>
+              <a:rPr lang="en-US" dirty="0"/>
+              <a:t> </a:t>
+            </a:r>
+            <a:r>
+              <a:rPr lang="en-US" dirty="0" err="1"/>
+              <a:t>kosakata</a:t>
+            </a:r>
+            <a:r>
+              <a:rPr lang="en-US" dirty="0"/>
+              <a:t> yang </a:t>
+            </a:r>
+            <a:r>
+              <a:rPr lang="en-US" dirty="0" err="1"/>
+              <a:t>dicari</a:t>
+            </a:r>
+            <a:r>
+              <a:rPr lang="en-US" dirty="0"/>
+              <a:t> </a:t>
+            </a:r>
+            <a:r>
+              <a:rPr lang="en-US" dirty="0" err="1"/>
+              <a:t>tidak</a:t>
+            </a:r>
+            <a:r>
+              <a:rPr lang="en-US" dirty="0"/>
+              <a:t> </a:t>
+            </a:r>
+            <a:r>
+              <a:rPr lang="en-US" dirty="0" err="1"/>
+              <a:t>ditemukan</a:t>
+            </a:r>
+            <a:r>
+              <a:rPr lang="en-US" dirty="0"/>
+              <a:t>. </a:t>
+            </a:r>
+            <a:r>
+              <a:rPr lang="en-US" dirty="0" err="1"/>
+              <a:t>Dengan</a:t>
+            </a:r>
+            <a:r>
+              <a:rPr lang="en-US" dirty="0"/>
+              <a:t> </a:t>
+            </a:r>
+            <a:r>
+              <a:rPr lang="en-US" dirty="0" err="1"/>
+              <a:t>menggunakan</a:t>
+            </a:r>
+            <a:r>
+              <a:rPr lang="en-US" dirty="0"/>
+              <a:t> </a:t>
+            </a:r>
+            <a:r>
+              <a:rPr lang="en-US" dirty="0" err="1"/>
+              <a:t>perangkat</a:t>
+            </a:r>
+            <a:r>
+              <a:rPr lang="en-US" dirty="0"/>
+              <a:t> mobile yang </a:t>
+            </a:r>
+            <a:r>
+              <a:rPr lang="en-US" dirty="0" err="1"/>
+              <a:t>berbasis</a:t>
+            </a:r>
+            <a:r>
+              <a:rPr lang="en-US" dirty="0"/>
+              <a:t> Android, </a:t>
+            </a:r>
+            <a:r>
+              <a:rPr lang="en-US" dirty="0" err="1"/>
+              <a:t>aplikasi</a:t>
+            </a:r>
+            <a:r>
+              <a:rPr lang="en-US" dirty="0"/>
+              <a:t> </a:t>
+            </a:r>
+            <a:r>
+              <a:rPr lang="en-US" dirty="0" err="1"/>
+              <a:t>kamus</a:t>
+            </a:r>
+            <a:r>
+              <a:rPr lang="en-US" dirty="0"/>
+              <a:t> </a:t>
+            </a:r>
+            <a:r>
+              <a:rPr lang="en-US" dirty="0" err="1"/>
+              <a:t>ini</a:t>
+            </a:r>
+            <a:r>
+              <a:rPr lang="en-US" dirty="0"/>
+              <a:t> </a:t>
+            </a:r>
+            <a:r>
+              <a:rPr lang="en-US" dirty="0" err="1"/>
+              <a:t>bisa</a:t>
+            </a:r>
+            <a:r>
+              <a:rPr lang="en-US" dirty="0"/>
+              <a:t> </a:t>
+            </a:r>
+            <a:r>
+              <a:rPr lang="en-US" dirty="0" err="1"/>
+              <a:t>diakses</a:t>
+            </a:r>
+            <a:r>
+              <a:rPr lang="en-US" dirty="0"/>
+              <a:t> </a:t>
+            </a:r>
+            <a:r>
+              <a:rPr lang="en-US" dirty="0" err="1"/>
+              <a:t>tanpa</a:t>
+            </a:r>
+            <a:r>
+              <a:rPr lang="en-US" dirty="0"/>
+              <a:t> </a:t>
+            </a:r>
+            <a:r>
+              <a:rPr lang="en-US" dirty="0" err="1"/>
+              <a:t>terhubung</a:t>
+            </a:r>
+            <a:r>
+              <a:rPr lang="en-US" dirty="0"/>
+              <a:t> </a:t>
+            </a:r>
+            <a:r>
+              <a:rPr lang="en-US" dirty="0" err="1"/>
+              <a:t>pada</a:t>
+            </a:r>
+            <a:r>
+              <a:rPr lang="en-US" dirty="0"/>
+              <a:t> internet </a:t>
+            </a:r>
+            <a:r>
+              <a:rPr lang="en-US" dirty="0" err="1"/>
+              <a:t>sehingga</a:t>
+            </a:r>
+            <a:r>
+              <a:rPr lang="en-US" dirty="0"/>
+              <a:t> </a:t>
+            </a:r>
+            <a:r>
+              <a:rPr lang="en-US" dirty="0" err="1"/>
+              <a:t>menambah</a:t>
+            </a:r>
+            <a:r>
+              <a:rPr lang="en-US" dirty="0"/>
+              <a:t> </a:t>
+            </a:r>
+            <a:r>
+              <a:rPr lang="en-US" dirty="0" err="1"/>
+              <a:t>kemudahan</a:t>
+            </a:r>
+            <a:r>
+              <a:rPr lang="en-US" dirty="0"/>
+              <a:t> </a:t>
+            </a:r>
+            <a:r>
+              <a:rPr lang="en-US" dirty="0" err="1"/>
+              <a:t>bagi</a:t>
+            </a:r>
+            <a:r>
+              <a:rPr lang="en-US" dirty="0"/>
+              <a:t> </a:t>
+            </a:r>
+            <a:r>
+              <a:rPr lang="en-US" dirty="0" err="1"/>
+              <a:t>pengguna</a:t>
+            </a:r>
+            <a:r>
+              <a:rPr lang="en-US" dirty="0"/>
+              <a:t>, </a:t>
+            </a:r>
+            <a:r>
+              <a:rPr lang="en-US" dirty="0" err="1"/>
+              <a:t>selain</a:t>
+            </a:r>
+            <a:r>
+              <a:rPr lang="en-US" dirty="0"/>
+              <a:t> </a:t>
+            </a:r>
+            <a:r>
+              <a:rPr lang="en-US" dirty="0" err="1"/>
+              <a:t>berbasis</a:t>
+            </a:r>
+            <a:r>
+              <a:rPr lang="en-US" dirty="0"/>
+              <a:t> Android mobile yang </a:t>
+            </a:r>
+            <a:r>
+              <a:rPr lang="en-US" dirty="0" err="1"/>
+              <a:t>mudah</a:t>
+            </a:r>
+            <a:r>
+              <a:rPr lang="en-US" dirty="0"/>
+              <a:t> </a:t>
+            </a:r>
+            <a:r>
+              <a:rPr lang="en-US" dirty="0" err="1"/>
+              <a:t>dibawa</a:t>
+            </a:r>
+            <a:r>
+              <a:rPr lang="en-US" dirty="0"/>
+              <a:t> </a:t>
+            </a:r>
+            <a:r>
+              <a:rPr lang="en-US" dirty="0" err="1"/>
+              <a:t>dan</a:t>
+            </a:r>
+            <a:r>
+              <a:rPr lang="en-US" dirty="0"/>
+              <a:t> </a:t>
+            </a:r>
+            <a:r>
+              <a:rPr lang="en-US" dirty="0" err="1"/>
+              <a:t>bisa</a:t>
+            </a:r>
+            <a:r>
+              <a:rPr lang="en-US" dirty="0"/>
+              <a:t> </a:t>
+            </a:r>
+            <a:r>
+              <a:rPr lang="en-US" dirty="0" err="1"/>
+              <a:t>diakses</a:t>
+            </a:r>
+            <a:r>
+              <a:rPr lang="en-US" dirty="0"/>
+              <a:t> </a:t>
+            </a:r>
+            <a:r>
+              <a:rPr lang="en-US" dirty="0" err="1"/>
+              <a:t>kapan</a:t>
+            </a:r>
+            <a:r>
+              <a:rPr lang="en-US" dirty="0"/>
+              <a:t> </a:t>
+            </a:r>
+            <a:r>
+              <a:rPr lang="en-US" dirty="0" err="1"/>
+              <a:t>saja</a:t>
+            </a:r>
+            <a:r>
+              <a:rPr lang="en-US" dirty="0"/>
+              <a:t>.</a:t>
+            </a:r>
+          </a:p>
+          <a:p>
+            <a:pPr marL="0" indent="0">
+              <a:buNone/>
+            </a:pPr>
+            <a:endParaRPr lang="en-US" dirty="0"/>
+          </a:p>
+        </p:txBody>
+      </p:sp>
+    </p:spTree>
+    <p:extLst>
+      <p:ext uri="{BB962C8B-B14F-4D97-AF65-F5344CB8AC3E}">
+        <p14:creationId xmlns:p14="http://schemas.microsoft.com/office/powerpoint/2010/main" val="140660052"/>
       </p:ext>
     </p:extLst>
   </p:cSld>
@@ -26519,8 +29720,19 @@
                 <a:latin typeface="Times New Roman" pitchFamily="18" charset="0"/>
                 <a:cs typeface="Times New Roman" pitchFamily="18" charset="0"/>
               </a:rPr>
-              <a:t>o Eclipse Helios</a:t>
-            </a:r>
+              <a:t>o Eclipse </a:t>
+            </a:r>
+            <a:r>
+              <a:rPr lang="en-US" sz="2800" dirty="0" smtClean="0">
+                <a:latin typeface="Times New Roman" pitchFamily="18" charset="0"/>
+                <a:cs typeface="Times New Roman" pitchFamily="18" charset="0"/>
+              </a:rPr>
+              <a:t>Juno</a:t>
+            </a:r>
+            <a:endParaRPr lang="en-US" sz="2800" dirty="0" smtClean="0">
+              <a:latin typeface="Times New Roman" pitchFamily="18" charset="0"/>
+              <a:cs typeface="Times New Roman" pitchFamily="18" charset="0"/>
+            </a:endParaRPr>
           </a:p>
           <a:p>
             <a:r>
@@ -27051,7 +30263,7 @@
             <a:pPr algn="ctr"/>
             <a:r>
               <a:rPr lang="en-US" dirty="0" smtClean="0"/>
-              <a:t>TUJUAN PENULISAN</a:t>
+              <a:t>TUJUAN</a:t>
             </a:r>
             <a:endParaRPr lang="en-US" dirty="0"/>
           </a:p>
@@ -28688,39 +31900,6 @@
           <a:chExt cx="0" cy="0"/>
         </a:xfrm>
       </p:grpSpPr>
-      <p:sp>
-        <p:nvSpPr>
-          <p:cNvPr id="3" name="Content Placeholder 2"/>
-          <p:cNvSpPr>
-            <a:spLocks noGrp="1"/>
-          </p:cNvSpPr>
-          <p:nvPr>
-            <p:ph idx="1"/>
-          </p:nvPr>
-        </p:nvSpPr>
-        <p:spPr/>
-        <p:style>
-          <a:lnRef idx="2">
-            <a:schemeClr val="dk1"/>
-          </a:lnRef>
-          <a:fillRef idx="1">
-            <a:schemeClr val="lt1"/>
-          </a:fillRef>
-          <a:effectRef idx="0">
-            <a:schemeClr val="dk1"/>
-          </a:effectRef>
-          <a:fontRef idx="minor">
-            <a:schemeClr val="dk1"/>
-          </a:fontRef>
-        </p:style>
-        <p:txBody>
-          <a:bodyPr/>
-          <a:lstStyle/>
-          <a:p>
-            <a:endParaRPr lang="en-US" dirty="0"/>
-          </a:p>
-        </p:txBody>
-      </p:sp>
       <p:pic>
         <p:nvPicPr>
           <p:cNvPr id="4" name="Picture 3"/>
@@ -28861,7 +32040,7 @@
         </p:nvSpPr>
         <p:spPr>
           <a:xfrm>
-            <a:off x="3673522" y="3340290"/>
+            <a:off x="6105099" y="3371565"/>
             <a:ext cx="1600200" cy="609600"/>
           </a:xfrm>
           <a:prstGeom prst="rect">
@@ -28892,50 +32071,6 @@
             <a:r>
               <a:rPr lang="en-US" dirty="0" smtClean="0"/>
               <a:t>HALAMAN ABOUT</a:t>
-            </a:r>
-            <a:endParaRPr lang="en-US" dirty="0"/>
-          </a:p>
-        </p:txBody>
-      </p:sp>
-      <p:sp>
-        <p:nvSpPr>
-          <p:cNvPr id="9" name="Rectangle 8"/>
-          <p:cNvSpPr/>
-          <p:nvPr/>
-        </p:nvSpPr>
-        <p:spPr>
-          <a:xfrm>
-            <a:off x="6105099" y="3363036"/>
-            <a:ext cx="1600200" cy="609600"/>
-          </a:xfrm>
-          <a:prstGeom prst="rect">
-            <a:avLst/>
-          </a:prstGeom>
-        </p:spPr>
-        <p:style>
-          <a:lnRef idx="2">
-            <a:schemeClr val="accent1">
-              <a:shade val="50000"/>
-            </a:schemeClr>
-          </a:lnRef>
-          <a:fillRef idx="1">
-            <a:schemeClr val="accent1"/>
-          </a:fillRef>
-          <a:effectRef idx="0">
-            <a:schemeClr val="accent1"/>
-          </a:effectRef>
-          <a:fontRef idx="minor">
-            <a:schemeClr val="lt1"/>
-          </a:fontRef>
-        </p:style>
-        <p:txBody>
-          <a:bodyPr rtlCol="0" anchor="ctr"/>
-          <a:lstStyle/>
-          <a:p>
-            <a:pPr algn="ctr"/>
-            <a:r>
-              <a:rPr lang="en-US" dirty="0" smtClean="0"/>
-              <a:t>HALAMAN HELP</a:t>
             </a:r>
             <a:endParaRPr lang="en-US" dirty="0"/>
           </a:p>
@@ -29040,7 +32175,7 @@
         <p:spPr>
           <a:xfrm flipV="1">
             <a:off x="4473622" y="2514600"/>
-            <a:ext cx="0" cy="820003"/>
+            <a:ext cx="0" cy="410001"/>
           </a:xfrm>
           <a:prstGeom prst="straightConnector1">
             <a:avLst/>
@@ -29172,7 +32307,7 @@
         </p:nvCxnSpPr>
         <p:spPr>
           <a:xfrm>
-            <a:off x="4473622" y="2924601"/>
+            <a:off x="6905199" y="2955876"/>
             <a:ext cx="0" cy="415689"/>
           </a:xfrm>
           <a:prstGeom prst="straightConnector1">
@@ -29401,80 +32536,16 @@
           </a:p>
         </p:txBody>
       </p:sp>
-      <p:pic>
-        <p:nvPicPr>
-          <p:cNvPr id="1026" name="Picture 2"/>
-          <p:cNvPicPr>
-            <a:picLocks noChangeAspect="1" noChangeArrowheads="1"/>
-          </p:cNvPicPr>
-          <p:nvPr/>
-        </p:nvPicPr>
-        <p:blipFill>
-          <a:blip r:embed="rId3">
-            <a:extLst>
-              <a:ext uri="{28A0092B-C50C-407E-A947-70E740481C1C}">
-                <a14:useLocalDpi xmlns:a14="http://schemas.microsoft.com/office/drawing/2010/main" val="0"/>
-              </a:ext>
-            </a:extLst>
-          </a:blip>
-          <a:srcRect/>
-          <a:stretch>
-            <a:fillRect/>
-          </a:stretch>
-        </p:blipFill>
-        <p:spPr bwMode="auto">
-          <a:xfrm>
-            <a:off x="306747" y="1981200"/>
-            <a:ext cx="8610600" cy="4166889"/>
-          </a:xfrm>
-          <a:prstGeom prst="rect">
-            <a:avLst/>
-          </a:prstGeom>
-          <a:noFill/>
-          <a:ln>
-            <a:noFill/>
-          </a:ln>
-          <a:effectLst/>
-          <a:extLst>
-            <a:ext uri="{909E8E84-426E-40DD-AFC4-6F175D3DCCD1}">
-              <a14:hiddenFill xmlns:a14="http://schemas.microsoft.com/office/drawing/2010/main">
-                <a:solidFill>
-                  <a:schemeClr val="accent1"/>
-                </a:solidFill>
-              </a14:hiddenFill>
-            </a:ext>
-            <a:ext uri="{91240B29-F687-4F45-9708-019B960494DF}">
-              <a14:hiddenLine xmlns:a14="http://schemas.microsoft.com/office/drawing/2010/main" w="9525">
-                <a:solidFill>
-                  <a:schemeClr val="tx1"/>
-                </a:solidFill>
-                <a:miter lim="800000"/>
-                <a:headEnd/>
-                <a:tailEnd/>
-              </a14:hiddenLine>
-            </a:ext>
-            <a:ext uri="{AF507438-7753-43E0-B8FC-AC1667EBCBE1}">
-              <a14:hiddenEffects xmlns:a14="http://schemas.microsoft.com/office/drawing/2010/main">
-                <a:effectLst>
-                  <a:outerShdw dist="35921" dir="2700000" algn="ctr" rotWithShape="0">
-                    <a:schemeClr val="bg2"/>
-                  </a:outerShdw>
-                </a:effectLst>
-              </a14:hiddenEffects>
-            </a:ext>
-          </a:extLst>
-        </p:spPr>
-      </p:pic>
       <p:sp>
         <p:nvSpPr>
-          <p:cNvPr id="8" name="TextBox 7"/>
+          <p:cNvPr id="10" name="TextBox 9"/>
           <p:cNvSpPr txBox="1"/>
           <p:nvPr/>
         </p:nvSpPr>
         <p:spPr>
           <a:xfrm>
-            <a:off x="990600" y="1143000"/>
-            <a:ext cx="7162800" cy="584775"/>
+            <a:off x="272628" y="1143000"/>
+            <a:ext cx="4027064" cy="1077218"/>
           </a:xfrm>
           <a:prstGeom prst="rect">
             <a:avLst/>
@@ -29506,7 +32577,7 @@
                 <a:latin typeface="Times New Roman" pitchFamily="18" charset="0"/>
                 <a:cs typeface="Times New Roman" pitchFamily="18" charset="0"/>
               </a:rPr>
-              <a:t>TAMPILAN</a:t>
+              <a:t>KEBUTUHAN NON FUNGSIONAL</a:t>
             </a:r>
             <a:endParaRPr lang="en-US" sz="3200" dirty="0">
               <a:latin typeface="Times New Roman" pitchFamily="18" charset="0"/>
@@ -29515,10 +32586,1599 @@
           </a:p>
         </p:txBody>
       </p:sp>
+      <p:sp>
+        <p:nvSpPr>
+          <p:cNvPr id="12" name="TextBox 11"/>
+          <p:cNvSpPr txBox="1"/>
+          <p:nvPr/>
+        </p:nvSpPr>
+        <p:spPr>
+          <a:xfrm>
+            <a:off x="4572000" y="1143000"/>
+            <a:ext cx="3962400" cy="1077218"/>
+          </a:xfrm>
+          <a:prstGeom prst="rect">
+            <a:avLst/>
+          </a:prstGeom>
+        </p:spPr>
+        <p:style>
+          <a:lnRef idx="1">
+            <a:schemeClr val="accent6"/>
+          </a:lnRef>
+          <a:fillRef idx="2">
+            <a:schemeClr val="accent6"/>
+          </a:fillRef>
+          <a:effectRef idx="1">
+            <a:schemeClr val="accent6"/>
+          </a:effectRef>
+          <a:fontRef idx="minor">
+            <a:schemeClr val="dk1"/>
+          </a:fontRef>
+        </p:style>
+        <p:txBody>
+          <a:bodyPr wrap="square" rtlCol="0">
+            <a:spAutoFit/>
+          </a:bodyPr>
+          <a:lstStyle/>
+          <a:p>
+            <a:pPr algn="ctr"/>
+            <a:r>
+              <a:rPr lang="en-US" sz="3200" dirty="0" smtClean="0">
+                <a:latin typeface="Times New Roman" pitchFamily="18" charset="0"/>
+                <a:cs typeface="Times New Roman" pitchFamily="18" charset="0"/>
+              </a:rPr>
+              <a:t>KEBUTUHAN FUNGSIONAL</a:t>
+            </a:r>
+            <a:endParaRPr lang="en-US" sz="3200" dirty="0">
+              <a:latin typeface="Times New Roman" pitchFamily="18" charset="0"/>
+              <a:cs typeface="Times New Roman" pitchFamily="18" charset="0"/>
+            </a:endParaRPr>
+          </a:p>
+        </p:txBody>
+      </p:sp>
+      <p:graphicFrame>
+        <p:nvGraphicFramePr>
+          <p:cNvPr id="3" name="Table 2"/>
+          <p:cNvGraphicFramePr>
+            <a:graphicFrameLocks noGrp="1"/>
+          </p:cNvGraphicFramePr>
+          <p:nvPr>
+            <p:extLst>
+              <p:ext uri="{D42A27DB-BD31-4B8C-83A1-F6EECF244321}">
+                <p14:modId xmlns:p14="http://schemas.microsoft.com/office/powerpoint/2010/main" val="1163462716"/>
+              </p:ext>
+            </p:extLst>
+          </p:nvPr>
+        </p:nvGraphicFramePr>
+        <p:xfrm>
+          <a:off x="4876800" y="2514600"/>
+          <a:ext cx="4077269" cy="2667000"/>
+        </p:xfrm>
+        <a:graphic>
+          <a:graphicData uri="http://schemas.openxmlformats.org/drawingml/2006/table">
+            <a:tbl>
+              <a:tblPr>
+                <a:tableStyleId>{5C22544A-7EE6-4342-B048-85BDC9FD1C3A}</a:tableStyleId>
+              </a:tblPr>
+              <a:tblGrid>
+                <a:gridCol w="1097280"/>
+                <a:gridCol w="2979989"/>
+              </a:tblGrid>
+              <a:tr h="381000">
+                <a:tc>
+                  <a:txBody>
+                    <a:bodyPr/>
+                    <a:lstStyle/>
+                    <a:p>
+                      <a:pPr marL="0" marR="0">
+                        <a:spcBef>
+                          <a:spcPts val="0"/>
+                        </a:spcBef>
+                        <a:spcAft>
+                          <a:spcPts val="600"/>
+                        </a:spcAft>
+                      </a:pPr>
+                      <a:r>
+                        <a:rPr lang="id-ID" sz="1000" dirty="0">
+                          <a:effectLst/>
+                        </a:rPr>
+                        <a:t>ID</a:t>
+                      </a:r>
+                      <a:endParaRPr lang="en-US" sz="1000" dirty="0">
+                        <a:effectLst/>
+                        <a:latin typeface="Times New Roman"/>
+                        <a:ea typeface="Times New Roman"/>
+                      </a:endParaRPr>
+                    </a:p>
+                  </a:txBody>
+                  <a:tcPr marL="68580" marR="68580" marT="0" marB="0"/>
+                </a:tc>
+                <a:tc>
+                  <a:txBody>
+                    <a:bodyPr/>
+                    <a:lstStyle/>
+                    <a:p>
+                      <a:pPr marL="0" marR="0">
+                        <a:spcBef>
+                          <a:spcPts val="0"/>
+                        </a:spcBef>
+                        <a:spcAft>
+                          <a:spcPts val="600"/>
+                        </a:spcAft>
+                      </a:pPr>
+                      <a:r>
+                        <a:rPr lang="id-ID" sz="1000" dirty="0">
+                          <a:effectLst/>
+                        </a:rPr>
+                        <a:t>Deskripsi</a:t>
+                      </a:r>
+                      <a:endParaRPr lang="en-US" sz="1000" dirty="0">
+                        <a:effectLst/>
+                        <a:latin typeface="Times New Roman"/>
+                        <a:ea typeface="Times New Roman"/>
+                      </a:endParaRPr>
+                    </a:p>
+                  </a:txBody>
+                  <a:tcPr marL="68580" marR="68580" marT="0" marB="0"/>
+                </a:tc>
+              </a:tr>
+              <a:tr h="762000">
+                <a:tc>
+                  <a:txBody>
+                    <a:bodyPr/>
+                    <a:lstStyle/>
+                    <a:p>
+                      <a:pPr marL="0" marR="0">
+                        <a:spcBef>
+                          <a:spcPts val="0"/>
+                        </a:spcBef>
+                        <a:spcAft>
+                          <a:spcPts val="600"/>
+                        </a:spcAft>
+                      </a:pPr>
+                      <a:r>
+                        <a:rPr lang="id-ID" sz="1000">
+                          <a:effectLst/>
+                        </a:rPr>
+                        <a:t>KIDok-F-01</a:t>
+                      </a:r>
+                      <a:endParaRPr lang="en-US" sz="1000">
+                        <a:effectLst/>
+                        <a:latin typeface="Times New Roman"/>
+                        <a:ea typeface="Times New Roman"/>
+                      </a:endParaRPr>
+                    </a:p>
+                  </a:txBody>
+                  <a:tcPr marL="68580" marR="68580" marT="0" marB="0"/>
+                </a:tc>
+                <a:tc>
+                  <a:txBody>
+                    <a:bodyPr/>
+                    <a:lstStyle/>
+                    <a:p>
+                      <a:pPr marL="0" marR="0">
+                        <a:spcBef>
+                          <a:spcPts val="0"/>
+                        </a:spcBef>
+                        <a:spcAft>
+                          <a:spcPts val="600"/>
+                        </a:spcAft>
+                      </a:pPr>
+                      <a:r>
+                        <a:rPr lang="id-ID" sz="1000">
+                          <a:effectLst/>
+                        </a:rPr>
+                        <a:t>Sistem mampu menampilkan d</a:t>
+                      </a:r>
+                      <a:r>
+                        <a:rPr lang="en-US" sz="1000">
+                          <a:effectLst/>
+                        </a:rPr>
+                        <a:t>a</a:t>
+                      </a:r>
+                      <a:r>
+                        <a:rPr lang="id-ID" sz="1000">
+                          <a:effectLst/>
+                        </a:rPr>
+                        <a:t>ftar pencarian kata</a:t>
+                      </a:r>
+                      <a:r>
+                        <a:rPr lang="en-US" sz="1000">
+                          <a:effectLst/>
+                        </a:rPr>
+                        <a:t>.</a:t>
+                      </a:r>
+                      <a:endParaRPr lang="en-US" sz="1000">
+                        <a:effectLst/>
+                        <a:latin typeface="Times New Roman"/>
+                        <a:ea typeface="Times New Roman"/>
+                      </a:endParaRPr>
+                    </a:p>
+                  </a:txBody>
+                  <a:tcPr marL="68580" marR="68580" marT="0" marB="0"/>
+                </a:tc>
+              </a:tr>
+              <a:tr h="762000">
+                <a:tc>
+                  <a:txBody>
+                    <a:bodyPr/>
+                    <a:lstStyle/>
+                    <a:p>
+                      <a:pPr marL="0" marR="0">
+                        <a:spcBef>
+                          <a:spcPts val="0"/>
+                        </a:spcBef>
+                        <a:spcAft>
+                          <a:spcPts val="600"/>
+                        </a:spcAft>
+                      </a:pPr>
+                      <a:r>
+                        <a:rPr lang="id-ID" sz="1000">
+                          <a:effectLst/>
+                        </a:rPr>
+                        <a:t>KID</a:t>
+                      </a:r>
+                      <a:r>
+                        <a:rPr lang="en-US" sz="1000">
+                          <a:effectLst/>
+                        </a:rPr>
+                        <a:t>o</a:t>
+                      </a:r>
+                      <a:r>
+                        <a:rPr lang="id-ID" sz="1000">
+                          <a:effectLst/>
+                        </a:rPr>
+                        <a:t>k-F-02</a:t>
+                      </a:r>
+                      <a:endParaRPr lang="en-US" sz="1000">
+                        <a:effectLst/>
+                        <a:latin typeface="Times New Roman"/>
+                        <a:ea typeface="Times New Roman"/>
+                      </a:endParaRPr>
+                    </a:p>
+                  </a:txBody>
+                  <a:tcPr marL="68580" marR="68580" marT="0" marB="0"/>
+                </a:tc>
+                <a:tc>
+                  <a:txBody>
+                    <a:bodyPr/>
+                    <a:lstStyle/>
+                    <a:p>
+                      <a:pPr marL="0" marR="0">
+                        <a:spcBef>
+                          <a:spcPts val="0"/>
+                        </a:spcBef>
+                        <a:spcAft>
+                          <a:spcPts val="600"/>
+                        </a:spcAft>
+                      </a:pPr>
+                      <a:r>
+                        <a:rPr lang="id-ID" sz="1000">
+                          <a:effectLst/>
+                        </a:rPr>
+                        <a:t>Sistem mampu menampilkan pendefinisian istilah yang dicari</a:t>
+                      </a:r>
+                      <a:r>
+                        <a:rPr lang="en-US" sz="1000">
+                          <a:effectLst/>
+                        </a:rPr>
+                        <a:t>.</a:t>
+                      </a:r>
+                      <a:endParaRPr lang="en-US" sz="1000">
+                        <a:effectLst/>
+                        <a:latin typeface="Times New Roman"/>
+                        <a:ea typeface="Times New Roman"/>
+                      </a:endParaRPr>
+                    </a:p>
+                  </a:txBody>
+                  <a:tcPr marL="68580" marR="68580" marT="0" marB="0"/>
+                </a:tc>
+              </a:tr>
+              <a:tr h="762000">
+                <a:tc>
+                  <a:txBody>
+                    <a:bodyPr/>
+                    <a:lstStyle/>
+                    <a:p>
+                      <a:pPr marL="0" marR="0">
+                        <a:spcBef>
+                          <a:spcPts val="0"/>
+                        </a:spcBef>
+                        <a:spcAft>
+                          <a:spcPts val="600"/>
+                        </a:spcAft>
+                      </a:pPr>
+                      <a:r>
+                        <a:rPr lang="en-US" sz="1000">
+                          <a:effectLst/>
+                        </a:rPr>
+                        <a:t>KIDok-F-03</a:t>
+                      </a:r>
+                      <a:endParaRPr lang="en-US" sz="1000">
+                        <a:effectLst/>
+                        <a:latin typeface="Times New Roman"/>
+                        <a:ea typeface="Times New Roman"/>
+                      </a:endParaRPr>
+                    </a:p>
+                  </a:txBody>
+                  <a:tcPr marL="68580" marR="68580" marT="0" marB="0"/>
+                </a:tc>
+                <a:tc>
+                  <a:txBody>
+                    <a:bodyPr/>
+                    <a:lstStyle/>
+                    <a:p>
+                      <a:pPr marL="0" marR="0">
+                        <a:spcBef>
+                          <a:spcPts val="0"/>
+                        </a:spcBef>
+                        <a:spcAft>
+                          <a:spcPts val="600"/>
+                        </a:spcAft>
+                      </a:pPr>
+                      <a:r>
+                        <a:rPr lang="en-US" sz="1000" dirty="0" err="1">
+                          <a:effectLst/>
+                        </a:rPr>
+                        <a:t>Sistem</a:t>
+                      </a:r>
+                      <a:r>
+                        <a:rPr lang="en-US" sz="1000" dirty="0">
+                          <a:effectLst/>
+                        </a:rPr>
+                        <a:t> </a:t>
+                      </a:r>
+                      <a:r>
+                        <a:rPr lang="en-US" sz="1000" dirty="0" err="1">
+                          <a:effectLst/>
+                        </a:rPr>
+                        <a:t>mampu</a:t>
+                      </a:r>
+                      <a:r>
+                        <a:rPr lang="en-US" sz="1000" dirty="0">
+                          <a:effectLst/>
+                        </a:rPr>
+                        <a:t> </a:t>
+                      </a:r>
+                      <a:r>
+                        <a:rPr lang="en-US" sz="1000" dirty="0" err="1">
+                          <a:effectLst/>
+                        </a:rPr>
+                        <a:t>menampilkan</a:t>
+                      </a:r>
+                      <a:r>
+                        <a:rPr lang="en-US" sz="1000" dirty="0">
+                          <a:effectLst/>
+                        </a:rPr>
+                        <a:t> </a:t>
+                      </a:r>
+                      <a:r>
+                        <a:rPr lang="en-US" sz="1000" dirty="0" err="1">
+                          <a:effectLst/>
+                        </a:rPr>
+                        <a:t>bantuan</a:t>
+                      </a:r>
+                      <a:r>
+                        <a:rPr lang="en-US" sz="1000" dirty="0">
+                          <a:effectLst/>
+                        </a:rPr>
+                        <a:t> </a:t>
+                      </a:r>
+                      <a:r>
+                        <a:rPr lang="en-US" sz="1000" dirty="0" err="1">
+                          <a:effectLst/>
+                        </a:rPr>
+                        <a:t>cara</a:t>
+                      </a:r>
+                      <a:r>
+                        <a:rPr lang="en-US" sz="1000" dirty="0">
+                          <a:effectLst/>
+                        </a:rPr>
+                        <a:t> </a:t>
+                      </a:r>
+                      <a:r>
+                        <a:rPr lang="en-US" sz="1000" dirty="0" err="1">
+                          <a:effectLst/>
+                        </a:rPr>
+                        <a:t>penggunaan</a:t>
+                      </a:r>
+                      <a:r>
+                        <a:rPr lang="en-US" sz="1000" dirty="0">
+                          <a:effectLst/>
+                        </a:rPr>
+                        <a:t>.</a:t>
+                      </a:r>
+                      <a:endParaRPr lang="en-US" sz="1000" dirty="0">
+                        <a:effectLst/>
+                        <a:latin typeface="Times New Roman"/>
+                        <a:ea typeface="Times New Roman"/>
+                      </a:endParaRPr>
+                    </a:p>
+                  </a:txBody>
+                  <a:tcPr marL="68580" marR="68580" marT="0" marB="0"/>
+                </a:tc>
+              </a:tr>
+            </a:tbl>
+          </a:graphicData>
+        </a:graphic>
+      </p:graphicFrame>
+      <p:graphicFrame>
+        <p:nvGraphicFramePr>
+          <p:cNvPr id="7" name="Table 6"/>
+          <p:cNvGraphicFramePr>
+            <a:graphicFrameLocks noGrp="1"/>
+          </p:cNvGraphicFramePr>
+          <p:nvPr>
+            <p:extLst>
+              <p:ext uri="{D42A27DB-BD31-4B8C-83A1-F6EECF244321}">
+                <p14:modId xmlns:p14="http://schemas.microsoft.com/office/powerpoint/2010/main" val="33475714"/>
+              </p:ext>
+            </p:extLst>
+          </p:nvPr>
+        </p:nvGraphicFramePr>
+        <p:xfrm>
+          <a:off x="272628" y="2514600"/>
+          <a:ext cx="4375572" cy="3505200"/>
+        </p:xfrm>
+        <a:graphic>
+          <a:graphicData uri="http://schemas.openxmlformats.org/drawingml/2006/table">
+            <a:tbl>
+              <a:tblPr>
+                <a:tableStyleId>{5C22544A-7EE6-4342-B048-85BDC9FD1C3A}</a:tableStyleId>
+              </a:tblPr>
+              <a:tblGrid>
+                <a:gridCol w="1097280"/>
+                <a:gridCol w="1097280"/>
+                <a:gridCol w="2181012"/>
+              </a:tblGrid>
+              <a:tr h="0">
+                <a:tc>
+                  <a:txBody>
+                    <a:bodyPr/>
+                    <a:lstStyle/>
+                    <a:p>
+                      <a:pPr marL="0" marR="0">
+                        <a:spcBef>
+                          <a:spcPts val="0"/>
+                        </a:spcBef>
+                        <a:spcAft>
+                          <a:spcPts val="0"/>
+                        </a:spcAft>
+                      </a:pPr>
+                      <a:r>
+                        <a:rPr lang="id-ID" sz="1000" dirty="0">
+                          <a:effectLst/>
+                        </a:rPr>
+                        <a:t>ID</a:t>
+                      </a:r>
+                      <a:endParaRPr lang="en-US" sz="1000" dirty="0">
+                        <a:effectLst/>
+                        <a:latin typeface="Times New Roman"/>
+                        <a:ea typeface="Times New Roman"/>
+                      </a:endParaRPr>
+                    </a:p>
+                  </a:txBody>
+                  <a:tcPr marL="68580" marR="68580" marT="0" marB="0"/>
+                </a:tc>
+                <a:tc>
+                  <a:txBody>
+                    <a:bodyPr/>
+                    <a:lstStyle/>
+                    <a:p>
+                      <a:pPr marL="0" marR="0">
+                        <a:spcBef>
+                          <a:spcPts val="0"/>
+                        </a:spcBef>
+                        <a:spcAft>
+                          <a:spcPts val="0"/>
+                        </a:spcAft>
+                      </a:pPr>
+                      <a:r>
+                        <a:rPr lang="en-GB" sz="1000">
+                          <a:effectLst/>
+                        </a:rPr>
+                        <a:t>Parameter</a:t>
+                      </a:r>
+                      <a:endParaRPr lang="en-US" sz="1000">
+                        <a:effectLst/>
+                        <a:latin typeface="Times New Roman"/>
+                        <a:ea typeface="Times New Roman"/>
+                      </a:endParaRPr>
+                    </a:p>
+                  </a:txBody>
+                  <a:tcPr marL="68580" marR="68580" marT="0" marB="0"/>
+                </a:tc>
+                <a:tc>
+                  <a:txBody>
+                    <a:bodyPr/>
+                    <a:lstStyle/>
+                    <a:p>
+                      <a:pPr marL="0" marR="0">
+                        <a:spcBef>
+                          <a:spcPts val="0"/>
+                        </a:spcBef>
+                        <a:spcAft>
+                          <a:spcPts val="0"/>
+                        </a:spcAft>
+                      </a:pPr>
+                      <a:r>
+                        <a:rPr lang="id-ID" sz="1000" dirty="0">
+                          <a:effectLst/>
+                        </a:rPr>
+                        <a:t>Kebutuhan</a:t>
+                      </a:r>
+                      <a:endParaRPr lang="en-US" sz="1000" dirty="0">
+                        <a:effectLst/>
+                        <a:latin typeface="Times New Roman"/>
+                        <a:ea typeface="Times New Roman"/>
+                      </a:endParaRPr>
+                    </a:p>
+                  </a:txBody>
+                  <a:tcPr marL="68580" marR="68580" marT="0" marB="0"/>
+                </a:tc>
+              </a:tr>
+              <a:tr h="0">
+                <a:tc>
+                  <a:txBody>
+                    <a:bodyPr/>
+                    <a:lstStyle/>
+                    <a:p>
+                      <a:pPr marL="0" marR="0">
+                        <a:spcBef>
+                          <a:spcPts val="0"/>
+                        </a:spcBef>
+                        <a:spcAft>
+                          <a:spcPts val="0"/>
+                        </a:spcAft>
+                      </a:pPr>
+                      <a:r>
+                        <a:rPr lang="en-GB" sz="1000">
+                          <a:effectLst/>
+                        </a:rPr>
+                        <a:t>KIDok-NF-01</a:t>
+                      </a:r>
+                      <a:endParaRPr lang="en-US" sz="1000">
+                        <a:effectLst/>
+                        <a:latin typeface="Times New Roman"/>
+                        <a:ea typeface="Times New Roman"/>
+                      </a:endParaRPr>
+                    </a:p>
+                  </a:txBody>
+                  <a:tcPr marL="68580" marR="68580" marT="0" marB="0"/>
+                </a:tc>
+                <a:tc>
+                  <a:txBody>
+                    <a:bodyPr/>
+                    <a:lstStyle/>
+                    <a:p>
+                      <a:pPr marL="0" marR="0">
+                        <a:spcBef>
+                          <a:spcPts val="0"/>
+                        </a:spcBef>
+                        <a:spcAft>
+                          <a:spcPts val="0"/>
+                        </a:spcAft>
+                      </a:pPr>
+                      <a:r>
+                        <a:rPr lang="en-GB" sz="1000">
+                          <a:effectLst/>
+                        </a:rPr>
+                        <a:t>Availability</a:t>
+                      </a:r>
+                      <a:endParaRPr lang="en-US" sz="1000">
+                        <a:effectLst/>
+                        <a:latin typeface="Times New Roman"/>
+                        <a:ea typeface="Times New Roman"/>
+                      </a:endParaRPr>
+                    </a:p>
+                  </a:txBody>
+                  <a:tcPr marL="68580" marR="68580" marT="0" marB="0"/>
+                </a:tc>
+                <a:tc>
+                  <a:txBody>
+                    <a:bodyPr/>
+                    <a:lstStyle/>
+                    <a:p>
+                      <a:pPr marL="0" marR="0">
+                        <a:spcBef>
+                          <a:spcPts val="0"/>
+                        </a:spcBef>
+                        <a:spcAft>
+                          <a:spcPts val="0"/>
+                        </a:spcAft>
+                      </a:pPr>
+                      <a:r>
+                        <a:rPr lang="en-GB" sz="1000" dirty="0" err="1">
+                          <a:effectLst/>
+                        </a:rPr>
+                        <a:t>Aplikasi</a:t>
+                      </a:r>
+                      <a:r>
+                        <a:rPr lang="en-GB" sz="1000" dirty="0">
+                          <a:effectLst/>
+                        </a:rPr>
+                        <a:t> </a:t>
+                      </a:r>
+                      <a:r>
+                        <a:rPr lang="en-GB" sz="1000" dirty="0" err="1">
+                          <a:effectLst/>
+                        </a:rPr>
+                        <a:t>digunakan</a:t>
+                      </a:r>
+                      <a:r>
+                        <a:rPr lang="en-GB" sz="1000" dirty="0">
+                          <a:effectLst/>
+                        </a:rPr>
+                        <a:t> </a:t>
+                      </a:r>
+                      <a:r>
+                        <a:rPr lang="en-GB" sz="1000" dirty="0" err="1">
+                          <a:effectLst/>
+                        </a:rPr>
+                        <a:t>saat</a:t>
+                      </a:r>
+                      <a:r>
+                        <a:rPr lang="en-GB" sz="1000" dirty="0">
+                          <a:effectLst/>
+                        </a:rPr>
+                        <a:t> </a:t>
+                      </a:r>
+                      <a:r>
+                        <a:rPr lang="en-GB" sz="1000" dirty="0" err="1">
+                          <a:effectLst/>
+                        </a:rPr>
+                        <a:t>diperlukan</a:t>
+                      </a:r>
+                      <a:r>
+                        <a:rPr lang="en-GB" sz="1000" dirty="0">
+                          <a:effectLst/>
+                        </a:rPr>
+                        <a:t> </a:t>
+                      </a:r>
+                      <a:r>
+                        <a:rPr lang="en-GB" sz="1000" dirty="0" err="1">
+                          <a:effectLst/>
+                        </a:rPr>
+                        <a:t>saja</a:t>
+                      </a:r>
+                      <a:r>
+                        <a:rPr lang="en-GB" sz="1000" dirty="0">
+                          <a:effectLst/>
+                        </a:rPr>
+                        <a:t>.</a:t>
+                      </a:r>
+                      <a:endParaRPr lang="en-US" sz="1000" dirty="0">
+                        <a:effectLst/>
+                        <a:latin typeface="Times New Roman"/>
+                        <a:ea typeface="Times New Roman"/>
+                      </a:endParaRPr>
+                    </a:p>
+                  </a:txBody>
+                  <a:tcPr marL="68580" marR="68580" marT="0" marB="0"/>
+                </a:tc>
+              </a:tr>
+              <a:tr h="0">
+                <a:tc>
+                  <a:txBody>
+                    <a:bodyPr/>
+                    <a:lstStyle/>
+                    <a:p>
+                      <a:pPr marL="0" marR="0">
+                        <a:spcBef>
+                          <a:spcPts val="0"/>
+                        </a:spcBef>
+                        <a:spcAft>
+                          <a:spcPts val="0"/>
+                        </a:spcAft>
+                      </a:pPr>
+                      <a:r>
+                        <a:rPr lang="en-GB" sz="1000">
+                          <a:effectLst/>
+                        </a:rPr>
+                        <a:t>KIDok-NF-02</a:t>
+                      </a:r>
+                      <a:endParaRPr lang="en-US" sz="1000">
+                        <a:effectLst/>
+                        <a:latin typeface="Times New Roman"/>
+                        <a:ea typeface="Times New Roman"/>
+                      </a:endParaRPr>
+                    </a:p>
+                  </a:txBody>
+                  <a:tcPr marL="68580" marR="68580" marT="0" marB="0"/>
+                </a:tc>
+                <a:tc>
+                  <a:txBody>
+                    <a:bodyPr/>
+                    <a:lstStyle/>
+                    <a:p>
+                      <a:pPr marL="0" marR="0">
+                        <a:spcBef>
+                          <a:spcPts val="0"/>
+                        </a:spcBef>
+                        <a:spcAft>
+                          <a:spcPts val="0"/>
+                        </a:spcAft>
+                      </a:pPr>
+                      <a:r>
+                        <a:rPr lang="en-GB" sz="1000">
+                          <a:effectLst/>
+                        </a:rPr>
+                        <a:t>Reliability</a:t>
+                      </a:r>
+                      <a:endParaRPr lang="en-US" sz="1000">
+                        <a:effectLst/>
+                        <a:latin typeface="Times New Roman"/>
+                        <a:ea typeface="Times New Roman"/>
+                      </a:endParaRPr>
+                    </a:p>
+                  </a:txBody>
+                  <a:tcPr marL="68580" marR="68580" marT="0" marB="0"/>
+                </a:tc>
+                <a:tc>
+                  <a:txBody>
+                    <a:bodyPr/>
+                    <a:lstStyle/>
+                    <a:p>
+                      <a:pPr marL="0" marR="0">
+                        <a:spcBef>
+                          <a:spcPts val="0"/>
+                        </a:spcBef>
+                        <a:spcAft>
+                          <a:spcPts val="0"/>
+                        </a:spcAft>
+                      </a:pPr>
+                      <a:r>
+                        <a:rPr lang="en-GB" sz="1000">
+                          <a:effectLst/>
+                        </a:rPr>
+                        <a:t>Tidak gagal dalam pencocokkan kata.</a:t>
+                      </a:r>
+                      <a:endParaRPr lang="en-US" sz="1000">
+                        <a:effectLst/>
+                        <a:latin typeface="Times New Roman"/>
+                        <a:ea typeface="Times New Roman"/>
+                      </a:endParaRPr>
+                    </a:p>
+                  </a:txBody>
+                  <a:tcPr marL="68580" marR="68580" marT="0" marB="0"/>
+                </a:tc>
+              </a:tr>
+              <a:tr h="0">
+                <a:tc>
+                  <a:txBody>
+                    <a:bodyPr/>
+                    <a:lstStyle/>
+                    <a:p>
+                      <a:pPr marL="0" marR="0">
+                        <a:spcBef>
+                          <a:spcPts val="0"/>
+                        </a:spcBef>
+                        <a:spcAft>
+                          <a:spcPts val="0"/>
+                        </a:spcAft>
+                      </a:pPr>
+                      <a:r>
+                        <a:rPr lang="en-GB" sz="1000">
+                          <a:effectLst/>
+                        </a:rPr>
+                        <a:t>KIDok-NF-03</a:t>
+                      </a:r>
+                      <a:endParaRPr lang="en-US" sz="1000">
+                        <a:effectLst/>
+                        <a:latin typeface="Times New Roman"/>
+                        <a:ea typeface="Times New Roman"/>
+                      </a:endParaRPr>
+                    </a:p>
+                  </a:txBody>
+                  <a:tcPr marL="68580" marR="68580" marT="0" marB="0"/>
+                </a:tc>
+                <a:tc>
+                  <a:txBody>
+                    <a:bodyPr/>
+                    <a:lstStyle/>
+                    <a:p>
+                      <a:pPr marL="0" marR="0">
+                        <a:spcBef>
+                          <a:spcPts val="0"/>
+                        </a:spcBef>
+                        <a:spcAft>
+                          <a:spcPts val="0"/>
+                        </a:spcAft>
+                      </a:pPr>
+                      <a:r>
+                        <a:rPr lang="en-GB" sz="1000">
+                          <a:effectLst/>
+                        </a:rPr>
+                        <a:t>Ergonomy</a:t>
+                      </a:r>
+                      <a:endParaRPr lang="en-US" sz="1000">
+                        <a:effectLst/>
+                        <a:latin typeface="Times New Roman"/>
+                        <a:ea typeface="Times New Roman"/>
+                      </a:endParaRPr>
+                    </a:p>
+                  </a:txBody>
+                  <a:tcPr marL="68580" marR="68580" marT="0" marB="0"/>
+                </a:tc>
+                <a:tc>
+                  <a:txBody>
+                    <a:bodyPr/>
+                    <a:lstStyle/>
+                    <a:p>
+                      <a:pPr marL="0" marR="0">
+                        <a:spcBef>
+                          <a:spcPts val="0"/>
+                        </a:spcBef>
+                        <a:spcAft>
+                          <a:spcPts val="0"/>
+                        </a:spcAft>
+                      </a:pPr>
+                      <a:r>
+                        <a:rPr lang="en-GB" sz="1000">
+                          <a:effectLst/>
+                        </a:rPr>
+                        <a:t>Nyaman dipakai karena user friendly.</a:t>
+                      </a:r>
+                      <a:endParaRPr lang="en-US" sz="1000">
+                        <a:effectLst/>
+                        <a:latin typeface="Times New Roman"/>
+                        <a:ea typeface="Times New Roman"/>
+                      </a:endParaRPr>
+                    </a:p>
+                  </a:txBody>
+                  <a:tcPr marL="68580" marR="68580" marT="0" marB="0"/>
+                </a:tc>
+              </a:tr>
+              <a:tr h="0">
+                <a:tc>
+                  <a:txBody>
+                    <a:bodyPr/>
+                    <a:lstStyle/>
+                    <a:p>
+                      <a:pPr marL="0" marR="0">
+                        <a:spcBef>
+                          <a:spcPts val="0"/>
+                        </a:spcBef>
+                        <a:spcAft>
+                          <a:spcPts val="0"/>
+                        </a:spcAft>
+                      </a:pPr>
+                      <a:r>
+                        <a:rPr lang="en-GB" sz="1000">
+                          <a:effectLst/>
+                        </a:rPr>
+                        <a:t>KIDok-NF-04</a:t>
+                      </a:r>
+                      <a:endParaRPr lang="en-US" sz="1000">
+                        <a:effectLst/>
+                        <a:latin typeface="Times New Roman"/>
+                        <a:ea typeface="Times New Roman"/>
+                      </a:endParaRPr>
+                    </a:p>
+                  </a:txBody>
+                  <a:tcPr marL="68580" marR="68580" marT="0" marB="0"/>
+                </a:tc>
+                <a:tc>
+                  <a:txBody>
+                    <a:bodyPr/>
+                    <a:lstStyle/>
+                    <a:p>
+                      <a:pPr marL="0" marR="0">
+                        <a:spcBef>
+                          <a:spcPts val="0"/>
+                        </a:spcBef>
+                        <a:spcAft>
+                          <a:spcPts val="0"/>
+                        </a:spcAft>
+                      </a:pPr>
+                      <a:r>
+                        <a:rPr lang="en-GB" sz="1000">
+                          <a:effectLst/>
+                        </a:rPr>
+                        <a:t>Portability</a:t>
+                      </a:r>
+                      <a:endParaRPr lang="en-US" sz="1000">
+                        <a:effectLst/>
+                        <a:latin typeface="Times New Roman"/>
+                        <a:ea typeface="Times New Roman"/>
+                      </a:endParaRPr>
+                    </a:p>
+                  </a:txBody>
+                  <a:tcPr marL="68580" marR="68580" marT="0" marB="0"/>
+                </a:tc>
+                <a:tc>
+                  <a:txBody>
+                    <a:bodyPr/>
+                    <a:lstStyle/>
+                    <a:p>
+                      <a:pPr marL="0" marR="0">
+                        <a:spcBef>
+                          <a:spcPts val="0"/>
+                        </a:spcBef>
+                        <a:spcAft>
+                          <a:spcPts val="0"/>
+                        </a:spcAft>
+                      </a:pPr>
+                      <a:r>
+                        <a:rPr lang="en-GB" sz="1000">
+                          <a:effectLst/>
+                        </a:rPr>
+                        <a:t>Dapat digunakan pada OS Android di mobile, PC, dll.</a:t>
+                      </a:r>
+                      <a:endParaRPr lang="en-US" sz="1000">
+                        <a:effectLst/>
+                        <a:latin typeface="Times New Roman"/>
+                        <a:ea typeface="Times New Roman"/>
+                      </a:endParaRPr>
+                    </a:p>
+                  </a:txBody>
+                  <a:tcPr marL="68580" marR="68580" marT="0" marB="0"/>
+                </a:tc>
+              </a:tr>
+              <a:tr h="0">
+                <a:tc>
+                  <a:txBody>
+                    <a:bodyPr/>
+                    <a:lstStyle/>
+                    <a:p>
+                      <a:pPr marL="0" marR="0">
+                        <a:spcBef>
+                          <a:spcPts val="0"/>
+                        </a:spcBef>
+                        <a:spcAft>
+                          <a:spcPts val="0"/>
+                        </a:spcAft>
+                      </a:pPr>
+                      <a:r>
+                        <a:rPr lang="en-GB" sz="1000">
+                          <a:effectLst/>
+                        </a:rPr>
+                        <a:t>KIDok-NF-05</a:t>
+                      </a:r>
+                      <a:endParaRPr lang="en-US" sz="1000">
+                        <a:effectLst/>
+                        <a:latin typeface="Times New Roman"/>
+                        <a:ea typeface="Times New Roman"/>
+                      </a:endParaRPr>
+                    </a:p>
+                  </a:txBody>
+                  <a:tcPr marL="68580" marR="68580" marT="0" marB="0"/>
+                </a:tc>
+                <a:tc>
+                  <a:txBody>
+                    <a:bodyPr/>
+                    <a:lstStyle/>
+                    <a:p>
+                      <a:pPr marL="0" marR="0">
+                        <a:spcBef>
+                          <a:spcPts val="0"/>
+                        </a:spcBef>
+                        <a:spcAft>
+                          <a:spcPts val="0"/>
+                        </a:spcAft>
+                      </a:pPr>
+                      <a:r>
+                        <a:rPr lang="en-GB" sz="1000">
+                          <a:effectLst/>
+                        </a:rPr>
+                        <a:t>Memory</a:t>
+                      </a:r>
+                      <a:endParaRPr lang="en-US" sz="1000">
+                        <a:effectLst/>
+                        <a:latin typeface="Times New Roman"/>
+                        <a:ea typeface="Times New Roman"/>
+                      </a:endParaRPr>
+                    </a:p>
+                  </a:txBody>
+                  <a:tcPr marL="68580" marR="68580" marT="0" marB="0"/>
+                </a:tc>
+                <a:tc>
+                  <a:txBody>
+                    <a:bodyPr/>
+                    <a:lstStyle/>
+                    <a:p>
+                      <a:pPr marL="0" marR="0">
+                        <a:spcBef>
+                          <a:spcPts val="0"/>
+                        </a:spcBef>
+                        <a:spcAft>
+                          <a:spcPts val="0"/>
+                        </a:spcAft>
+                      </a:pPr>
+                      <a:r>
+                        <a:rPr lang="en-GB" sz="1000">
+                          <a:effectLst/>
+                        </a:rPr>
+                        <a:t>Memerlukan sedikit memory karena ukuran relative kecil.</a:t>
+                      </a:r>
+                      <a:endParaRPr lang="en-US" sz="1000">
+                        <a:effectLst/>
+                        <a:latin typeface="Times New Roman"/>
+                        <a:ea typeface="Times New Roman"/>
+                      </a:endParaRPr>
+                    </a:p>
+                  </a:txBody>
+                  <a:tcPr marL="68580" marR="68580" marT="0" marB="0"/>
+                </a:tc>
+              </a:tr>
+              <a:tr h="0">
+                <a:tc>
+                  <a:txBody>
+                    <a:bodyPr/>
+                    <a:lstStyle/>
+                    <a:p>
+                      <a:pPr marL="0" marR="0">
+                        <a:spcBef>
+                          <a:spcPts val="0"/>
+                        </a:spcBef>
+                        <a:spcAft>
+                          <a:spcPts val="0"/>
+                        </a:spcAft>
+                      </a:pPr>
+                      <a:r>
+                        <a:rPr lang="en-GB" sz="1000">
+                          <a:effectLst/>
+                        </a:rPr>
+                        <a:t>KIDok-NF-06</a:t>
+                      </a:r>
+                      <a:endParaRPr lang="en-US" sz="1000">
+                        <a:effectLst/>
+                        <a:latin typeface="Times New Roman"/>
+                        <a:ea typeface="Times New Roman"/>
+                      </a:endParaRPr>
+                    </a:p>
+                  </a:txBody>
+                  <a:tcPr marL="68580" marR="68580" marT="0" marB="0"/>
+                </a:tc>
+                <a:tc>
+                  <a:txBody>
+                    <a:bodyPr/>
+                    <a:lstStyle/>
+                    <a:p>
+                      <a:pPr marL="0" marR="0">
+                        <a:spcBef>
+                          <a:spcPts val="0"/>
+                        </a:spcBef>
+                        <a:spcAft>
+                          <a:spcPts val="0"/>
+                        </a:spcAft>
+                      </a:pPr>
+                      <a:r>
+                        <a:rPr lang="en-GB" sz="1000">
+                          <a:effectLst/>
+                        </a:rPr>
+                        <a:t>Response time</a:t>
+                      </a:r>
+                      <a:endParaRPr lang="en-US" sz="1000">
+                        <a:effectLst/>
+                        <a:latin typeface="Times New Roman"/>
+                        <a:ea typeface="Times New Roman"/>
+                      </a:endParaRPr>
+                    </a:p>
+                  </a:txBody>
+                  <a:tcPr marL="68580" marR="68580" marT="0" marB="0"/>
+                </a:tc>
+                <a:tc>
+                  <a:txBody>
+                    <a:bodyPr/>
+                    <a:lstStyle/>
+                    <a:p>
+                      <a:pPr marL="0" marR="0">
+                        <a:spcBef>
+                          <a:spcPts val="0"/>
+                        </a:spcBef>
+                        <a:spcAft>
+                          <a:spcPts val="0"/>
+                        </a:spcAft>
+                      </a:pPr>
+                      <a:r>
+                        <a:rPr lang="en-GB" sz="1000">
+                          <a:effectLst/>
+                        </a:rPr>
+                        <a:t>Menampilkan deskripsi dalam waktu 5 detik.</a:t>
+                      </a:r>
+                      <a:endParaRPr lang="en-US" sz="1000">
+                        <a:effectLst/>
+                        <a:latin typeface="Times New Roman"/>
+                        <a:ea typeface="Times New Roman"/>
+                      </a:endParaRPr>
+                    </a:p>
+                  </a:txBody>
+                  <a:tcPr marL="68580" marR="68580" marT="0" marB="0"/>
+                </a:tc>
+              </a:tr>
+              <a:tr h="0">
+                <a:tc>
+                  <a:txBody>
+                    <a:bodyPr/>
+                    <a:lstStyle/>
+                    <a:p>
+                      <a:pPr marL="0" marR="0">
+                        <a:spcBef>
+                          <a:spcPts val="0"/>
+                        </a:spcBef>
+                        <a:spcAft>
+                          <a:spcPts val="0"/>
+                        </a:spcAft>
+                      </a:pPr>
+                      <a:r>
+                        <a:rPr lang="en-GB" sz="1000">
+                          <a:effectLst/>
+                        </a:rPr>
+                        <a:t>KIDok-NF-07</a:t>
+                      </a:r>
+                      <a:endParaRPr lang="en-US" sz="1000">
+                        <a:effectLst/>
+                        <a:latin typeface="Times New Roman"/>
+                        <a:ea typeface="Times New Roman"/>
+                      </a:endParaRPr>
+                    </a:p>
+                  </a:txBody>
+                  <a:tcPr marL="68580" marR="68580" marT="0" marB="0"/>
+                </a:tc>
+                <a:tc>
+                  <a:txBody>
+                    <a:bodyPr/>
+                    <a:lstStyle/>
+                    <a:p>
+                      <a:pPr marL="0" marR="0">
+                        <a:spcBef>
+                          <a:spcPts val="0"/>
+                        </a:spcBef>
+                        <a:spcAft>
+                          <a:spcPts val="0"/>
+                        </a:spcAft>
+                      </a:pPr>
+                      <a:r>
+                        <a:rPr lang="en-GB" sz="1000">
+                          <a:effectLst/>
+                        </a:rPr>
+                        <a:t>Safety</a:t>
+                      </a:r>
+                      <a:endParaRPr lang="en-US" sz="1000">
+                        <a:effectLst/>
+                        <a:latin typeface="Times New Roman"/>
+                        <a:ea typeface="Times New Roman"/>
+                      </a:endParaRPr>
+                    </a:p>
+                  </a:txBody>
+                  <a:tcPr marL="68580" marR="68580" marT="0" marB="0"/>
+                </a:tc>
+                <a:tc>
+                  <a:txBody>
+                    <a:bodyPr/>
+                    <a:lstStyle/>
+                    <a:p>
+                      <a:pPr marL="0" marR="0">
+                        <a:spcBef>
+                          <a:spcPts val="0"/>
+                        </a:spcBef>
+                        <a:spcAft>
+                          <a:spcPts val="0"/>
+                        </a:spcAft>
+                      </a:pPr>
+                      <a:r>
+                        <a:rPr lang="en-GB" sz="1000">
+                          <a:effectLst/>
+                        </a:rPr>
+                        <a:t>Software dipakai di system operasi Android.</a:t>
+                      </a:r>
+                      <a:endParaRPr lang="en-US" sz="1000">
+                        <a:effectLst/>
+                        <a:latin typeface="Times New Roman"/>
+                        <a:ea typeface="Times New Roman"/>
+                      </a:endParaRPr>
+                    </a:p>
+                  </a:txBody>
+                  <a:tcPr marL="68580" marR="68580" marT="0" marB="0"/>
+                </a:tc>
+              </a:tr>
+              <a:tr h="0">
+                <a:tc>
+                  <a:txBody>
+                    <a:bodyPr/>
+                    <a:lstStyle/>
+                    <a:p>
+                      <a:pPr marL="0" marR="0">
+                        <a:spcBef>
+                          <a:spcPts val="0"/>
+                        </a:spcBef>
+                        <a:spcAft>
+                          <a:spcPts val="0"/>
+                        </a:spcAft>
+                      </a:pPr>
+                      <a:r>
+                        <a:rPr lang="en-GB" sz="1000">
+                          <a:effectLst/>
+                        </a:rPr>
+                        <a:t>KIDok-NF-08</a:t>
+                      </a:r>
+                      <a:endParaRPr lang="en-US" sz="1000">
+                        <a:effectLst/>
+                        <a:latin typeface="Times New Roman"/>
+                        <a:ea typeface="Times New Roman"/>
+                      </a:endParaRPr>
+                    </a:p>
+                  </a:txBody>
+                  <a:tcPr marL="68580" marR="68580" marT="0" marB="0"/>
+                </a:tc>
+                <a:tc>
+                  <a:txBody>
+                    <a:bodyPr/>
+                    <a:lstStyle/>
+                    <a:p>
+                      <a:pPr marL="0" marR="0">
+                        <a:spcBef>
+                          <a:spcPts val="0"/>
+                        </a:spcBef>
+                        <a:spcAft>
+                          <a:spcPts val="0"/>
+                        </a:spcAft>
+                      </a:pPr>
+                      <a:r>
+                        <a:rPr lang="en-GB" sz="1000">
+                          <a:effectLst/>
+                        </a:rPr>
+                        <a:t>Security</a:t>
+                      </a:r>
+                      <a:endParaRPr lang="en-US" sz="1000">
+                        <a:effectLst/>
+                        <a:latin typeface="Times New Roman"/>
+                        <a:ea typeface="Times New Roman"/>
+                      </a:endParaRPr>
+                    </a:p>
+                  </a:txBody>
+                  <a:tcPr marL="68580" marR="68580" marT="0" marB="0"/>
+                </a:tc>
+                <a:tc>
+                  <a:txBody>
+                    <a:bodyPr/>
+                    <a:lstStyle/>
+                    <a:p>
+                      <a:pPr marL="0" marR="0">
+                        <a:spcBef>
+                          <a:spcPts val="0"/>
+                        </a:spcBef>
+                        <a:spcAft>
+                          <a:spcPts val="0"/>
+                        </a:spcAft>
+                      </a:pPr>
+                      <a:r>
+                        <a:rPr lang="en-GB" sz="1000">
+                          <a:effectLst/>
+                        </a:rPr>
+                        <a:t>Keamanan dengan menampilkan copyright.</a:t>
+                      </a:r>
+                      <a:endParaRPr lang="en-US" sz="1000">
+                        <a:effectLst/>
+                        <a:latin typeface="Times New Roman"/>
+                        <a:ea typeface="Times New Roman"/>
+                      </a:endParaRPr>
+                    </a:p>
+                  </a:txBody>
+                  <a:tcPr marL="68580" marR="68580" marT="0" marB="0"/>
+                </a:tc>
+              </a:tr>
+              <a:tr h="0">
+                <a:tc>
+                  <a:txBody>
+                    <a:bodyPr/>
+                    <a:lstStyle/>
+                    <a:p>
+                      <a:pPr marL="0" marR="0">
+                        <a:spcBef>
+                          <a:spcPts val="0"/>
+                        </a:spcBef>
+                        <a:spcAft>
+                          <a:spcPts val="0"/>
+                        </a:spcAft>
+                      </a:pPr>
+                      <a:r>
+                        <a:rPr lang="en-GB" sz="1000">
+                          <a:effectLst/>
+                        </a:rPr>
+                        <a:t>KIDok-NF-09</a:t>
+                      </a:r>
+                      <a:endParaRPr lang="en-US" sz="1000">
+                        <a:effectLst/>
+                        <a:latin typeface="Times New Roman"/>
+                        <a:ea typeface="Times New Roman"/>
+                      </a:endParaRPr>
+                    </a:p>
+                  </a:txBody>
+                  <a:tcPr marL="68580" marR="68580" marT="0" marB="0"/>
+                </a:tc>
+                <a:tc>
+                  <a:txBody>
+                    <a:bodyPr/>
+                    <a:lstStyle/>
+                    <a:p>
+                      <a:pPr marL="0" marR="0">
+                        <a:spcBef>
+                          <a:spcPts val="0"/>
+                        </a:spcBef>
+                        <a:spcAft>
+                          <a:spcPts val="0"/>
+                        </a:spcAft>
+                      </a:pPr>
+                      <a:r>
+                        <a:rPr lang="en-GB" sz="1000">
+                          <a:effectLst/>
+                        </a:rPr>
+                        <a:t>User Interface</a:t>
+                      </a:r>
+                      <a:endParaRPr lang="en-US" sz="1000">
+                        <a:effectLst/>
+                        <a:latin typeface="Times New Roman"/>
+                        <a:ea typeface="Times New Roman"/>
+                      </a:endParaRPr>
+                    </a:p>
+                  </a:txBody>
+                  <a:tcPr marL="68580" marR="68580" marT="0" marB="0"/>
+                </a:tc>
+                <a:tc>
+                  <a:txBody>
+                    <a:bodyPr/>
+                    <a:lstStyle/>
+                    <a:p>
+                      <a:pPr marL="0" marR="0">
+                        <a:spcBef>
+                          <a:spcPts val="0"/>
+                        </a:spcBef>
+                        <a:spcAft>
+                          <a:spcPts val="0"/>
+                        </a:spcAft>
+                      </a:pPr>
+                      <a:r>
+                        <a:rPr lang="en-GB" sz="1000">
+                          <a:effectLst/>
+                        </a:rPr>
+                        <a:t>Sangat User Friendly.</a:t>
+                      </a:r>
+                      <a:endParaRPr lang="en-US" sz="1000">
+                        <a:effectLst/>
+                        <a:latin typeface="Times New Roman"/>
+                        <a:ea typeface="Times New Roman"/>
+                      </a:endParaRPr>
+                    </a:p>
+                  </a:txBody>
+                  <a:tcPr marL="68580" marR="68580" marT="0" marB="0"/>
+                </a:tc>
+              </a:tr>
+              <a:tr h="0">
+                <a:tc>
+                  <a:txBody>
+                    <a:bodyPr/>
+                    <a:lstStyle/>
+                    <a:p>
+                      <a:pPr marL="0" marR="0">
+                        <a:spcBef>
+                          <a:spcPts val="0"/>
+                        </a:spcBef>
+                        <a:spcAft>
+                          <a:spcPts val="0"/>
+                        </a:spcAft>
+                      </a:pPr>
+                      <a:r>
+                        <a:rPr lang="en-GB" sz="1000">
+                          <a:effectLst/>
+                        </a:rPr>
+                        <a:t>KIDok-NF-10</a:t>
+                      </a:r>
+                      <a:endParaRPr lang="en-US" sz="1000">
+                        <a:effectLst/>
+                        <a:latin typeface="Times New Roman"/>
+                        <a:ea typeface="Times New Roman"/>
+                      </a:endParaRPr>
+                    </a:p>
+                  </a:txBody>
+                  <a:tcPr marL="68580" marR="68580" marT="0" marB="0"/>
+                </a:tc>
+                <a:tc>
+                  <a:txBody>
+                    <a:bodyPr/>
+                    <a:lstStyle/>
+                    <a:p>
+                      <a:pPr marL="0" marR="0">
+                        <a:spcBef>
+                          <a:spcPts val="0"/>
+                        </a:spcBef>
+                        <a:spcAft>
+                          <a:spcPts val="0"/>
+                        </a:spcAft>
+                      </a:pPr>
+                      <a:r>
+                        <a:rPr lang="en-GB" sz="1000">
+                          <a:effectLst/>
+                        </a:rPr>
+                        <a:t>Others 1: Bahasa komunikasi</a:t>
+                      </a:r>
+                      <a:endParaRPr lang="en-US" sz="1000">
+                        <a:effectLst/>
+                        <a:latin typeface="Times New Roman"/>
+                        <a:ea typeface="Times New Roman"/>
+                      </a:endParaRPr>
+                    </a:p>
+                  </a:txBody>
+                  <a:tcPr marL="68580" marR="68580" marT="0" marB="0"/>
+                </a:tc>
+                <a:tc>
+                  <a:txBody>
+                    <a:bodyPr/>
+                    <a:lstStyle/>
+                    <a:p>
+                      <a:pPr marL="0" marR="0">
+                        <a:spcBef>
+                          <a:spcPts val="0"/>
+                        </a:spcBef>
+                        <a:spcAft>
+                          <a:spcPts val="0"/>
+                        </a:spcAft>
+                      </a:pPr>
+                      <a:r>
+                        <a:rPr lang="en-US" sz="1000">
+                          <a:effectLst/>
+                        </a:rPr>
+                        <a:t>Semua harus dalam bahasa Indonesia.</a:t>
+                      </a:r>
+                      <a:endParaRPr lang="en-US" sz="1000">
+                        <a:effectLst/>
+                        <a:latin typeface="Times New Roman"/>
+                        <a:ea typeface="Times New Roman"/>
+                      </a:endParaRPr>
+                    </a:p>
+                  </a:txBody>
+                  <a:tcPr marL="68580" marR="68580" marT="0" marB="0"/>
+                </a:tc>
+              </a:tr>
+              <a:tr h="0">
+                <a:tc>
+                  <a:txBody>
+                    <a:bodyPr/>
+                    <a:lstStyle/>
+                    <a:p>
+                      <a:pPr marL="0" marR="0">
+                        <a:spcBef>
+                          <a:spcPts val="0"/>
+                        </a:spcBef>
+                        <a:spcAft>
+                          <a:spcPts val="0"/>
+                        </a:spcAft>
+                      </a:pPr>
+                      <a:r>
+                        <a:rPr lang="en-GB" sz="1000">
+                          <a:effectLst/>
+                        </a:rPr>
+                        <a:t>KIDok-NF-11</a:t>
+                      </a:r>
+                      <a:endParaRPr lang="en-US" sz="1000">
+                        <a:effectLst/>
+                        <a:latin typeface="Times New Roman"/>
+                        <a:ea typeface="Times New Roman"/>
+                      </a:endParaRPr>
+                    </a:p>
+                  </a:txBody>
+                  <a:tcPr marL="68580" marR="68580" marT="0" marB="0"/>
+                </a:tc>
+                <a:tc>
+                  <a:txBody>
+                    <a:bodyPr/>
+                    <a:lstStyle/>
+                    <a:p>
+                      <a:pPr marL="0" marR="0">
+                        <a:spcBef>
+                          <a:spcPts val="0"/>
+                        </a:spcBef>
+                        <a:spcAft>
+                          <a:spcPts val="0"/>
+                        </a:spcAft>
+                      </a:pPr>
+                      <a:r>
+                        <a:rPr lang="en-US" sz="1000">
+                          <a:effectLst/>
+                        </a:rPr>
+                        <a:t>Other 2 : Logo</a:t>
+                      </a:r>
+                      <a:endParaRPr lang="en-US" sz="1000">
+                        <a:effectLst/>
+                        <a:latin typeface="Times New Roman"/>
+                        <a:ea typeface="Times New Roman"/>
+                      </a:endParaRPr>
+                    </a:p>
+                  </a:txBody>
+                  <a:tcPr marL="68580" marR="68580" marT="0" marB="0"/>
+                </a:tc>
+                <a:tc>
+                  <a:txBody>
+                    <a:bodyPr/>
+                    <a:lstStyle/>
+                    <a:p>
+                      <a:pPr marL="0" marR="0">
+                        <a:spcBef>
+                          <a:spcPts val="0"/>
+                        </a:spcBef>
+                        <a:spcAft>
+                          <a:spcPts val="0"/>
+                        </a:spcAft>
+                      </a:pPr>
+                      <a:r>
+                        <a:rPr lang="en-GB" sz="1000" dirty="0" err="1">
+                          <a:effectLst/>
+                        </a:rPr>
+                        <a:t>Setiap</a:t>
+                      </a:r>
+                      <a:r>
+                        <a:rPr lang="en-GB" sz="1000" dirty="0">
+                          <a:effectLst/>
+                        </a:rPr>
+                        <a:t> </a:t>
+                      </a:r>
+                      <a:r>
+                        <a:rPr lang="en-GB" sz="1000" dirty="0" err="1">
+                          <a:effectLst/>
+                        </a:rPr>
+                        <a:t>layar</a:t>
+                      </a:r>
+                      <a:r>
+                        <a:rPr lang="en-GB" sz="1000" dirty="0">
+                          <a:effectLst/>
+                        </a:rPr>
+                        <a:t> </a:t>
+                      </a:r>
+                      <a:r>
+                        <a:rPr lang="en-GB" sz="1000" dirty="0" err="1">
+                          <a:effectLst/>
+                        </a:rPr>
+                        <a:t>harus</a:t>
+                      </a:r>
+                      <a:r>
+                        <a:rPr lang="en-GB" sz="1000" dirty="0">
+                          <a:effectLst/>
+                        </a:rPr>
+                        <a:t> </a:t>
+                      </a:r>
+                      <a:r>
+                        <a:rPr lang="en-GB" sz="1000" dirty="0" err="1">
+                          <a:effectLst/>
+                        </a:rPr>
+                        <a:t>mengandung</a:t>
+                      </a:r>
+                      <a:r>
+                        <a:rPr lang="en-GB" sz="1000" dirty="0">
+                          <a:effectLst/>
+                        </a:rPr>
+                        <a:t> logo </a:t>
+                      </a:r>
+                      <a:r>
+                        <a:rPr lang="en-GB" sz="1000" dirty="0" err="1">
+                          <a:effectLst/>
+                        </a:rPr>
+                        <a:t>kidok</a:t>
+                      </a:r>
+                      <a:r>
+                        <a:rPr lang="en-GB" sz="1000" dirty="0">
+                          <a:effectLst/>
+                        </a:rPr>
+                        <a:t>.</a:t>
+                      </a:r>
+                      <a:endParaRPr lang="en-US" sz="1000" dirty="0">
+                        <a:effectLst/>
+                        <a:latin typeface="Times New Roman"/>
+                        <a:ea typeface="Times New Roman"/>
+                      </a:endParaRPr>
+                    </a:p>
+                  </a:txBody>
+                  <a:tcPr marL="68580" marR="68580" marT="0" marB="0"/>
+                </a:tc>
+              </a:tr>
+            </a:tbl>
+          </a:graphicData>
+        </a:graphic>
+      </p:graphicFrame>
     </p:spTree>
     <p:extLst>
       <p:ext uri="{BB962C8B-B14F-4D97-AF65-F5344CB8AC3E}">
-        <p14:creationId xmlns:p14="http://schemas.microsoft.com/office/powerpoint/2010/main" val="825289668"/>
+        <p14:creationId xmlns:p14="http://schemas.microsoft.com/office/powerpoint/2010/main" val="1726828028"/>
       </p:ext>
     </p:extLst>
   </p:cSld>
